--- a/Sarah's_work/Project 1 Presentation copy.pptx
+++ b/Sarah's_work/Project 1 Presentation copy.pptx
@@ -5,7 +5,7 @@
     <p:sldMasterId id="2147483684" r:id="rId1"/>
   </p:sldMasterIdLst>
   <p:notesMasterIdLst>
-    <p:notesMasterId r:id="rId17"/>
+    <p:notesMasterId r:id="rId18"/>
   </p:notesMasterIdLst>
   <p:sldIdLst>
     <p:sldId id="256" r:id="rId2"/>
@@ -18,11 +18,12 @@
     <p:sldId id="268" r:id="rId9"/>
     <p:sldId id="265" r:id="rId10"/>
     <p:sldId id="269" r:id="rId11"/>
-    <p:sldId id="266" r:id="rId12"/>
-    <p:sldId id="260" r:id="rId13"/>
-    <p:sldId id="261" r:id="rId14"/>
-    <p:sldId id="262" r:id="rId15"/>
-    <p:sldId id="263" r:id="rId16"/>
+    <p:sldId id="273" r:id="rId12"/>
+    <p:sldId id="274" r:id="rId13"/>
+    <p:sldId id="260" r:id="rId14"/>
+    <p:sldId id="261" r:id="rId15"/>
+    <p:sldId id="262" r:id="rId16"/>
+    <p:sldId id="263" r:id="rId17"/>
   </p:sldIdLst>
   <p:sldSz cx="12192000" cy="6858000"/>
   <p:notesSz cx="6858000" cy="9144000"/>
@@ -132,7 +133,7 @@
 <file path=ppt/revisionInfo.xml><?xml version="1.0" encoding="utf-8"?>
 <p1510:revInfo xmlns:a="http://schemas.openxmlformats.org/drawingml/2006/main" xmlns:r="http://schemas.openxmlformats.org/officeDocument/2006/relationships" xmlns:p1510="http://schemas.microsoft.com/office/powerpoint/2015/10/main">
   <p1510:revLst>
-    <p1510:client id="{405055A5-EAA6-417B-A681-6F58EE4BF19C}" v="29" dt="2024-06-09T16:50:25.594"/>
+    <p1510:client id="{405055A5-EAA6-417B-A681-6F58EE4BF19C}" v="53" dt="2024-06-09T17:16:49.395"/>
     <p1510:client id="{CD949640-C028-4809-8343-37C248349D94}" v="8" dt="2024-06-08T18:29:19.233"/>
   </p1510:revLst>
 </p1510:revInfo>
@@ -142,8 +143,8 @@
 <pc:chgInfo xmlns:a="http://schemas.openxmlformats.org/drawingml/2006/main" xmlns:r="http://schemas.openxmlformats.org/officeDocument/2006/relationships" xmlns:ac="http://schemas.microsoft.com/office/drawing/2013/main/command" xmlns:pc="http://schemas.microsoft.com/office/powerpoint/2013/main/command">
   <pc:docChgLst>
     <pc:chgData name="Sarah Chauvin" userId="68f37512aa257305" providerId="LiveId" clId="{405055A5-EAA6-417B-A681-6F58EE4BF19C}"/>
-    <pc:docChg chg="custSel modSld">
-      <pc:chgData name="Sarah Chauvin" userId="68f37512aa257305" providerId="LiveId" clId="{405055A5-EAA6-417B-A681-6F58EE4BF19C}" dt="2024-06-09T16:50:25.594" v="421"/>
+    <pc:docChg chg="undo custSel addSld delSld modSld">
+      <pc:chgData name="Sarah Chauvin" userId="68f37512aa257305" providerId="LiveId" clId="{405055A5-EAA6-417B-A681-6F58EE4BF19C}" dt="2024-06-09T17:16:49.395" v="448"/>
       <pc:docMkLst>
         <pc:docMk/>
       </pc:docMkLst>
@@ -177,8 +178,8 @@
           </ac:spMkLst>
         </pc:spChg>
       </pc:sldChg>
-      <pc:sldChg chg="modTransition">
-        <pc:chgData name="Sarah Chauvin" userId="68f37512aa257305" providerId="LiveId" clId="{405055A5-EAA6-417B-A681-6F58EE4BF19C}" dt="2024-06-09T16:49:29.285" v="412"/>
+      <pc:sldChg chg="modTransition modAnim">
+        <pc:chgData name="Sarah Chauvin" userId="68f37512aa257305" providerId="LiveId" clId="{405055A5-EAA6-417B-A681-6F58EE4BF19C}" dt="2024-06-09T17:03:18.105" v="422"/>
         <pc:sldMkLst>
           <pc:docMk/>
           <pc:sldMk cId="1816128598" sldId="260"/>
@@ -231,8 +232,8 @@
           </ac:picMkLst>
         </pc:picChg>
       </pc:sldChg>
-      <pc:sldChg chg="modTransition">
-        <pc:chgData name="Sarah Chauvin" userId="68f37512aa257305" providerId="LiveId" clId="{405055A5-EAA6-417B-A681-6F58EE4BF19C}" dt="2024-06-09T16:50:25.594" v="421"/>
+      <pc:sldChg chg="modTransition modAnim">
+        <pc:chgData name="Sarah Chauvin" userId="68f37512aa257305" providerId="LiveId" clId="{405055A5-EAA6-417B-A681-6F58EE4BF19C}" dt="2024-06-09T17:10:10.837" v="430"/>
         <pc:sldMkLst>
           <pc:docMk/>
           <pc:sldMk cId="2233030158" sldId="262"/>
@@ -268,12 +269,20 @@
           </ac:spMkLst>
         </pc:spChg>
       </pc:sldChg>
-      <pc:sldChg chg="modTransition">
-        <pc:chgData name="Sarah Chauvin" userId="68f37512aa257305" providerId="LiveId" clId="{405055A5-EAA6-417B-A681-6F58EE4BF19C}" dt="2024-06-09T16:49:21.586" v="411"/>
+      <pc:sldChg chg="modSp del mod modTransition">
+        <pc:chgData name="Sarah Chauvin" userId="68f37512aa257305" providerId="LiveId" clId="{405055A5-EAA6-417B-A681-6F58EE4BF19C}" dt="2024-06-09T17:15:59.930" v="435" actId="47"/>
         <pc:sldMkLst>
           <pc:docMk/>
           <pc:sldMk cId="3488931604" sldId="266"/>
         </pc:sldMkLst>
+        <pc:spChg chg="mod">
+          <ac:chgData name="Sarah Chauvin" userId="68f37512aa257305" providerId="LiveId" clId="{405055A5-EAA6-417B-A681-6F58EE4BF19C}" dt="2024-06-09T17:15:35.831" v="432"/>
+          <ac:spMkLst>
+            <pc:docMk/>
+            <pc:sldMk cId="3488931604" sldId="266"/>
+            <ac:spMk id="3" creationId="{EE2ACB71-0271-AFD8-4F31-A072B7DABF0B}"/>
+          </ac:spMkLst>
+        </pc:spChg>
       </pc:sldChg>
       <pc:sldChg chg="modTransition">
         <pc:chgData name="Sarah Chauvin" userId="68f37512aa257305" providerId="LiveId" clId="{405055A5-EAA6-417B-A681-6F58EE4BF19C}" dt="2024-06-09T16:42:46.649" v="225"/>
@@ -323,6 +332,20 @@
         <pc:sldMkLst>
           <pc:docMk/>
           <pc:sldMk cId="670472193" sldId="272"/>
+        </pc:sldMkLst>
+      </pc:sldChg>
+      <pc:sldChg chg="add modTransition">
+        <pc:chgData name="Sarah Chauvin" userId="68f37512aa257305" providerId="LiveId" clId="{405055A5-EAA6-417B-A681-6F58EE4BF19C}" dt="2024-06-09T17:15:55.687" v="434"/>
+        <pc:sldMkLst>
+          <pc:docMk/>
+          <pc:sldMk cId="675742992" sldId="273"/>
+        </pc:sldMkLst>
+      </pc:sldChg>
+      <pc:sldChg chg="add modTransition">
+        <pc:chgData name="Sarah Chauvin" userId="68f37512aa257305" providerId="LiveId" clId="{405055A5-EAA6-417B-A681-6F58EE4BF19C}" dt="2024-06-09T17:16:49.395" v="448"/>
+        <pc:sldMkLst>
+          <pc:docMk/>
+          <pc:sldMk cId="250233846" sldId="274"/>
         </pc:sldMkLst>
       </pc:sldChg>
     </pc:docChg>
@@ -1219,16 +1242,30 @@
           <a:bodyPr/>
           <a:lstStyle/>
           <a:p>
+            <a:pPr marL="0" marR="0" lvl="0" indent="0" algn="l" defTabSz="914400" rtl="0" eaLnBrk="1" fontAlgn="auto" latinLnBrk="0" hangingPunct="1">
+              <a:lnSpc>
+                <a:spcPct val="100000"/>
+              </a:lnSpc>
+              <a:spcBef>
+                <a:spcPts val="0"/>
+              </a:spcBef>
+              <a:spcAft>
+                <a:spcPts val="0"/>
+              </a:spcAft>
+              <a:buClrTx/>
+              <a:buSzTx/>
+              <a:buFontTx/>
+              <a:buNone/>
+              <a:tabLst/>
+              <a:defRPr/>
+            </a:pPr>
             <a:r>
               <a:rPr lang="en-US" dirty="0"/>
-              <a:t>*** Elizabeth</a:t>
-            </a:r>
-          </a:p>
-          <a:p>
-            <a:r>
-              <a:rPr lang="en-US" dirty="0"/>
-              <a:t>- Weak correlations with most of this data because all the results are subjective</a:t>
-            </a:r>
+              <a:t>*** Gabriela</a:t>
+            </a:r>
+          </a:p>
+          <a:p>
+            <a:endParaRPr lang="en-US" dirty="0"/>
           </a:p>
         </p:txBody>
       </p:sp>
@@ -1258,7 +1295,7 @@
     </p:spTree>
     <p:extLst>
       <p:ext uri="{BB962C8B-B14F-4D97-AF65-F5344CB8AC3E}">
-        <p14:creationId xmlns:p14="http://schemas.microsoft.com/office/powerpoint/2010/main" val="4113606663"/>
+        <p14:creationId xmlns:p14="http://schemas.microsoft.com/office/powerpoint/2010/main" val="2154433155"/>
       </p:ext>
     </p:extLst>
   </p:cSld>
@@ -1314,7 +1351,13 @@
           <a:p>
             <a:r>
               <a:rPr lang="en-US" dirty="0"/>
-              <a:t>*** Gabriela</a:t>
+              <a:t>*** Elizabeth</a:t>
+            </a:r>
+          </a:p>
+          <a:p>
+            <a:r>
+              <a:rPr lang="en-US" dirty="0"/>
+              <a:t>- Weak correlations with most of this data because all the results are subjective</a:t>
             </a:r>
           </a:p>
         </p:txBody>
@@ -1345,7 +1388,7 @@
     </p:spTree>
     <p:extLst>
       <p:ext uri="{BB962C8B-B14F-4D97-AF65-F5344CB8AC3E}">
-        <p14:creationId xmlns:p14="http://schemas.microsoft.com/office/powerpoint/2010/main" val="1851560048"/>
+        <p14:creationId xmlns:p14="http://schemas.microsoft.com/office/powerpoint/2010/main" val="4113606663"/>
       </p:ext>
     </p:extLst>
   </p:cSld>
@@ -1401,63 +1444,7 @@
           <a:p>
             <a:r>
               <a:rPr lang="en-US" dirty="0"/>
-              <a:t>*** Sarah</a:t>
-            </a:r>
-          </a:p>
-          <a:p>
-            <a:r>
-              <a:rPr lang="en-US" dirty="0"/>
-              <a:t>Limitations and improvements for future study:</a:t>
-            </a:r>
-          </a:p>
-          <a:p>
-            <a:pPr marL="171450" indent="-171450">
-              <a:buFontTx/>
-              <a:buChar char="-"/>
-            </a:pPr>
-            <a:r>
-              <a:rPr lang="en-US" dirty="0"/>
-              <a:t>We can’t judge MH improvement with listening to music over time from this data. The same users reporting in over a set time period would offer more capability of establishing relationships with both frequency of genre usage and hours listened/day.</a:t>
-            </a:r>
-          </a:p>
-          <a:p>
-            <a:pPr marL="171450" indent="-171450">
-              <a:buFontTx/>
-              <a:buChar char="-"/>
-            </a:pPr>
-            <a:r>
-              <a:rPr lang="en-US" dirty="0"/>
-              <a:t>The MH data was very subjective. Users were allowed to choose their rank for each disorder from 0 to 10, so it follows that each user might interpolate their numbers differently. If these results were concentrated over a specific geographic location, for instance, the US, we could compare their music stats from the survey with actual published MH stats for objective data.</a:t>
-            </a:r>
-          </a:p>
-          <a:p>
-            <a:pPr marL="171450" indent="-171450">
-              <a:buFontTx/>
-              <a:buChar char="-"/>
-            </a:pPr>
-            <a:r>
-              <a:rPr lang="en-US" dirty="0"/>
-              <a:t>The BPM section was not specific at all. It was optional, so about 100 users did not give a number, and we don’t know if each user interpreted this number to be an average, the most common, or the highest BPM they listen to. This is probably why we couldn’t correlate anything with BPM.</a:t>
-            </a:r>
-          </a:p>
-          <a:p>
-            <a:pPr marL="171450" indent="-171450">
-              <a:buFontTx/>
-              <a:buChar char="-"/>
-            </a:pPr>
-            <a:r>
-              <a:rPr lang="en-US" dirty="0"/>
-              <a:t>The original data asked if users listened during work or not, but didn’t ask for occupation or when else they listen. Clarifying this might make that part of the data mean something. We would also like to see gender included as we have some hypotheses about how music effects men and women differently.</a:t>
-            </a:r>
-          </a:p>
-          <a:p>
-            <a:pPr marL="171450" indent="-171450">
-              <a:buFontTx/>
-              <a:buChar char="-"/>
-            </a:pPr>
-            <a:r>
-              <a:rPr lang="en-US" dirty="0"/>
-              <a:t>Lastly, we have no basis for the result in the Music Effects column. Was the effect from listening to certain genres or listening for so long? Many of our respondents listed high ranks for multiple disorders, so which one(s) does the effect apply to?</a:t>
+              <a:t>*** Gabriela</a:t>
             </a:r>
           </a:p>
         </p:txBody>
@@ -1488,7 +1475,7 @@
     </p:spTree>
     <p:extLst>
       <p:ext uri="{BB962C8B-B14F-4D97-AF65-F5344CB8AC3E}">
-        <p14:creationId xmlns:p14="http://schemas.microsoft.com/office/powerpoint/2010/main" val="2813251706"/>
+        <p14:creationId xmlns:p14="http://schemas.microsoft.com/office/powerpoint/2010/main" val="1851560048"/>
       </p:ext>
     </p:extLst>
   </p:cSld>
@@ -1542,7 +1529,66 @@
           <a:bodyPr/>
           <a:lstStyle/>
           <a:p>
-            <a:endParaRPr lang="en-US" dirty="0"/>
+            <a:r>
+              <a:rPr lang="en-US" dirty="0"/>
+              <a:t>*** Sarah</a:t>
+            </a:r>
+          </a:p>
+          <a:p>
+            <a:r>
+              <a:rPr lang="en-US" dirty="0"/>
+              <a:t>Limitations and improvements for future study:</a:t>
+            </a:r>
+          </a:p>
+          <a:p>
+            <a:pPr marL="171450" indent="-171450">
+              <a:buFontTx/>
+              <a:buChar char="-"/>
+            </a:pPr>
+            <a:r>
+              <a:rPr lang="en-US" dirty="0"/>
+              <a:t>We can’t judge MH improvement with listening to music over time from this data. The same users reporting in over a set time period would offer more capability of establishing relationships with both frequency of genre usage and hours listened/day.</a:t>
+            </a:r>
+          </a:p>
+          <a:p>
+            <a:pPr marL="171450" indent="-171450">
+              <a:buFontTx/>
+              <a:buChar char="-"/>
+            </a:pPr>
+            <a:r>
+              <a:rPr lang="en-US" dirty="0"/>
+              <a:t>The MH data was very subjective. Users were allowed to choose their rank for each disorder from 0 to 10, so it follows that each user might interpolate their numbers differently. If these results were concentrated over a specific geographic location, for instance, the US, we could compare their music stats from the survey with actual published MH stats for objective data.</a:t>
+            </a:r>
+          </a:p>
+          <a:p>
+            <a:pPr marL="171450" indent="-171450">
+              <a:buFontTx/>
+              <a:buChar char="-"/>
+            </a:pPr>
+            <a:r>
+              <a:rPr lang="en-US" dirty="0"/>
+              <a:t>The BPM section was not specific at all. It was optional, so about 100 users did not give a number, and we don’t know if each user interpreted this number to be an average, the most common, or the highest BPM they listen to. This is probably why we couldn’t correlate anything with BPM.</a:t>
+            </a:r>
+          </a:p>
+          <a:p>
+            <a:pPr marL="171450" indent="-171450">
+              <a:buFontTx/>
+              <a:buChar char="-"/>
+            </a:pPr>
+            <a:r>
+              <a:rPr lang="en-US" dirty="0"/>
+              <a:t>The original data asked if users listened during work or not, but didn’t ask for occupation or when else they listen. Clarifying this might make that part of the data mean something. We would also like to see gender included as we have some hypotheses about how music effects men and women differently.</a:t>
+            </a:r>
+          </a:p>
+          <a:p>
+            <a:pPr marL="171450" indent="-171450">
+              <a:buFontTx/>
+              <a:buChar char="-"/>
+            </a:pPr>
+            <a:r>
+              <a:rPr lang="en-US" dirty="0"/>
+              <a:t>Lastly, we have no basis for the result in the Music Effects column. Was the effect from listening to certain genres or listening for so long? Many of our respondents listed high ranks for multiple disorders, so which one(s) does the effect apply to?</a:t>
+            </a:r>
           </a:p>
         </p:txBody>
       </p:sp>
@@ -1564,6 +1610,90 @@
             <a:fld id="{42920916-3BF0-4BFA-A926-7A7034BA2134}" type="slidenum">
               <a:rPr lang="en-US" smtClean="0"/>
               <a:t>15</a:t>
+            </a:fld>
+            <a:endParaRPr lang="en-US"/>
+          </a:p>
+        </p:txBody>
+      </p:sp>
+    </p:spTree>
+    <p:extLst>
+      <p:ext uri="{BB962C8B-B14F-4D97-AF65-F5344CB8AC3E}">
+        <p14:creationId xmlns:p14="http://schemas.microsoft.com/office/powerpoint/2010/main" val="2813251706"/>
+      </p:ext>
+    </p:extLst>
+  </p:cSld>
+  <p:clrMapOvr>
+    <a:masterClrMapping/>
+  </p:clrMapOvr>
+</p:notes>
+</file>
+
+<file path=ppt/notesSlides/notesSlide15.xml><?xml version="1.0" encoding="utf-8"?>
+<p:notes xmlns:a="http://schemas.openxmlformats.org/drawingml/2006/main" xmlns:r="http://schemas.openxmlformats.org/officeDocument/2006/relationships" xmlns:p="http://schemas.openxmlformats.org/presentationml/2006/main">
+  <p:cSld>
+    <p:spTree>
+      <p:nvGrpSpPr>
+        <p:cNvPr id="1" name=""/>
+        <p:cNvGrpSpPr/>
+        <p:nvPr/>
+      </p:nvGrpSpPr>
+      <p:grpSpPr>
+        <a:xfrm>
+          <a:off x="0" y="0"/>
+          <a:ext cx="0" cy="0"/>
+          <a:chOff x="0" y="0"/>
+          <a:chExt cx="0" cy="0"/>
+        </a:xfrm>
+      </p:grpSpPr>
+      <p:sp>
+        <p:nvSpPr>
+          <p:cNvPr id="2" name="Slide Image Placeholder 1"/>
+          <p:cNvSpPr>
+            <a:spLocks noGrp="1" noRot="1" noChangeAspect="1"/>
+          </p:cNvSpPr>
+          <p:nvPr>
+            <p:ph type="sldImg"/>
+          </p:nvPr>
+        </p:nvSpPr>
+        <p:spPr/>
+      </p:sp>
+      <p:sp>
+        <p:nvSpPr>
+          <p:cNvPr id="3" name="Notes Placeholder 2"/>
+          <p:cNvSpPr>
+            <a:spLocks noGrp="1"/>
+          </p:cNvSpPr>
+          <p:nvPr>
+            <p:ph type="body" idx="1"/>
+          </p:nvPr>
+        </p:nvSpPr>
+        <p:spPr/>
+        <p:txBody>
+          <a:bodyPr/>
+          <a:lstStyle/>
+          <a:p>
+            <a:endParaRPr lang="en-US" dirty="0"/>
+          </a:p>
+        </p:txBody>
+      </p:sp>
+      <p:sp>
+        <p:nvSpPr>
+          <p:cNvPr id="4" name="Slide Number Placeholder 3"/>
+          <p:cNvSpPr>
+            <a:spLocks noGrp="1"/>
+          </p:cNvSpPr>
+          <p:nvPr>
+            <p:ph type="sldNum" sz="quarter" idx="5"/>
+          </p:nvPr>
+        </p:nvSpPr>
+        <p:spPr/>
+        <p:txBody>
+          <a:bodyPr/>
+          <a:lstStyle/>
+          <a:p>
+            <a:fld id="{42920916-3BF0-4BFA-A926-7A7034BA2134}" type="slidenum">
+              <a:rPr lang="en-US" smtClean="0"/>
+              <a:t>16</a:t>
             </a:fld>
             <a:endParaRPr lang="en-US"/>
           </a:p>
@@ -6110,13 +6240,13 @@
   <p:clrMapOvr>
     <a:masterClrMapping/>
   </p:clrMapOvr>
-  <mc:AlternateContent xmlns:mc="http://schemas.openxmlformats.org/markup-compatibility/2006">
-    <mc:Choice xmlns:p15="http://schemas.microsoft.com/office/powerpoint/2012/main" Requires="p15">
+  <mc:AlternateContent xmlns:mc="http://schemas.openxmlformats.org/markup-compatibility/2006" xmlns:p15="http://schemas.microsoft.com/office/powerpoint/2012/main">
+    <mc:Choice Requires="p15">
       <p:transition xmlns:p14="http://schemas.microsoft.com/office/powerpoint/2010/main" spd="slow" p14:dur="2000">
         <p15:prstTrans prst="drape"/>
       </p:transition>
     </mc:Choice>
-    <mc:Fallback>
+    <mc:Fallback xmlns="">
       <p:transition spd="slow">
         <p:fade/>
       </p:transition>
@@ -6144,6 +6274,57 @@
       </p:grpSpPr>
       <p:sp>
         <p:nvSpPr>
+          <p:cNvPr id="9" name="Rectangle: Rounded Corners 8">
+            <a:extLst>
+              <a:ext uri="{FF2B5EF4-FFF2-40B4-BE49-F238E27FC236}">
+                <a16:creationId xmlns:a16="http://schemas.microsoft.com/office/drawing/2014/main" id="{CF7B761F-DC08-FFFE-F954-6F1272AEBFEF}"/>
+              </a:ext>
+            </a:extLst>
+          </p:cNvPr>
+          <p:cNvSpPr/>
+          <p:nvPr/>
+        </p:nvSpPr>
+        <p:spPr>
+          <a:xfrm>
+            <a:off x="411476" y="1703540"/>
+            <a:ext cx="4584526" cy="4589331"/>
+          </a:xfrm>
+          <a:prstGeom prst="roundRect">
+            <a:avLst/>
+          </a:prstGeom>
+          <a:solidFill>
+            <a:schemeClr val="bg1">
+              <a:lumMod val="95000"/>
+            </a:schemeClr>
+          </a:solidFill>
+        </p:spPr>
+        <p:style>
+          <a:lnRef idx="2">
+            <a:schemeClr val="accent1">
+              <a:shade val="15000"/>
+            </a:schemeClr>
+          </a:lnRef>
+          <a:fillRef idx="1">
+            <a:schemeClr val="accent1"/>
+          </a:fillRef>
+          <a:effectRef idx="0">
+            <a:schemeClr val="accent1"/>
+          </a:effectRef>
+          <a:fontRef idx="minor">
+            <a:schemeClr val="lt1"/>
+          </a:fontRef>
+        </p:style>
+        <p:txBody>
+          <a:bodyPr rtlCol="0" anchor="ctr"/>
+          <a:lstStyle/>
+          <a:p>
+            <a:pPr algn="ctr"/>
+            <a:endParaRPr lang="en-US"/>
+          </a:p>
+        </p:txBody>
+      </p:sp>
+      <p:sp>
+        <p:nvSpPr>
           <p:cNvPr id="2" name="Title 1">
             <a:extLst>
               <a:ext uri="{FF2B5EF4-FFF2-40B4-BE49-F238E27FC236}">
@@ -6160,19 +6341,19 @@
         </p:nvSpPr>
         <p:spPr>
           <a:xfrm>
-            <a:off x="334025" y="168906"/>
-            <a:ext cx="9692640" cy="1017915"/>
+            <a:off x="411476" y="565129"/>
+            <a:ext cx="4325657" cy="1017915"/>
           </a:xfrm>
         </p:spPr>
         <p:txBody>
           <a:bodyPr>
-            <a:normAutofit/>
+            <a:normAutofit fontScale="90000"/>
           </a:bodyPr>
           <a:lstStyle/>
           <a:p>
             <a:pPr algn="ctr"/>
             <a:r>
-              <a:rPr lang="en-US" sz="2800" b="0" i="0" dirty="0">
+              <a:rPr lang="en-US" sz="2800" b="1" i="0" dirty="0">
                 <a:solidFill>
                   <a:schemeClr val="bg1"/>
                 </a:solidFill>
@@ -6180,7 +6361,7 @@
               </a:rPr>
               <a:t>Which genres are most beneficial or detrimental to mental health status?</a:t>
             </a:r>
-            <a:endParaRPr lang="en-US" sz="2800" dirty="0">
+            <a:endParaRPr lang="en-US" sz="2800" b="1" dirty="0">
               <a:solidFill>
                 <a:schemeClr val="bg1"/>
               </a:solidFill>
@@ -6206,12 +6387,14 @@
         </p:nvSpPr>
         <p:spPr>
           <a:xfrm>
-            <a:off x="334025" y="1828799"/>
-            <a:ext cx="4480560" cy="4351337"/>
+            <a:off x="701459" y="2029216"/>
+            <a:ext cx="3945904" cy="3779000"/>
           </a:xfrm>
         </p:spPr>
         <p:txBody>
-          <a:bodyPr/>
+          <a:bodyPr>
+            <a:normAutofit lnSpcReduction="10000"/>
+          </a:bodyPr>
           <a:lstStyle/>
           <a:p>
             <a:pPr>
@@ -6220,29 +6403,83 @@
               </a:buClr>
             </a:pPr>
             <a:r>
-              <a:rPr lang="en-US" dirty="0">
-                <a:solidFill>
-                  <a:schemeClr val="bg1"/>
-                </a:solidFill>
-              </a:rPr>
-              <a:t>Music effects vs fav genre</a:t>
+              <a:rPr lang="en-US" sz="2000" dirty="0"/>
+              <a:t>Music effects vs favorite genre</a:t>
             </a:r>
           </a:p>
           <a:p>
             <a:pPr lvl="1">
-              <a:buClr>
-                <a:schemeClr val="bg1"/>
-              </a:buClr>
+              <a:buClrTx/>
               <a:buFont typeface="Arial" panose="020B0604020202020204" pitchFamily="34" charset="0"/>
               <a:buChar char="•"/>
             </a:pPr>
             <a:r>
-              <a:rPr lang="en-US" dirty="0">
-                <a:solidFill>
-                  <a:schemeClr val="bg1"/>
+              <a:rPr lang="en-US" sz="2000" dirty="0">
+                <a:solidFill>
+                  <a:schemeClr val="tx1"/>
                 </a:solidFill>
               </a:rPr>
-              <a:t>Genres with best effects: Hip hop, EDM</a:t>
+              <a:t>Genres with the most positive results:</a:t>
+            </a:r>
+          </a:p>
+          <a:p>
+            <a:pPr lvl="1">
+              <a:buClrTx/>
+              <a:buFont typeface="Arial" panose="020B0604020202020204" pitchFamily="34" charset="0"/>
+              <a:buChar char="•"/>
+            </a:pPr>
+            <a:r>
+              <a:rPr lang="en-US" sz="2000" dirty="0">
+                <a:solidFill>
+                  <a:schemeClr val="tx1"/>
+                </a:solidFill>
+              </a:rPr>
+              <a:t>Hip hop, EDM</a:t>
+            </a:r>
+          </a:p>
+          <a:p>
+            <a:pPr lvl="2">
+              <a:buClrTx/>
+              <a:buFont typeface="Arial" panose="020B0604020202020204" pitchFamily="34" charset="0"/>
+              <a:buChar char="•"/>
+            </a:pPr>
+            <a:r>
+              <a:rPr lang="en-US" sz="1800" dirty="0">
+                <a:solidFill>
+                  <a:schemeClr val="tx1"/>
+                </a:solidFill>
+              </a:rPr>
+              <a:t>Tend to be more upbeat</a:t>
+            </a:r>
+          </a:p>
+          <a:p>
+            <a:pPr lvl="2">
+              <a:buClrTx/>
+              <a:buFont typeface="Arial" panose="020B0604020202020204" pitchFamily="34" charset="0"/>
+              <a:buChar char="•"/>
+            </a:pPr>
+            <a:r>
+              <a:rPr lang="en-US" sz="1800" dirty="0">
+                <a:solidFill>
+                  <a:schemeClr val="tx1"/>
+                </a:solidFill>
+              </a:rPr>
+              <a:t> There is much variability in instrumentation and production type, so the results are subjective</a:t>
+            </a:r>
+          </a:p>
+          <a:p>
+            <a:pPr lvl="2">
+              <a:buClrTx/>
+              <a:buFont typeface="Arial" panose="020B0604020202020204" pitchFamily="34" charset="0"/>
+              <a:buChar char="•"/>
+            </a:pPr>
+            <a:r>
+              <a:rPr lang="en-US" sz="1800" dirty="0">
+                <a:solidFill>
+                  <a:schemeClr val="tx1"/>
+                </a:solidFill>
+              </a:rPr>
+              <a:t>The data was filtered by the genres with more interaction</a:t>
             </a:r>
           </a:p>
           <a:p>
@@ -6253,31 +6490,24 @@
               <a:buFont typeface="Arial" panose="020B0604020202020204" pitchFamily="34" charset="0"/>
               <a:buChar char="•"/>
             </a:pPr>
-            <a:r>
-              <a:rPr lang="en-US" dirty="0">
-                <a:solidFill>
-                  <a:schemeClr val="bg1"/>
-                </a:solidFill>
-              </a:rPr>
-              <a:t>Tend to be more upbeat</a:t>
-            </a:r>
-          </a:p>
-          <a:p>
-            <a:pPr lvl="2">
+            <a:endParaRPr lang="en-US" sz="1600" dirty="0">
+              <a:solidFill>
+                <a:schemeClr val="tx1"/>
+              </a:solidFill>
+            </a:endParaRPr>
+          </a:p>
+          <a:p>
+            <a:pPr marL="548640" lvl="2" indent="0">
               <a:buClr>
                 <a:schemeClr val="bg1"/>
               </a:buClr>
-              <a:buFont typeface="Arial" panose="020B0604020202020204" pitchFamily="34" charset="0"/>
-              <a:buChar char="•"/>
+              <a:buNone/>
             </a:pPr>
-            <a:r>
-              <a:rPr lang="en-US" dirty="0">
-                <a:solidFill>
-                  <a:schemeClr val="bg1"/>
-                </a:solidFill>
-              </a:rPr>
-              <a:t>Lots of variability in instrumentation and production type, so subjective results</a:t>
-            </a:r>
+            <a:endParaRPr lang="en-US" sz="1600" dirty="0">
+              <a:solidFill>
+                <a:schemeClr val="tx1"/>
+              </a:solidFill>
+            </a:endParaRPr>
           </a:p>
           <a:p>
             <a:pPr marL="548640" lvl="2" indent="0">
@@ -6291,40 +6521,6 @@
                 <a:schemeClr val="bg1"/>
               </a:solidFill>
             </a:endParaRPr>
-          </a:p>
-          <a:p>
-            <a:pPr lvl="1">
-              <a:buClr>
-                <a:schemeClr val="bg1"/>
-              </a:buClr>
-              <a:buFont typeface="Arial" panose="020B0604020202020204" pitchFamily="34" charset="0"/>
-              <a:buChar char="•"/>
-            </a:pPr>
-            <a:r>
-              <a:rPr lang="en-US" dirty="0">
-                <a:solidFill>
-                  <a:schemeClr val="bg1"/>
-                </a:solidFill>
-              </a:rPr>
-              <a:t>Listening time vs improvement</a:t>
-            </a:r>
-          </a:p>
-          <a:p>
-            <a:pPr lvl="2">
-              <a:buClr>
-                <a:schemeClr val="bg1"/>
-              </a:buClr>
-              <a:buFont typeface="Arial" panose="020B0604020202020204" pitchFamily="34" charset="0"/>
-              <a:buChar char="•"/>
-            </a:pPr>
-            <a:r>
-              <a:rPr lang="en-US" dirty="0">
-                <a:solidFill>
-                  <a:schemeClr val="bg1"/>
-                </a:solidFill>
-              </a:rPr>
-              <a:t>Best listening time for mental health: 4-5 hours/day</a:t>
-            </a:r>
           </a:p>
           <a:p>
             <a:endParaRPr lang="en-US" dirty="0"/>
@@ -6361,15 +6557,15 @@
         </p:blipFill>
         <p:spPr>
           <a:xfrm>
-            <a:off x="5903259" y="1330319"/>
-            <a:ext cx="5954716" cy="5437813"/>
+            <a:off x="5281804" y="358548"/>
+            <a:ext cx="6724641" cy="6140904"/>
           </a:xfrm>
         </p:spPr>
       </p:pic>
     </p:spTree>
     <p:extLst>
       <p:ext uri="{BB962C8B-B14F-4D97-AF65-F5344CB8AC3E}">
-        <p14:creationId xmlns:p14="http://schemas.microsoft.com/office/powerpoint/2010/main" val="3488931604"/>
+        <p14:creationId xmlns:p14="http://schemas.microsoft.com/office/powerpoint/2010/main" val="675742992"/>
       </p:ext>
     </p:extLst>
   </p:cSld>
@@ -6410,6 +6606,223 @@
       </p:grpSpPr>
       <p:sp>
         <p:nvSpPr>
+          <p:cNvPr id="7" name="Rectangle: Rounded Corners 6">
+            <a:extLst>
+              <a:ext uri="{FF2B5EF4-FFF2-40B4-BE49-F238E27FC236}">
+                <a16:creationId xmlns:a16="http://schemas.microsoft.com/office/drawing/2014/main" id="{73263621-1461-A36A-B944-24D812430110}"/>
+              </a:ext>
+            </a:extLst>
+          </p:cNvPr>
+          <p:cNvSpPr/>
+          <p:nvPr/>
+        </p:nvSpPr>
+        <p:spPr>
+          <a:xfrm>
+            <a:off x="9281575" y="1678489"/>
+            <a:ext cx="2865845" cy="4633900"/>
+          </a:xfrm>
+          <a:prstGeom prst="roundRect">
+            <a:avLst/>
+          </a:prstGeom>
+          <a:solidFill>
+            <a:schemeClr val="bg1">
+              <a:lumMod val="95000"/>
+            </a:schemeClr>
+          </a:solidFill>
+        </p:spPr>
+        <p:style>
+          <a:lnRef idx="2">
+            <a:schemeClr val="accent1">
+              <a:shade val="15000"/>
+            </a:schemeClr>
+          </a:lnRef>
+          <a:fillRef idx="1">
+            <a:schemeClr val="accent1"/>
+          </a:fillRef>
+          <a:effectRef idx="0">
+            <a:schemeClr val="accent1"/>
+          </a:effectRef>
+          <a:fontRef idx="minor">
+            <a:schemeClr val="lt1"/>
+          </a:fontRef>
+        </p:style>
+        <p:txBody>
+          <a:bodyPr rtlCol="0" anchor="ctr"/>
+          <a:lstStyle/>
+          <a:p>
+            <a:pPr algn="ctr"/>
+            <a:endParaRPr lang="en-US"/>
+          </a:p>
+        </p:txBody>
+      </p:sp>
+      <p:sp>
+        <p:nvSpPr>
+          <p:cNvPr id="2" name="Title 1">
+            <a:extLst>
+              <a:ext uri="{FF2B5EF4-FFF2-40B4-BE49-F238E27FC236}">
+                <a16:creationId xmlns:a16="http://schemas.microsoft.com/office/drawing/2014/main" id="{C6FE5F9C-567B-A340-0287-F6F34AAA01AD}"/>
+              </a:ext>
+            </a:extLst>
+          </p:cNvPr>
+          <p:cNvSpPr>
+            <a:spLocks noGrp="1"/>
+          </p:cNvSpPr>
+          <p:nvPr>
+            <p:ph type="title"/>
+          </p:nvPr>
+        </p:nvSpPr>
+        <p:spPr>
+          <a:xfrm>
+            <a:off x="44580" y="401179"/>
+            <a:ext cx="7490566" cy="648848"/>
+          </a:xfrm>
+        </p:spPr>
+        <p:txBody>
+          <a:bodyPr>
+            <a:normAutofit fontScale="90000"/>
+          </a:bodyPr>
+          <a:lstStyle/>
+          <a:p>
+            <a:r>
+              <a:rPr lang="en-US" sz="3200" b="1" dirty="0">
+                <a:solidFill>
+                  <a:schemeClr val="bg1"/>
+                </a:solidFill>
+              </a:rPr>
+              <a:t>Music effects based on Hours per day</a:t>
+            </a:r>
+          </a:p>
+        </p:txBody>
+      </p:sp>
+      <p:pic>
+        <p:nvPicPr>
+          <p:cNvPr id="6" name="Content Placeholder 5" descr="A graph of a number of people&#10;&#10;Description automatically generated with medium confidence">
+            <a:extLst>
+              <a:ext uri="{FF2B5EF4-FFF2-40B4-BE49-F238E27FC236}">
+                <a16:creationId xmlns:a16="http://schemas.microsoft.com/office/drawing/2014/main" id="{378BDFC2-5FF6-F81E-ACCA-3E877131B5A8}"/>
+              </a:ext>
+            </a:extLst>
+          </p:cNvPr>
+          <p:cNvPicPr>
+            <a:picLocks noGrp="1" noChangeAspect="1"/>
+          </p:cNvPicPr>
+          <p:nvPr>
+            <p:ph sz="half" idx="1"/>
+          </p:nvPr>
+        </p:nvPicPr>
+        <p:blipFill>
+          <a:blip r:embed="rId3">
+            <a:extLst>
+              <a:ext uri="{28A0092B-C50C-407E-A947-70E740481C1C}">
+                <a14:useLocalDpi xmlns:a14="http://schemas.microsoft.com/office/drawing/2010/main" val="0"/>
+              </a:ext>
+            </a:extLst>
+          </a:blip>
+          <a:stretch>
+            <a:fillRect/>
+          </a:stretch>
+        </p:blipFill>
+        <p:spPr>
+          <a:xfrm>
+            <a:off x="44580" y="1342444"/>
+            <a:ext cx="9065399" cy="5114377"/>
+          </a:xfrm>
+        </p:spPr>
+      </p:pic>
+      <p:sp>
+        <p:nvSpPr>
+          <p:cNvPr id="4" name="Content Placeholder 3">
+            <a:extLst>
+              <a:ext uri="{FF2B5EF4-FFF2-40B4-BE49-F238E27FC236}">
+                <a16:creationId xmlns:a16="http://schemas.microsoft.com/office/drawing/2014/main" id="{445E6043-FE19-D83A-F903-38CB053A0E17}"/>
+              </a:ext>
+            </a:extLst>
+          </p:cNvPr>
+          <p:cNvSpPr>
+            <a:spLocks noGrp="1"/>
+          </p:cNvSpPr>
+          <p:nvPr>
+            <p:ph sz="half" idx="2"/>
+          </p:nvPr>
+        </p:nvSpPr>
+        <p:spPr>
+          <a:xfrm>
+            <a:off x="9281575" y="1828800"/>
+            <a:ext cx="2865845" cy="4483589"/>
+          </a:xfrm>
+        </p:spPr>
+        <p:txBody>
+          <a:bodyPr>
+            <a:normAutofit/>
+          </a:bodyPr>
+          <a:lstStyle/>
+          <a:p>
+            <a:r>
+              <a:rPr lang="en-US" dirty="0"/>
+              <a:t>The average is 3.5 hours per day</a:t>
+            </a:r>
+          </a:p>
+          <a:p>
+            <a:r>
+              <a:rPr lang="en-US" dirty="0"/>
+              <a:t>Users who would spend 2-3 hours/day listening to music registered the highest rate of improvement.</a:t>
+            </a:r>
+          </a:p>
+          <a:p>
+            <a:r>
+              <a:rPr lang="en-US" dirty="0"/>
+              <a:t>Best listening time for mental health: 4-5 hours/day</a:t>
+            </a:r>
+          </a:p>
+          <a:p>
+            <a:endParaRPr lang="en-US" dirty="0"/>
+          </a:p>
+        </p:txBody>
+      </p:sp>
+    </p:spTree>
+    <p:extLst>
+      <p:ext uri="{BB962C8B-B14F-4D97-AF65-F5344CB8AC3E}">
+        <p14:creationId xmlns:p14="http://schemas.microsoft.com/office/powerpoint/2010/main" val="250233846"/>
+      </p:ext>
+    </p:extLst>
+  </p:cSld>
+  <p:clrMapOvr>
+    <a:masterClrMapping/>
+  </p:clrMapOvr>
+  <mc:AlternateContent xmlns:mc="http://schemas.openxmlformats.org/markup-compatibility/2006">
+    <mc:Choice xmlns:p14="http://schemas.microsoft.com/office/powerpoint/2010/main" Requires="p14">
+      <p:transition spd="slow">
+        <p14:reveal/>
+      </p:transition>
+    </mc:Choice>
+    <mc:Fallback>
+      <p:transition spd="slow">
+        <p:fade/>
+      </p:transition>
+    </mc:Fallback>
+  </mc:AlternateContent>
+</p:sld>
+</file>
+
+<file path=ppt/slides/slide13.xml><?xml version="1.0" encoding="utf-8"?>
+<p:sld xmlns:a="http://schemas.openxmlformats.org/drawingml/2006/main" xmlns:r="http://schemas.openxmlformats.org/officeDocument/2006/relationships" xmlns:p="http://schemas.openxmlformats.org/presentationml/2006/main">
+  <p:cSld>
+    <p:spTree>
+      <p:nvGrpSpPr>
+        <p:cNvPr id="1" name=""/>
+        <p:cNvGrpSpPr/>
+        <p:nvPr/>
+      </p:nvGrpSpPr>
+      <p:grpSpPr>
+        <a:xfrm>
+          <a:off x="0" y="0"/>
+          <a:ext cx="0" cy="0"/>
+          <a:chOff x="0" y="0"/>
+          <a:chExt cx="0" cy="0"/>
+        </a:xfrm>
+      </p:grpSpPr>
+      <p:sp>
+        <p:nvSpPr>
           <p:cNvPr id="2" name="Title 1">
             <a:extLst>
               <a:ext uri="{FF2B5EF4-FFF2-40B4-BE49-F238E27FC236}">
@@ -6593,22 +7006,151 @@
   <p:clrMapOvr>
     <a:masterClrMapping/>
   </p:clrMapOvr>
-  <mc:AlternateContent xmlns:mc="http://schemas.openxmlformats.org/markup-compatibility/2006">
-    <mc:Choice xmlns:p14="http://schemas.microsoft.com/office/powerpoint/2010/main" Requires="p14">
+  <mc:AlternateContent xmlns:mc="http://schemas.openxmlformats.org/markup-compatibility/2006" xmlns:p14="http://schemas.microsoft.com/office/powerpoint/2010/main">
+    <mc:Choice Requires="p14">
       <p:transition spd="slow" p14:dur="1500">
         <p:split orient="vert"/>
       </p:transition>
     </mc:Choice>
-    <mc:Fallback>
+    <mc:Fallback xmlns="">
       <p:transition spd="slow">
         <p:split orient="vert"/>
       </p:transition>
     </mc:Fallback>
   </mc:AlternateContent>
+  <p:timing>
+    <p:tnLst>
+      <p:par>
+        <p:cTn id="1" dur="indefinite" restart="never" nodeType="tmRoot">
+          <p:childTnLst>
+            <p:seq concurrent="1" nextAc="seek">
+              <p:cTn id="2" dur="indefinite" nodeType="mainSeq">
+                <p:childTnLst>
+                  <p:par>
+                    <p:cTn id="3" fill="hold">
+                      <p:stCondLst>
+                        <p:cond delay="indefinite"/>
+                      </p:stCondLst>
+                      <p:childTnLst>
+                        <p:par>
+                          <p:cTn id="4" fill="hold">
+                            <p:stCondLst>
+                              <p:cond delay="0"/>
+                            </p:stCondLst>
+                            <p:childTnLst>
+                              <p:par>
+                                <p:cTn id="5" presetID="42" presetClass="entr" presetSubtype="0" fill="hold" nodeType="clickEffect">
+                                  <p:stCondLst>
+                                    <p:cond delay="0"/>
+                                  </p:stCondLst>
+                                  <p:childTnLst>
+                                    <p:set>
+                                      <p:cBhvr>
+                                        <p:cTn id="6" dur="1" fill="hold">
+                                          <p:stCondLst>
+                                            <p:cond delay="0"/>
+                                          </p:stCondLst>
+                                        </p:cTn>
+                                        <p:tgtEl>
+                                          <p:spTgt spid="8"/>
+                                        </p:tgtEl>
+                                        <p:attrNameLst>
+                                          <p:attrName>style.visibility</p:attrName>
+                                        </p:attrNameLst>
+                                      </p:cBhvr>
+                                      <p:to>
+                                        <p:strVal val="visible"/>
+                                      </p:to>
+                                    </p:set>
+                                    <p:animEffect transition="in" filter="fade">
+                                      <p:cBhvr>
+                                        <p:cTn id="7" dur="1000"/>
+                                        <p:tgtEl>
+                                          <p:spTgt spid="8"/>
+                                        </p:tgtEl>
+                                      </p:cBhvr>
+                                    </p:animEffect>
+                                    <p:anim calcmode="lin" valueType="num">
+                                      <p:cBhvr>
+                                        <p:cTn id="8" dur="1000" fill="hold"/>
+                                        <p:tgtEl>
+                                          <p:spTgt spid="8"/>
+                                        </p:tgtEl>
+                                        <p:attrNameLst>
+                                          <p:attrName>ppt_x</p:attrName>
+                                        </p:attrNameLst>
+                                      </p:cBhvr>
+                                      <p:tavLst>
+                                        <p:tav tm="0">
+                                          <p:val>
+                                            <p:strVal val="#ppt_x"/>
+                                          </p:val>
+                                        </p:tav>
+                                        <p:tav tm="100000">
+                                          <p:val>
+                                            <p:strVal val="#ppt_x"/>
+                                          </p:val>
+                                        </p:tav>
+                                      </p:tavLst>
+                                    </p:anim>
+                                    <p:anim calcmode="lin" valueType="num">
+                                      <p:cBhvr>
+                                        <p:cTn id="9" dur="1000" fill="hold"/>
+                                        <p:tgtEl>
+                                          <p:spTgt spid="8"/>
+                                        </p:tgtEl>
+                                        <p:attrNameLst>
+                                          <p:attrName>ppt_y</p:attrName>
+                                        </p:attrNameLst>
+                                      </p:cBhvr>
+                                      <p:tavLst>
+                                        <p:tav tm="0">
+                                          <p:val>
+                                            <p:strVal val="#ppt_y+.1"/>
+                                          </p:val>
+                                        </p:tav>
+                                        <p:tav tm="100000">
+                                          <p:val>
+                                            <p:strVal val="#ppt_y"/>
+                                          </p:val>
+                                        </p:tav>
+                                      </p:tavLst>
+                                    </p:anim>
+                                  </p:childTnLst>
+                                </p:cTn>
+                              </p:par>
+                            </p:childTnLst>
+                          </p:cTn>
+                        </p:par>
+                      </p:childTnLst>
+                    </p:cTn>
+                  </p:par>
+                </p:childTnLst>
+              </p:cTn>
+              <p:prevCondLst>
+                <p:cond evt="onPrev" delay="0">
+                  <p:tgtEl>
+                    <p:sldTgt/>
+                  </p:tgtEl>
+                </p:cond>
+              </p:prevCondLst>
+              <p:nextCondLst>
+                <p:cond evt="onNext" delay="0">
+                  <p:tgtEl>
+                    <p:sldTgt/>
+                  </p:tgtEl>
+                </p:cond>
+              </p:nextCondLst>
+            </p:seq>
+          </p:childTnLst>
+        </p:cTn>
+      </p:par>
+    </p:tnLst>
+  </p:timing>
 </p:sld>
 </file>
 
-<file path=ppt/slides/slide13.xml><?xml version="1.0" encoding="utf-8"?>
+<file path=ppt/slides/slide14.xml><?xml version="1.0" encoding="utf-8"?>
 <p:sld xmlns:a="http://schemas.openxmlformats.org/drawingml/2006/main" xmlns:r="http://schemas.openxmlformats.org/officeDocument/2006/relationships" xmlns:p="http://schemas.openxmlformats.org/presentationml/2006/main">
   <p:cSld>
     <p:spTree>
@@ -6874,13 +7416,13 @@
   <p:clrMapOvr>
     <a:masterClrMapping/>
   </p:clrMapOvr>
-  <mc:AlternateContent xmlns:mc="http://schemas.openxmlformats.org/markup-compatibility/2006">
-    <mc:Choice xmlns:p15="http://schemas.microsoft.com/office/powerpoint/2012/main" Requires="p15">
+  <mc:AlternateContent xmlns:mc="http://schemas.openxmlformats.org/markup-compatibility/2006" xmlns:p15="http://schemas.microsoft.com/office/powerpoint/2012/main">
+    <mc:Choice Requires="p15">
       <p:transition xmlns:p14="http://schemas.microsoft.com/office/powerpoint/2010/main" spd="slow" p14:dur="1250">
         <p15:prstTrans prst="peelOff"/>
       </p:transition>
     </mc:Choice>
-    <mc:Fallback>
+    <mc:Fallback xmlns="">
       <p:transition spd="slow">
         <p:fade/>
       </p:transition>
@@ -6889,7 +7431,7 @@
 </p:sld>
 </file>
 
-<file path=ppt/slides/slide14.xml><?xml version="1.0" encoding="utf-8"?>
+<file path=ppt/slides/slide15.xml><?xml version="1.0" encoding="utf-8"?>
 <p:sld xmlns:a="http://schemas.openxmlformats.org/drawingml/2006/main" xmlns:r="http://schemas.openxmlformats.org/officeDocument/2006/relationships" xmlns:p="http://schemas.openxmlformats.org/presentationml/2006/main">
   <p:cSld>
     <p:spTree>
@@ -7320,22 +7862,1314 @@
   <p:clrMapOvr>
     <a:masterClrMapping/>
   </p:clrMapOvr>
-  <mc:AlternateContent xmlns:mc="http://schemas.openxmlformats.org/markup-compatibility/2006">
-    <mc:Choice xmlns:p14="http://schemas.microsoft.com/office/powerpoint/2010/main" Requires="p14">
+  <mc:AlternateContent xmlns:mc="http://schemas.openxmlformats.org/markup-compatibility/2006" xmlns:p14="http://schemas.microsoft.com/office/powerpoint/2010/main">
+    <mc:Choice Requires="p14">
       <p:transition spd="slow" p14:dur="1250">
         <p14:switch dir="r"/>
       </p:transition>
     </mc:Choice>
-    <mc:Fallback>
+    <mc:Fallback xmlns="">
       <p:transition spd="slow">
         <p:fade/>
       </p:transition>
     </mc:Fallback>
   </mc:AlternateContent>
+  <p:timing>
+    <p:tnLst>
+      <p:par>
+        <p:cTn id="1" dur="indefinite" restart="never" nodeType="tmRoot">
+          <p:childTnLst>
+            <p:seq concurrent="1" nextAc="seek">
+              <p:cTn id="2" dur="indefinite" nodeType="mainSeq">
+                <p:childTnLst>
+                  <p:par>
+                    <p:cTn id="3" fill="hold">
+                      <p:stCondLst>
+                        <p:cond delay="indefinite"/>
+                      </p:stCondLst>
+                      <p:childTnLst>
+                        <p:par>
+                          <p:cTn id="4" fill="hold">
+                            <p:stCondLst>
+                              <p:cond delay="0"/>
+                            </p:stCondLst>
+                            <p:childTnLst>
+                              <p:par>
+                                <p:cTn id="5" presetID="2" presetClass="entr" presetSubtype="4" fill="hold" nodeType="clickEffect">
+                                  <p:stCondLst>
+                                    <p:cond delay="0"/>
+                                  </p:stCondLst>
+                                  <p:childTnLst>
+                                    <p:set>
+                                      <p:cBhvr>
+                                        <p:cTn id="6" dur="1" fill="hold">
+                                          <p:stCondLst>
+                                            <p:cond delay="0"/>
+                                          </p:stCondLst>
+                                        </p:cTn>
+                                        <p:tgtEl>
+                                          <p:spTgt spid="3">
+                                            <p:txEl>
+                                              <p:pRg st="1" end="1"/>
+                                            </p:txEl>
+                                          </p:spTgt>
+                                        </p:tgtEl>
+                                        <p:attrNameLst>
+                                          <p:attrName>style.visibility</p:attrName>
+                                        </p:attrNameLst>
+                                      </p:cBhvr>
+                                      <p:to>
+                                        <p:strVal val="visible"/>
+                                      </p:to>
+                                    </p:set>
+                                    <p:anim calcmode="lin" valueType="num">
+                                      <p:cBhvr additive="base">
+                                        <p:cTn id="7" dur="500" fill="hold"/>
+                                        <p:tgtEl>
+                                          <p:spTgt spid="3">
+                                            <p:txEl>
+                                              <p:pRg st="1" end="1"/>
+                                            </p:txEl>
+                                          </p:spTgt>
+                                        </p:tgtEl>
+                                        <p:attrNameLst>
+                                          <p:attrName>ppt_x</p:attrName>
+                                        </p:attrNameLst>
+                                      </p:cBhvr>
+                                      <p:tavLst>
+                                        <p:tav tm="0">
+                                          <p:val>
+                                            <p:strVal val="#ppt_x"/>
+                                          </p:val>
+                                        </p:tav>
+                                        <p:tav tm="100000">
+                                          <p:val>
+                                            <p:strVal val="#ppt_x"/>
+                                          </p:val>
+                                        </p:tav>
+                                      </p:tavLst>
+                                    </p:anim>
+                                    <p:anim calcmode="lin" valueType="num">
+                                      <p:cBhvr additive="base">
+                                        <p:cTn id="8" dur="500" fill="hold"/>
+                                        <p:tgtEl>
+                                          <p:spTgt spid="3">
+                                            <p:txEl>
+                                              <p:pRg st="1" end="1"/>
+                                            </p:txEl>
+                                          </p:spTgt>
+                                        </p:tgtEl>
+                                        <p:attrNameLst>
+                                          <p:attrName>ppt_y</p:attrName>
+                                        </p:attrNameLst>
+                                      </p:cBhvr>
+                                      <p:tavLst>
+                                        <p:tav tm="0">
+                                          <p:val>
+                                            <p:strVal val="1+#ppt_h/2"/>
+                                          </p:val>
+                                        </p:tav>
+                                        <p:tav tm="100000">
+                                          <p:val>
+                                            <p:strVal val="#ppt_y"/>
+                                          </p:val>
+                                        </p:tav>
+                                      </p:tavLst>
+                                    </p:anim>
+                                  </p:childTnLst>
+                                </p:cTn>
+                              </p:par>
+                              <p:par>
+                                <p:cTn id="9" presetID="2" presetClass="entr" presetSubtype="4" fill="hold" nodeType="withEffect">
+                                  <p:stCondLst>
+                                    <p:cond delay="0"/>
+                                  </p:stCondLst>
+                                  <p:childTnLst>
+                                    <p:set>
+                                      <p:cBhvr>
+                                        <p:cTn id="10" dur="1" fill="hold">
+                                          <p:stCondLst>
+                                            <p:cond delay="0"/>
+                                          </p:stCondLst>
+                                        </p:cTn>
+                                        <p:tgtEl>
+                                          <p:spTgt spid="3">
+                                            <p:txEl>
+                                              <p:pRg st="2" end="2"/>
+                                            </p:txEl>
+                                          </p:spTgt>
+                                        </p:tgtEl>
+                                        <p:attrNameLst>
+                                          <p:attrName>style.visibility</p:attrName>
+                                        </p:attrNameLst>
+                                      </p:cBhvr>
+                                      <p:to>
+                                        <p:strVal val="visible"/>
+                                      </p:to>
+                                    </p:set>
+                                    <p:anim calcmode="lin" valueType="num">
+                                      <p:cBhvr additive="base">
+                                        <p:cTn id="11" dur="500" fill="hold"/>
+                                        <p:tgtEl>
+                                          <p:spTgt spid="3">
+                                            <p:txEl>
+                                              <p:pRg st="2" end="2"/>
+                                            </p:txEl>
+                                          </p:spTgt>
+                                        </p:tgtEl>
+                                        <p:attrNameLst>
+                                          <p:attrName>ppt_x</p:attrName>
+                                        </p:attrNameLst>
+                                      </p:cBhvr>
+                                      <p:tavLst>
+                                        <p:tav tm="0">
+                                          <p:val>
+                                            <p:strVal val="#ppt_x"/>
+                                          </p:val>
+                                        </p:tav>
+                                        <p:tav tm="100000">
+                                          <p:val>
+                                            <p:strVal val="#ppt_x"/>
+                                          </p:val>
+                                        </p:tav>
+                                      </p:tavLst>
+                                    </p:anim>
+                                    <p:anim calcmode="lin" valueType="num">
+                                      <p:cBhvr additive="base">
+                                        <p:cTn id="12" dur="500" fill="hold"/>
+                                        <p:tgtEl>
+                                          <p:spTgt spid="3">
+                                            <p:txEl>
+                                              <p:pRg st="2" end="2"/>
+                                            </p:txEl>
+                                          </p:spTgt>
+                                        </p:tgtEl>
+                                        <p:attrNameLst>
+                                          <p:attrName>ppt_y</p:attrName>
+                                        </p:attrNameLst>
+                                      </p:cBhvr>
+                                      <p:tavLst>
+                                        <p:tav tm="0">
+                                          <p:val>
+                                            <p:strVal val="1+#ppt_h/2"/>
+                                          </p:val>
+                                        </p:tav>
+                                        <p:tav tm="100000">
+                                          <p:val>
+                                            <p:strVal val="#ppt_y"/>
+                                          </p:val>
+                                        </p:tav>
+                                      </p:tavLst>
+                                    </p:anim>
+                                  </p:childTnLst>
+                                </p:cTn>
+                              </p:par>
+                              <p:par>
+                                <p:cTn id="13" presetID="2" presetClass="entr" presetSubtype="4" fill="hold" nodeType="withEffect">
+                                  <p:stCondLst>
+                                    <p:cond delay="0"/>
+                                  </p:stCondLst>
+                                  <p:childTnLst>
+                                    <p:set>
+                                      <p:cBhvr>
+                                        <p:cTn id="14" dur="1" fill="hold">
+                                          <p:stCondLst>
+                                            <p:cond delay="0"/>
+                                          </p:stCondLst>
+                                        </p:cTn>
+                                        <p:tgtEl>
+                                          <p:spTgt spid="4">
+                                            <p:txEl>
+                                              <p:pRg st="0" end="0"/>
+                                            </p:txEl>
+                                          </p:spTgt>
+                                        </p:tgtEl>
+                                        <p:attrNameLst>
+                                          <p:attrName>style.visibility</p:attrName>
+                                        </p:attrNameLst>
+                                      </p:cBhvr>
+                                      <p:to>
+                                        <p:strVal val="visible"/>
+                                      </p:to>
+                                    </p:set>
+                                    <p:anim calcmode="lin" valueType="num">
+                                      <p:cBhvr additive="base">
+                                        <p:cTn id="15" dur="500" fill="hold"/>
+                                        <p:tgtEl>
+                                          <p:spTgt spid="4">
+                                            <p:txEl>
+                                              <p:pRg st="0" end="0"/>
+                                            </p:txEl>
+                                          </p:spTgt>
+                                        </p:tgtEl>
+                                        <p:attrNameLst>
+                                          <p:attrName>ppt_x</p:attrName>
+                                        </p:attrNameLst>
+                                      </p:cBhvr>
+                                      <p:tavLst>
+                                        <p:tav tm="0">
+                                          <p:val>
+                                            <p:strVal val="#ppt_x"/>
+                                          </p:val>
+                                        </p:tav>
+                                        <p:tav tm="100000">
+                                          <p:val>
+                                            <p:strVal val="#ppt_x"/>
+                                          </p:val>
+                                        </p:tav>
+                                      </p:tavLst>
+                                    </p:anim>
+                                    <p:anim calcmode="lin" valueType="num">
+                                      <p:cBhvr additive="base">
+                                        <p:cTn id="16" dur="500" fill="hold"/>
+                                        <p:tgtEl>
+                                          <p:spTgt spid="4">
+                                            <p:txEl>
+                                              <p:pRg st="0" end="0"/>
+                                            </p:txEl>
+                                          </p:spTgt>
+                                        </p:tgtEl>
+                                        <p:attrNameLst>
+                                          <p:attrName>ppt_y</p:attrName>
+                                        </p:attrNameLst>
+                                      </p:cBhvr>
+                                      <p:tavLst>
+                                        <p:tav tm="0">
+                                          <p:val>
+                                            <p:strVal val="1+#ppt_h/2"/>
+                                          </p:val>
+                                        </p:tav>
+                                        <p:tav tm="100000">
+                                          <p:val>
+                                            <p:strVal val="#ppt_y"/>
+                                          </p:val>
+                                        </p:tav>
+                                      </p:tavLst>
+                                    </p:anim>
+                                  </p:childTnLst>
+                                </p:cTn>
+                              </p:par>
+                              <p:par>
+                                <p:cTn id="17" presetID="2" presetClass="entr" presetSubtype="4" fill="hold" nodeType="withEffect">
+                                  <p:stCondLst>
+                                    <p:cond delay="0"/>
+                                  </p:stCondLst>
+                                  <p:childTnLst>
+                                    <p:set>
+                                      <p:cBhvr>
+                                        <p:cTn id="18" dur="1" fill="hold">
+                                          <p:stCondLst>
+                                            <p:cond delay="0"/>
+                                          </p:stCondLst>
+                                        </p:cTn>
+                                        <p:tgtEl>
+                                          <p:spTgt spid="4">
+                                            <p:txEl>
+                                              <p:pRg st="1" end="1"/>
+                                            </p:txEl>
+                                          </p:spTgt>
+                                        </p:tgtEl>
+                                        <p:attrNameLst>
+                                          <p:attrName>style.visibility</p:attrName>
+                                        </p:attrNameLst>
+                                      </p:cBhvr>
+                                      <p:to>
+                                        <p:strVal val="visible"/>
+                                      </p:to>
+                                    </p:set>
+                                    <p:anim calcmode="lin" valueType="num">
+                                      <p:cBhvr additive="base">
+                                        <p:cTn id="19" dur="500" fill="hold"/>
+                                        <p:tgtEl>
+                                          <p:spTgt spid="4">
+                                            <p:txEl>
+                                              <p:pRg st="1" end="1"/>
+                                            </p:txEl>
+                                          </p:spTgt>
+                                        </p:tgtEl>
+                                        <p:attrNameLst>
+                                          <p:attrName>ppt_x</p:attrName>
+                                        </p:attrNameLst>
+                                      </p:cBhvr>
+                                      <p:tavLst>
+                                        <p:tav tm="0">
+                                          <p:val>
+                                            <p:strVal val="#ppt_x"/>
+                                          </p:val>
+                                        </p:tav>
+                                        <p:tav tm="100000">
+                                          <p:val>
+                                            <p:strVal val="#ppt_x"/>
+                                          </p:val>
+                                        </p:tav>
+                                      </p:tavLst>
+                                    </p:anim>
+                                    <p:anim calcmode="lin" valueType="num">
+                                      <p:cBhvr additive="base">
+                                        <p:cTn id="20" dur="500" fill="hold"/>
+                                        <p:tgtEl>
+                                          <p:spTgt spid="4">
+                                            <p:txEl>
+                                              <p:pRg st="1" end="1"/>
+                                            </p:txEl>
+                                          </p:spTgt>
+                                        </p:tgtEl>
+                                        <p:attrNameLst>
+                                          <p:attrName>ppt_y</p:attrName>
+                                        </p:attrNameLst>
+                                      </p:cBhvr>
+                                      <p:tavLst>
+                                        <p:tav tm="0">
+                                          <p:val>
+                                            <p:strVal val="1+#ppt_h/2"/>
+                                          </p:val>
+                                        </p:tav>
+                                        <p:tav tm="100000">
+                                          <p:val>
+                                            <p:strVal val="#ppt_y"/>
+                                          </p:val>
+                                        </p:tav>
+                                      </p:tavLst>
+                                    </p:anim>
+                                  </p:childTnLst>
+                                </p:cTn>
+                              </p:par>
+                            </p:childTnLst>
+                          </p:cTn>
+                        </p:par>
+                      </p:childTnLst>
+                    </p:cTn>
+                  </p:par>
+                  <p:par>
+                    <p:cTn id="21" fill="hold">
+                      <p:stCondLst>
+                        <p:cond delay="indefinite"/>
+                      </p:stCondLst>
+                      <p:childTnLst>
+                        <p:par>
+                          <p:cTn id="22" fill="hold">
+                            <p:stCondLst>
+                              <p:cond delay="0"/>
+                            </p:stCondLst>
+                            <p:childTnLst>
+                              <p:par>
+                                <p:cTn id="23" presetID="2" presetClass="entr" presetSubtype="4" fill="hold" nodeType="clickEffect">
+                                  <p:stCondLst>
+                                    <p:cond delay="0"/>
+                                  </p:stCondLst>
+                                  <p:childTnLst>
+                                    <p:set>
+                                      <p:cBhvr>
+                                        <p:cTn id="24" dur="1" fill="hold">
+                                          <p:stCondLst>
+                                            <p:cond delay="0"/>
+                                          </p:stCondLst>
+                                        </p:cTn>
+                                        <p:tgtEl>
+                                          <p:spTgt spid="3">
+                                            <p:txEl>
+                                              <p:pRg st="3" end="3"/>
+                                            </p:txEl>
+                                          </p:spTgt>
+                                        </p:tgtEl>
+                                        <p:attrNameLst>
+                                          <p:attrName>style.visibility</p:attrName>
+                                        </p:attrNameLst>
+                                      </p:cBhvr>
+                                      <p:to>
+                                        <p:strVal val="visible"/>
+                                      </p:to>
+                                    </p:set>
+                                    <p:anim calcmode="lin" valueType="num">
+                                      <p:cBhvr additive="base">
+                                        <p:cTn id="25" dur="500" fill="hold"/>
+                                        <p:tgtEl>
+                                          <p:spTgt spid="3">
+                                            <p:txEl>
+                                              <p:pRg st="3" end="3"/>
+                                            </p:txEl>
+                                          </p:spTgt>
+                                        </p:tgtEl>
+                                        <p:attrNameLst>
+                                          <p:attrName>ppt_x</p:attrName>
+                                        </p:attrNameLst>
+                                      </p:cBhvr>
+                                      <p:tavLst>
+                                        <p:tav tm="0">
+                                          <p:val>
+                                            <p:strVal val="#ppt_x"/>
+                                          </p:val>
+                                        </p:tav>
+                                        <p:tav tm="100000">
+                                          <p:val>
+                                            <p:strVal val="#ppt_x"/>
+                                          </p:val>
+                                        </p:tav>
+                                      </p:tavLst>
+                                    </p:anim>
+                                    <p:anim calcmode="lin" valueType="num">
+                                      <p:cBhvr additive="base">
+                                        <p:cTn id="26" dur="500" fill="hold"/>
+                                        <p:tgtEl>
+                                          <p:spTgt spid="3">
+                                            <p:txEl>
+                                              <p:pRg st="3" end="3"/>
+                                            </p:txEl>
+                                          </p:spTgt>
+                                        </p:tgtEl>
+                                        <p:attrNameLst>
+                                          <p:attrName>ppt_y</p:attrName>
+                                        </p:attrNameLst>
+                                      </p:cBhvr>
+                                      <p:tavLst>
+                                        <p:tav tm="0">
+                                          <p:val>
+                                            <p:strVal val="1+#ppt_h/2"/>
+                                          </p:val>
+                                        </p:tav>
+                                        <p:tav tm="100000">
+                                          <p:val>
+                                            <p:strVal val="#ppt_y"/>
+                                          </p:val>
+                                        </p:tav>
+                                      </p:tavLst>
+                                    </p:anim>
+                                  </p:childTnLst>
+                                </p:cTn>
+                              </p:par>
+                              <p:par>
+                                <p:cTn id="27" presetID="2" presetClass="entr" presetSubtype="4" fill="hold" nodeType="withEffect">
+                                  <p:stCondLst>
+                                    <p:cond delay="0"/>
+                                  </p:stCondLst>
+                                  <p:childTnLst>
+                                    <p:set>
+                                      <p:cBhvr>
+                                        <p:cTn id="28" dur="1" fill="hold">
+                                          <p:stCondLst>
+                                            <p:cond delay="0"/>
+                                          </p:stCondLst>
+                                        </p:cTn>
+                                        <p:tgtEl>
+                                          <p:spTgt spid="3">
+                                            <p:txEl>
+                                              <p:pRg st="4" end="4"/>
+                                            </p:txEl>
+                                          </p:spTgt>
+                                        </p:tgtEl>
+                                        <p:attrNameLst>
+                                          <p:attrName>style.visibility</p:attrName>
+                                        </p:attrNameLst>
+                                      </p:cBhvr>
+                                      <p:to>
+                                        <p:strVal val="visible"/>
+                                      </p:to>
+                                    </p:set>
+                                    <p:anim calcmode="lin" valueType="num">
+                                      <p:cBhvr additive="base">
+                                        <p:cTn id="29" dur="500" fill="hold"/>
+                                        <p:tgtEl>
+                                          <p:spTgt spid="3">
+                                            <p:txEl>
+                                              <p:pRg st="4" end="4"/>
+                                            </p:txEl>
+                                          </p:spTgt>
+                                        </p:tgtEl>
+                                        <p:attrNameLst>
+                                          <p:attrName>ppt_x</p:attrName>
+                                        </p:attrNameLst>
+                                      </p:cBhvr>
+                                      <p:tavLst>
+                                        <p:tav tm="0">
+                                          <p:val>
+                                            <p:strVal val="#ppt_x"/>
+                                          </p:val>
+                                        </p:tav>
+                                        <p:tav tm="100000">
+                                          <p:val>
+                                            <p:strVal val="#ppt_x"/>
+                                          </p:val>
+                                        </p:tav>
+                                      </p:tavLst>
+                                    </p:anim>
+                                    <p:anim calcmode="lin" valueType="num">
+                                      <p:cBhvr additive="base">
+                                        <p:cTn id="30" dur="500" fill="hold"/>
+                                        <p:tgtEl>
+                                          <p:spTgt spid="3">
+                                            <p:txEl>
+                                              <p:pRg st="4" end="4"/>
+                                            </p:txEl>
+                                          </p:spTgt>
+                                        </p:tgtEl>
+                                        <p:attrNameLst>
+                                          <p:attrName>ppt_y</p:attrName>
+                                        </p:attrNameLst>
+                                      </p:cBhvr>
+                                      <p:tavLst>
+                                        <p:tav tm="0">
+                                          <p:val>
+                                            <p:strVal val="1+#ppt_h/2"/>
+                                          </p:val>
+                                        </p:tav>
+                                        <p:tav tm="100000">
+                                          <p:val>
+                                            <p:strVal val="#ppt_y"/>
+                                          </p:val>
+                                        </p:tav>
+                                      </p:tavLst>
+                                    </p:anim>
+                                  </p:childTnLst>
+                                </p:cTn>
+                              </p:par>
+                            </p:childTnLst>
+                          </p:cTn>
+                        </p:par>
+                      </p:childTnLst>
+                    </p:cTn>
+                  </p:par>
+                  <p:par>
+                    <p:cTn id="31" fill="hold">
+                      <p:stCondLst>
+                        <p:cond delay="indefinite"/>
+                      </p:stCondLst>
+                      <p:childTnLst>
+                        <p:par>
+                          <p:cTn id="32" fill="hold">
+                            <p:stCondLst>
+                              <p:cond delay="0"/>
+                            </p:stCondLst>
+                            <p:childTnLst>
+                              <p:par>
+                                <p:cTn id="33" presetID="2" presetClass="entr" presetSubtype="4" fill="hold" nodeType="clickEffect">
+                                  <p:stCondLst>
+                                    <p:cond delay="0"/>
+                                  </p:stCondLst>
+                                  <p:childTnLst>
+                                    <p:set>
+                                      <p:cBhvr>
+                                        <p:cTn id="34" dur="1" fill="hold">
+                                          <p:stCondLst>
+                                            <p:cond delay="0"/>
+                                          </p:stCondLst>
+                                        </p:cTn>
+                                        <p:tgtEl>
+                                          <p:spTgt spid="4">
+                                            <p:txEl>
+                                              <p:pRg st="3" end="3"/>
+                                            </p:txEl>
+                                          </p:spTgt>
+                                        </p:tgtEl>
+                                        <p:attrNameLst>
+                                          <p:attrName>style.visibility</p:attrName>
+                                        </p:attrNameLst>
+                                      </p:cBhvr>
+                                      <p:to>
+                                        <p:strVal val="visible"/>
+                                      </p:to>
+                                    </p:set>
+                                    <p:anim calcmode="lin" valueType="num">
+                                      <p:cBhvr additive="base">
+                                        <p:cTn id="35" dur="500" fill="hold"/>
+                                        <p:tgtEl>
+                                          <p:spTgt spid="4">
+                                            <p:txEl>
+                                              <p:pRg st="3" end="3"/>
+                                            </p:txEl>
+                                          </p:spTgt>
+                                        </p:tgtEl>
+                                        <p:attrNameLst>
+                                          <p:attrName>ppt_x</p:attrName>
+                                        </p:attrNameLst>
+                                      </p:cBhvr>
+                                      <p:tavLst>
+                                        <p:tav tm="0">
+                                          <p:val>
+                                            <p:strVal val="#ppt_x"/>
+                                          </p:val>
+                                        </p:tav>
+                                        <p:tav tm="100000">
+                                          <p:val>
+                                            <p:strVal val="#ppt_x"/>
+                                          </p:val>
+                                        </p:tav>
+                                      </p:tavLst>
+                                    </p:anim>
+                                    <p:anim calcmode="lin" valueType="num">
+                                      <p:cBhvr additive="base">
+                                        <p:cTn id="36" dur="500" fill="hold"/>
+                                        <p:tgtEl>
+                                          <p:spTgt spid="4">
+                                            <p:txEl>
+                                              <p:pRg st="3" end="3"/>
+                                            </p:txEl>
+                                          </p:spTgt>
+                                        </p:tgtEl>
+                                        <p:attrNameLst>
+                                          <p:attrName>ppt_y</p:attrName>
+                                        </p:attrNameLst>
+                                      </p:cBhvr>
+                                      <p:tavLst>
+                                        <p:tav tm="0">
+                                          <p:val>
+                                            <p:strVal val="1+#ppt_h/2"/>
+                                          </p:val>
+                                        </p:tav>
+                                        <p:tav tm="100000">
+                                          <p:val>
+                                            <p:strVal val="#ppt_y"/>
+                                          </p:val>
+                                        </p:tav>
+                                      </p:tavLst>
+                                    </p:anim>
+                                  </p:childTnLst>
+                                </p:cTn>
+                              </p:par>
+                              <p:par>
+                                <p:cTn id="37" presetID="2" presetClass="entr" presetSubtype="4" fill="hold" nodeType="withEffect">
+                                  <p:stCondLst>
+                                    <p:cond delay="0"/>
+                                  </p:stCondLst>
+                                  <p:childTnLst>
+                                    <p:set>
+                                      <p:cBhvr>
+                                        <p:cTn id="38" dur="1" fill="hold">
+                                          <p:stCondLst>
+                                            <p:cond delay="0"/>
+                                          </p:stCondLst>
+                                        </p:cTn>
+                                        <p:tgtEl>
+                                          <p:spTgt spid="4">
+                                            <p:txEl>
+                                              <p:pRg st="4" end="4"/>
+                                            </p:txEl>
+                                          </p:spTgt>
+                                        </p:tgtEl>
+                                        <p:attrNameLst>
+                                          <p:attrName>style.visibility</p:attrName>
+                                        </p:attrNameLst>
+                                      </p:cBhvr>
+                                      <p:to>
+                                        <p:strVal val="visible"/>
+                                      </p:to>
+                                    </p:set>
+                                    <p:anim calcmode="lin" valueType="num">
+                                      <p:cBhvr additive="base">
+                                        <p:cTn id="39" dur="500" fill="hold"/>
+                                        <p:tgtEl>
+                                          <p:spTgt spid="4">
+                                            <p:txEl>
+                                              <p:pRg st="4" end="4"/>
+                                            </p:txEl>
+                                          </p:spTgt>
+                                        </p:tgtEl>
+                                        <p:attrNameLst>
+                                          <p:attrName>ppt_x</p:attrName>
+                                        </p:attrNameLst>
+                                      </p:cBhvr>
+                                      <p:tavLst>
+                                        <p:tav tm="0">
+                                          <p:val>
+                                            <p:strVal val="#ppt_x"/>
+                                          </p:val>
+                                        </p:tav>
+                                        <p:tav tm="100000">
+                                          <p:val>
+                                            <p:strVal val="#ppt_x"/>
+                                          </p:val>
+                                        </p:tav>
+                                      </p:tavLst>
+                                    </p:anim>
+                                    <p:anim calcmode="lin" valueType="num">
+                                      <p:cBhvr additive="base">
+                                        <p:cTn id="40" dur="500" fill="hold"/>
+                                        <p:tgtEl>
+                                          <p:spTgt spid="4">
+                                            <p:txEl>
+                                              <p:pRg st="4" end="4"/>
+                                            </p:txEl>
+                                          </p:spTgt>
+                                        </p:tgtEl>
+                                        <p:attrNameLst>
+                                          <p:attrName>ppt_y</p:attrName>
+                                        </p:attrNameLst>
+                                      </p:cBhvr>
+                                      <p:tavLst>
+                                        <p:tav tm="0">
+                                          <p:val>
+                                            <p:strVal val="1+#ppt_h/2"/>
+                                          </p:val>
+                                        </p:tav>
+                                        <p:tav tm="100000">
+                                          <p:val>
+                                            <p:strVal val="#ppt_y"/>
+                                          </p:val>
+                                        </p:tav>
+                                      </p:tavLst>
+                                    </p:anim>
+                                  </p:childTnLst>
+                                </p:cTn>
+                              </p:par>
+                              <p:par>
+                                <p:cTn id="41" presetID="2" presetClass="entr" presetSubtype="4" fill="hold" nodeType="withEffect">
+                                  <p:stCondLst>
+                                    <p:cond delay="0"/>
+                                  </p:stCondLst>
+                                  <p:childTnLst>
+                                    <p:set>
+                                      <p:cBhvr>
+                                        <p:cTn id="42" dur="1" fill="hold">
+                                          <p:stCondLst>
+                                            <p:cond delay="0"/>
+                                          </p:stCondLst>
+                                        </p:cTn>
+                                        <p:tgtEl>
+                                          <p:spTgt spid="4">
+                                            <p:txEl>
+                                              <p:pRg st="5" end="5"/>
+                                            </p:txEl>
+                                          </p:spTgt>
+                                        </p:tgtEl>
+                                        <p:attrNameLst>
+                                          <p:attrName>style.visibility</p:attrName>
+                                        </p:attrNameLst>
+                                      </p:cBhvr>
+                                      <p:to>
+                                        <p:strVal val="visible"/>
+                                      </p:to>
+                                    </p:set>
+                                    <p:anim calcmode="lin" valueType="num">
+                                      <p:cBhvr additive="base">
+                                        <p:cTn id="43" dur="500" fill="hold"/>
+                                        <p:tgtEl>
+                                          <p:spTgt spid="4">
+                                            <p:txEl>
+                                              <p:pRg st="5" end="5"/>
+                                            </p:txEl>
+                                          </p:spTgt>
+                                        </p:tgtEl>
+                                        <p:attrNameLst>
+                                          <p:attrName>ppt_x</p:attrName>
+                                        </p:attrNameLst>
+                                      </p:cBhvr>
+                                      <p:tavLst>
+                                        <p:tav tm="0">
+                                          <p:val>
+                                            <p:strVal val="#ppt_x"/>
+                                          </p:val>
+                                        </p:tav>
+                                        <p:tav tm="100000">
+                                          <p:val>
+                                            <p:strVal val="#ppt_x"/>
+                                          </p:val>
+                                        </p:tav>
+                                      </p:tavLst>
+                                    </p:anim>
+                                    <p:anim calcmode="lin" valueType="num">
+                                      <p:cBhvr additive="base">
+                                        <p:cTn id="44" dur="500" fill="hold"/>
+                                        <p:tgtEl>
+                                          <p:spTgt spid="4">
+                                            <p:txEl>
+                                              <p:pRg st="5" end="5"/>
+                                            </p:txEl>
+                                          </p:spTgt>
+                                        </p:tgtEl>
+                                        <p:attrNameLst>
+                                          <p:attrName>ppt_y</p:attrName>
+                                        </p:attrNameLst>
+                                      </p:cBhvr>
+                                      <p:tavLst>
+                                        <p:tav tm="0">
+                                          <p:val>
+                                            <p:strVal val="1+#ppt_h/2"/>
+                                          </p:val>
+                                        </p:tav>
+                                        <p:tav tm="100000">
+                                          <p:val>
+                                            <p:strVal val="#ppt_y"/>
+                                          </p:val>
+                                        </p:tav>
+                                      </p:tavLst>
+                                    </p:anim>
+                                  </p:childTnLst>
+                                </p:cTn>
+                              </p:par>
+                              <p:par>
+                                <p:cTn id="45" presetID="2" presetClass="entr" presetSubtype="4" fill="hold" nodeType="withEffect">
+                                  <p:stCondLst>
+                                    <p:cond delay="0"/>
+                                  </p:stCondLst>
+                                  <p:childTnLst>
+                                    <p:set>
+                                      <p:cBhvr>
+                                        <p:cTn id="46" dur="1" fill="hold">
+                                          <p:stCondLst>
+                                            <p:cond delay="0"/>
+                                          </p:stCondLst>
+                                        </p:cTn>
+                                        <p:tgtEl>
+                                          <p:spTgt spid="4">
+                                            <p:txEl>
+                                              <p:pRg st="7" end="7"/>
+                                            </p:txEl>
+                                          </p:spTgt>
+                                        </p:tgtEl>
+                                        <p:attrNameLst>
+                                          <p:attrName>style.visibility</p:attrName>
+                                        </p:attrNameLst>
+                                      </p:cBhvr>
+                                      <p:to>
+                                        <p:strVal val="visible"/>
+                                      </p:to>
+                                    </p:set>
+                                    <p:anim calcmode="lin" valueType="num">
+                                      <p:cBhvr additive="base">
+                                        <p:cTn id="47" dur="500" fill="hold"/>
+                                        <p:tgtEl>
+                                          <p:spTgt spid="4">
+                                            <p:txEl>
+                                              <p:pRg st="7" end="7"/>
+                                            </p:txEl>
+                                          </p:spTgt>
+                                        </p:tgtEl>
+                                        <p:attrNameLst>
+                                          <p:attrName>ppt_x</p:attrName>
+                                        </p:attrNameLst>
+                                      </p:cBhvr>
+                                      <p:tavLst>
+                                        <p:tav tm="0">
+                                          <p:val>
+                                            <p:strVal val="#ppt_x"/>
+                                          </p:val>
+                                        </p:tav>
+                                        <p:tav tm="100000">
+                                          <p:val>
+                                            <p:strVal val="#ppt_x"/>
+                                          </p:val>
+                                        </p:tav>
+                                      </p:tavLst>
+                                    </p:anim>
+                                    <p:anim calcmode="lin" valueType="num">
+                                      <p:cBhvr additive="base">
+                                        <p:cTn id="48" dur="500" fill="hold"/>
+                                        <p:tgtEl>
+                                          <p:spTgt spid="4">
+                                            <p:txEl>
+                                              <p:pRg st="7" end="7"/>
+                                            </p:txEl>
+                                          </p:spTgt>
+                                        </p:tgtEl>
+                                        <p:attrNameLst>
+                                          <p:attrName>ppt_y</p:attrName>
+                                        </p:attrNameLst>
+                                      </p:cBhvr>
+                                      <p:tavLst>
+                                        <p:tav tm="0">
+                                          <p:val>
+                                            <p:strVal val="1+#ppt_h/2"/>
+                                          </p:val>
+                                        </p:tav>
+                                        <p:tav tm="100000">
+                                          <p:val>
+                                            <p:strVal val="#ppt_y"/>
+                                          </p:val>
+                                        </p:tav>
+                                      </p:tavLst>
+                                    </p:anim>
+                                  </p:childTnLst>
+                                </p:cTn>
+                              </p:par>
+                              <p:par>
+                                <p:cTn id="49" presetID="2" presetClass="entr" presetSubtype="4" fill="hold" nodeType="withEffect">
+                                  <p:stCondLst>
+                                    <p:cond delay="0"/>
+                                  </p:stCondLst>
+                                  <p:childTnLst>
+                                    <p:set>
+                                      <p:cBhvr>
+                                        <p:cTn id="50" dur="1" fill="hold">
+                                          <p:stCondLst>
+                                            <p:cond delay="0"/>
+                                          </p:stCondLst>
+                                        </p:cTn>
+                                        <p:tgtEl>
+                                          <p:spTgt spid="4">
+                                            <p:txEl>
+                                              <p:pRg st="8" end="8"/>
+                                            </p:txEl>
+                                          </p:spTgt>
+                                        </p:tgtEl>
+                                        <p:attrNameLst>
+                                          <p:attrName>style.visibility</p:attrName>
+                                        </p:attrNameLst>
+                                      </p:cBhvr>
+                                      <p:to>
+                                        <p:strVal val="visible"/>
+                                      </p:to>
+                                    </p:set>
+                                    <p:anim calcmode="lin" valueType="num">
+                                      <p:cBhvr additive="base">
+                                        <p:cTn id="51" dur="500" fill="hold"/>
+                                        <p:tgtEl>
+                                          <p:spTgt spid="4">
+                                            <p:txEl>
+                                              <p:pRg st="8" end="8"/>
+                                            </p:txEl>
+                                          </p:spTgt>
+                                        </p:tgtEl>
+                                        <p:attrNameLst>
+                                          <p:attrName>ppt_x</p:attrName>
+                                        </p:attrNameLst>
+                                      </p:cBhvr>
+                                      <p:tavLst>
+                                        <p:tav tm="0">
+                                          <p:val>
+                                            <p:strVal val="#ppt_x"/>
+                                          </p:val>
+                                        </p:tav>
+                                        <p:tav tm="100000">
+                                          <p:val>
+                                            <p:strVal val="#ppt_x"/>
+                                          </p:val>
+                                        </p:tav>
+                                      </p:tavLst>
+                                    </p:anim>
+                                    <p:anim calcmode="lin" valueType="num">
+                                      <p:cBhvr additive="base">
+                                        <p:cTn id="52" dur="500" fill="hold"/>
+                                        <p:tgtEl>
+                                          <p:spTgt spid="4">
+                                            <p:txEl>
+                                              <p:pRg st="8" end="8"/>
+                                            </p:txEl>
+                                          </p:spTgt>
+                                        </p:tgtEl>
+                                        <p:attrNameLst>
+                                          <p:attrName>ppt_y</p:attrName>
+                                        </p:attrNameLst>
+                                      </p:cBhvr>
+                                      <p:tavLst>
+                                        <p:tav tm="0">
+                                          <p:val>
+                                            <p:strVal val="1+#ppt_h/2"/>
+                                          </p:val>
+                                        </p:tav>
+                                        <p:tav tm="100000">
+                                          <p:val>
+                                            <p:strVal val="#ppt_y"/>
+                                          </p:val>
+                                        </p:tav>
+                                      </p:tavLst>
+                                    </p:anim>
+                                  </p:childTnLst>
+                                </p:cTn>
+                              </p:par>
+                            </p:childTnLst>
+                          </p:cTn>
+                        </p:par>
+                      </p:childTnLst>
+                    </p:cTn>
+                  </p:par>
+                  <p:par>
+                    <p:cTn id="53" fill="hold">
+                      <p:stCondLst>
+                        <p:cond delay="indefinite"/>
+                      </p:stCondLst>
+                      <p:childTnLst>
+                        <p:par>
+                          <p:cTn id="54" fill="hold">
+                            <p:stCondLst>
+                              <p:cond delay="0"/>
+                            </p:stCondLst>
+                            <p:childTnLst>
+                              <p:par>
+                                <p:cTn id="55" presetID="2" presetClass="entr" presetSubtype="4" fill="hold" nodeType="clickEffect">
+                                  <p:stCondLst>
+                                    <p:cond delay="0"/>
+                                  </p:stCondLst>
+                                  <p:childTnLst>
+                                    <p:set>
+                                      <p:cBhvr>
+                                        <p:cTn id="56" dur="1" fill="hold">
+                                          <p:stCondLst>
+                                            <p:cond delay="0"/>
+                                          </p:stCondLst>
+                                        </p:cTn>
+                                        <p:tgtEl>
+                                          <p:spTgt spid="3">
+                                            <p:txEl>
+                                              <p:pRg st="5" end="5"/>
+                                            </p:txEl>
+                                          </p:spTgt>
+                                        </p:tgtEl>
+                                        <p:attrNameLst>
+                                          <p:attrName>style.visibility</p:attrName>
+                                        </p:attrNameLst>
+                                      </p:cBhvr>
+                                      <p:to>
+                                        <p:strVal val="visible"/>
+                                      </p:to>
+                                    </p:set>
+                                    <p:anim calcmode="lin" valueType="num">
+                                      <p:cBhvr additive="base">
+                                        <p:cTn id="57" dur="500" fill="hold"/>
+                                        <p:tgtEl>
+                                          <p:spTgt spid="3">
+                                            <p:txEl>
+                                              <p:pRg st="5" end="5"/>
+                                            </p:txEl>
+                                          </p:spTgt>
+                                        </p:tgtEl>
+                                        <p:attrNameLst>
+                                          <p:attrName>ppt_x</p:attrName>
+                                        </p:attrNameLst>
+                                      </p:cBhvr>
+                                      <p:tavLst>
+                                        <p:tav tm="0">
+                                          <p:val>
+                                            <p:strVal val="#ppt_x"/>
+                                          </p:val>
+                                        </p:tav>
+                                        <p:tav tm="100000">
+                                          <p:val>
+                                            <p:strVal val="#ppt_x"/>
+                                          </p:val>
+                                        </p:tav>
+                                      </p:tavLst>
+                                    </p:anim>
+                                    <p:anim calcmode="lin" valueType="num">
+                                      <p:cBhvr additive="base">
+                                        <p:cTn id="58" dur="500" fill="hold"/>
+                                        <p:tgtEl>
+                                          <p:spTgt spid="3">
+                                            <p:txEl>
+                                              <p:pRg st="5" end="5"/>
+                                            </p:txEl>
+                                          </p:spTgt>
+                                        </p:tgtEl>
+                                        <p:attrNameLst>
+                                          <p:attrName>ppt_y</p:attrName>
+                                        </p:attrNameLst>
+                                      </p:cBhvr>
+                                      <p:tavLst>
+                                        <p:tav tm="0">
+                                          <p:val>
+                                            <p:strVal val="1+#ppt_h/2"/>
+                                          </p:val>
+                                        </p:tav>
+                                        <p:tav tm="100000">
+                                          <p:val>
+                                            <p:strVal val="#ppt_y"/>
+                                          </p:val>
+                                        </p:tav>
+                                      </p:tavLst>
+                                    </p:anim>
+                                  </p:childTnLst>
+                                </p:cTn>
+                              </p:par>
+                              <p:par>
+                                <p:cTn id="59" presetID="2" presetClass="entr" presetSubtype="4" fill="hold" nodeType="withEffect">
+                                  <p:stCondLst>
+                                    <p:cond delay="0"/>
+                                  </p:stCondLst>
+                                  <p:childTnLst>
+                                    <p:set>
+                                      <p:cBhvr>
+                                        <p:cTn id="60" dur="1" fill="hold">
+                                          <p:stCondLst>
+                                            <p:cond delay="0"/>
+                                          </p:stCondLst>
+                                        </p:cTn>
+                                        <p:tgtEl>
+                                          <p:spTgt spid="3">
+                                            <p:txEl>
+                                              <p:pRg st="6" end="6"/>
+                                            </p:txEl>
+                                          </p:spTgt>
+                                        </p:tgtEl>
+                                        <p:attrNameLst>
+                                          <p:attrName>style.visibility</p:attrName>
+                                        </p:attrNameLst>
+                                      </p:cBhvr>
+                                      <p:to>
+                                        <p:strVal val="visible"/>
+                                      </p:to>
+                                    </p:set>
+                                    <p:anim calcmode="lin" valueType="num">
+                                      <p:cBhvr additive="base">
+                                        <p:cTn id="61" dur="500" fill="hold"/>
+                                        <p:tgtEl>
+                                          <p:spTgt spid="3">
+                                            <p:txEl>
+                                              <p:pRg st="6" end="6"/>
+                                            </p:txEl>
+                                          </p:spTgt>
+                                        </p:tgtEl>
+                                        <p:attrNameLst>
+                                          <p:attrName>ppt_x</p:attrName>
+                                        </p:attrNameLst>
+                                      </p:cBhvr>
+                                      <p:tavLst>
+                                        <p:tav tm="0">
+                                          <p:val>
+                                            <p:strVal val="#ppt_x"/>
+                                          </p:val>
+                                        </p:tav>
+                                        <p:tav tm="100000">
+                                          <p:val>
+                                            <p:strVal val="#ppt_x"/>
+                                          </p:val>
+                                        </p:tav>
+                                      </p:tavLst>
+                                    </p:anim>
+                                    <p:anim calcmode="lin" valueType="num">
+                                      <p:cBhvr additive="base">
+                                        <p:cTn id="62" dur="500" fill="hold"/>
+                                        <p:tgtEl>
+                                          <p:spTgt spid="3">
+                                            <p:txEl>
+                                              <p:pRg st="6" end="6"/>
+                                            </p:txEl>
+                                          </p:spTgt>
+                                        </p:tgtEl>
+                                        <p:attrNameLst>
+                                          <p:attrName>ppt_y</p:attrName>
+                                        </p:attrNameLst>
+                                      </p:cBhvr>
+                                      <p:tavLst>
+                                        <p:tav tm="0">
+                                          <p:val>
+                                            <p:strVal val="1+#ppt_h/2"/>
+                                          </p:val>
+                                        </p:tav>
+                                        <p:tav tm="100000">
+                                          <p:val>
+                                            <p:strVal val="#ppt_y"/>
+                                          </p:val>
+                                        </p:tav>
+                                      </p:tavLst>
+                                    </p:anim>
+                                  </p:childTnLst>
+                                </p:cTn>
+                              </p:par>
+                              <p:par>
+                                <p:cTn id="63" presetID="2" presetClass="entr" presetSubtype="4" fill="hold" nodeType="withEffect">
+                                  <p:stCondLst>
+                                    <p:cond delay="0"/>
+                                  </p:stCondLst>
+                                  <p:childTnLst>
+                                    <p:set>
+                                      <p:cBhvr>
+                                        <p:cTn id="64" dur="1" fill="hold">
+                                          <p:stCondLst>
+                                            <p:cond delay="0"/>
+                                          </p:stCondLst>
+                                        </p:cTn>
+                                        <p:tgtEl>
+                                          <p:spTgt spid="3">
+                                            <p:txEl>
+                                              <p:pRg st="7" end="7"/>
+                                            </p:txEl>
+                                          </p:spTgt>
+                                        </p:tgtEl>
+                                        <p:attrNameLst>
+                                          <p:attrName>style.visibility</p:attrName>
+                                        </p:attrNameLst>
+                                      </p:cBhvr>
+                                      <p:to>
+                                        <p:strVal val="visible"/>
+                                      </p:to>
+                                    </p:set>
+                                    <p:anim calcmode="lin" valueType="num">
+                                      <p:cBhvr additive="base">
+                                        <p:cTn id="65" dur="500" fill="hold"/>
+                                        <p:tgtEl>
+                                          <p:spTgt spid="3">
+                                            <p:txEl>
+                                              <p:pRg st="7" end="7"/>
+                                            </p:txEl>
+                                          </p:spTgt>
+                                        </p:tgtEl>
+                                        <p:attrNameLst>
+                                          <p:attrName>ppt_x</p:attrName>
+                                        </p:attrNameLst>
+                                      </p:cBhvr>
+                                      <p:tavLst>
+                                        <p:tav tm="0">
+                                          <p:val>
+                                            <p:strVal val="#ppt_x"/>
+                                          </p:val>
+                                        </p:tav>
+                                        <p:tav tm="100000">
+                                          <p:val>
+                                            <p:strVal val="#ppt_x"/>
+                                          </p:val>
+                                        </p:tav>
+                                      </p:tavLst>
+                                    </p:anim>
+                                    <p:anim calcmode="lin" valueType="num">
+                                      <p:cBhvr additive="base">
+                                        <p:cTn id="66" dur="500" fill="hold"/>
+                                        <p:tgtEl>
+                                          <p:spTgt spid="3">
+                                            <p:txEl>
+                                              <p:pRg st="7" end="7"/>
+                                            </p:txEl>
+                                          </p:spTgt>
+                                        </p:tgtEl>
+                                        <p:attrNameLst>
+                                          <p:attrName>ppt_y</p:attrName>
+                                        </p:attrNameLst>
+                                      </p:cBhvr>
+                                      <p:tavLst>
+                                        <p:tav tm="0">
+                                          <p:val>
+                                            <p:strVal val="1+#ppt_h/2"/>
+                                          </p:val>
+                                        </p:tav>
+                                        <p:tav tm="100000">
+                                          <p:val>
+                                            <p:strVal val="#ppt_y"/>
+                                          </p:val>
+                                        </p:tav>
+                                      </p:tavLst>
+                                    </p:anim>
+                                  </p:childTnLst>
+                                </p:cTn>
+                              </p:par>
+                            </p:childTnLst>
+                          </p:cTn>
+                        </p:par>
+                      </p:childTnLst>
+                    </p:cTn>
+                  </p:par>
+                </p:childTnLst>
+              </p:cTn>
+              <p:prevCondLst>
+                <p:cond evt="onPrev" delay="0">
+                  <p:tgtEl>
+                    <p:sldTgt/>
+                  </p:tgtEl>
+                </p:cond>
+              </p:prevCondLst>
+              <p:nextCondLst>
+                <p:cond evt="onNext" delay="0">
+                  <p:tgtEl>
+                    <p:sldTgt/>
+                  </p:tgtEl>
+                </p:cond>
+              </p:nextCondLst>
+            </p:seq>
+          </p:childTnLst>
+        </p:cTn>
+      </p:par>
+    </p:tnLst>
+  </p:timing>
 </p:sld>
 </file>
 
-<file path=ppt/slides/slide15.xml><?xml version="1.0" encoding="utf-8"?>
+<file path=ppt/slides/slide16.xml><?xml version="1.0" encoding="utf-8"?>
 <p:sld xmlns:a="http://schemas.openxmlformats.org/drawingml/2006/main" xmlns:r="http://schemas.openxmlformats.org/officeDocument/2006/relationships" xmlns:p="http://schemas.openxmlformats.org/presentationml/2006/main">
   <p:cSld>
     <p:spTree>
@@ -7684,13 +9518,13 @@
   <p:clrMapOvr>
     <a:masterClrMapping/>
   </p:clrMapOvr>
-  <mc:AlternateContent xmlns:mc="http://schemas.openxmlformats.org/markup-compatibility/2006">
-    <mc:Choice xmlns:p15="http://schemas.microsoft.com/office/powerpoint/2012/main" Requires="p15">
+  <mc:AlternateContent xmlns:mc="http://schemas.openxmlformats.org/markup-compatibility/2006" xmlns:p15="http://schemas.microsoft.com/office/powerpoint/2012/main">
+    <mc:Choice Requires="p15">
       <p:transition xmlns:p14="http://schemas.microsoft.com/office/powerpoint/2010/main" spd="slow" p14:dur="2000">
         <p15:prstTrans prst="fracture"/>
       </p:transition>
     </mc:Choice>
-    <mc:Fallback>
+    <mc:Fallback xmlns="">
       <p:transition spd="slow">
         <p:fade/>
       </p:transition>
@@ -8265,13 +10099,13 @@
   <p:clrMapOvr>
     <a:masterClrMapping/>
   </p:clrMapOvr>
-  <mc:AlternateContent xmlns:mc="http://schemas.openxmlformats.org/markup-compatibility/2006">
-    <mc:Choice xmlns:p14="http://schemas.microsoft.com/office/powerpoint/2010/main" Requires="p14">
+  <mc:AlternateContent xmlns:mc="http://schemas.openxmlformats.org/markup-compatibility/2006" xmlns:p14="http://schemas.microsoft.com/office/powerpoint/2010/main">
+    <mc:Choice Requires="p14">
       <p:transition spd="slow" p14:dur="1500">
         <p:split orient="vert"/>
       </p:transition>
     </mc:Choice>
-    <mc:Fallback>
+    <mc:Fallback xmlns="">
       <p:transition spd="slow">
         <p:split orient="vert"/>
       </p:transition>
@@ -9212,13 +11046,13 @@
   <p:clrMapOvr>
     <a:masterClrMapping/>
   </p:clrMapOvr>
-  <mc:AlternateContent xmlns:mc="http://schemas.openxmlformats.org/markup-compatibility/2006">
-    <mc:Choice xmlns:p14="http://schemas.microsoft.com/office/powerpoint/2010/main" Requires="p14">
+  <mc:AlternateContent xmlns:mc="http://schemas.openxmlformats.org/markup-compatibility/2006" xmlns:p14="http://schemas.microsoft.com/office/powerpoint/2010/main">
+    <mc:Choice Requires="p14">
       <p:transition spd="med" p14:dur="700">
         <p:fade/>
       </p:transition>
     </mc:Choice>
-    <mc:Fallback>
+    <mc:Fallback xmlns="">
       <p:transition spd="med">
         <p:fade/>
       </p:transition>
@@ -9521,13 +11355,13 @@
   <p:clrMapOvr>
     <a:masterClrMapping/>
   </p:clrMapOvr>
-  <mc:AlternateContent xmlns:mc="http://schemas.openxmlformats.org/markup-compatibility/2006">
-    <mc:Choice xmlns:p14="http://schemas.microsoft.com/office/powerpoint/2010/main" Requires="p14">
+  <mc:AlternateContent xmlns:mc="http://schemas.openxmlformats.org/markup-compatibility/2006" xmlns:p14="http://schemas.microsoft.com/office/powerpoint/2010/main">
+    <mc:Choice Requires="p14">
       <p:transition spd="slow" p14:dur="800">
         <p:circle/>
       </p:transition>
     </mc:Choice>
-    <mc:Fallback>
+    <mc:Fallback xmlns="">
       <p:transition spd="slow">
         <p:circle/>
       </p:transition>
@@ -10038,13 +11872,13 @@
   <p:clrMapOvr>
     <a:masterClrMapping/>
   </p:clrMapOvr>
-  <mc:AlternateContent xmlns:mc="http://schemas.openxmlformats.org/markup-compatibility/2006">
-    <mc:Choice xmlns:p159="http://schemas.microsoft.com/office/powerpoint/2015/09/main" Requires="p159">
+  <mc:AlternateContent xmlns:mc="http://schemas.openxmlformats.org/markup-compatibility/2006" xmlns:p159="http://schemas.microsoft.com/office/powerpoint/2015/09/main">
+    <mc:Choice Requires="p159">
       <p:transition xmlns:p14="http://schemas.microsoft.com/office/powerpoint/2010/main" spd="slow" p14:dur="2000">
         <p159:morph option="byObject"/>
       </p:transition>
     </mc:Choice>
-    <mc:Fallback>
+    <mc:Fallback xmlns="">
       <p:transition spd="slow">
         <p:fade/>
       </p:transition>

--- a/Sarah's_work/Project 1 Presentation copy.pptx
+++ b/Sarah's_work/Project 1 Presentation copy.pptx
@@ -128,551 +128,6 @@
     </p:ext>
   </p:extLst>
 </p:presentation>
-</file>
-
-<file path=ppt/revisionInfo.xml><?xml version="1.0" encoding="utf-8"?>
-<p1510:revInfo xmlns:a="http://schemas.openxmlformats.org/drawingml/2006/main" xmlns:r="http://schemas.openxmlformats.org/officeDocument/2006/relationships" xmlns:p1510="http://schemas.microsoft.com/office/powerpoint/2015/10/main">
-  <p1510:revLst>
-    <p1510:client id="{405055A5-EAA6-417B-A681-6F58EE4BF19C}" v="53" dt="2024-06-09T17:16:49.395"/>
-    <p1510:client id="{CD949640-C028-4809-8343-37C248349D94}" v="8" dt="2024-06-08T18:29:19.233"/>
-  </p1510:revLst>
-</p1510:revInfo>
-</file>
-
-<file path=ppt/changesInfos/changesInfo1.xml><?xml version="1.0" encoding="utf-8"?>
-<pc:chgInfo xmlns:a="http://schemas.openxmlformats.org/drawingml/2006/main" xmlns:r="http://schemas.openxmlformats.org/officeDocument/2006/relationships" xmlns:ac="http://schemas.microsoft.com/office/drawing/2013/main/command" xmlns:pc="http://schemas.microsoft.com/office/powerpoint/2013/main/command">
-  <pc:docChgLst>
-    <pc:chgData name="Sarah Chauvin" userId="68f37512aa257305" providerId="LiveId" clId="{405055A5-EAA6-417B-A681-6F58EE4BF19C}"/>
-    <pc:docChg chg="undo custSel addSld delSld modSld">
-      <pc:chgData name="Sarah Chauvin" userId="68f37512aa257305" providerId="LiveId" clId="{405055A5-EAA6-417B-A681-6F58EE4BF19C}" dt="2024-06-09T17:16:49.395" v="448"/>
-      <pc:docMkLst>
-        <pc:docMk/>
-      </pc:docMkLst>
-      <pc:sldChg chg="modSp mod modTransition">
-        <pc:chgData name="Sarah Chauvin" userId="68f37512aa257305" providerId="LiveId" clId="{405055A5-EAA6-417B-A681-6F58EE4BF19C}" dt="2024-06-09T16:42:29.279" v="224" actId="20577"/>
-        <pc:sldMkLst>
-          <pc:docMk/>
-          <pc:sldMk cId="1604291168" sldId="257"/>
-        </pc:sldMkLst>
-        <pc:spChg chg="mod">
-          <ac:chgData name="Sarah Chauvin" userId="68f37512aa257305" providerId="LiveId" clId="{405055A5-EAA6-417B-A681-6F58EE4BF19C}" dt="2024-06-09T16:42:29.279" v="224" actId="20577"/>
-          <ac:spMkLst>
-            <pc:docMk/>
-            <pc:sldMk cId="1604291168" sldId="257"/>
-            <ac:spMk id="2" creationId="{6F491D24-9C32-AAA5-7433-869979B51952}"/>
-          </ac:spMkLst>
-        </pc:spChg>
-      </pc:sldChg>
-      <pc:sldChg chg="modSp mod modTransition">
-        <pc:chgData name="Sarah Chauvin" userId="68f37512aa257305" providerId="LiveId" clId="{405055A5-EAA6-417B-A681-6F58EE4BF19C}" dt="2024-06-09T16:48:17.226" v="408"/>
-        <pc:sldMkLst>
-          <pc:docMk/>
-          <pc:sldMk cId="3243217222" sldId="258"/>
-        </pc:sldMkLst>
-        <pc:spChg chg="mod">
-          <ac:chgData name="Sarah Chauvin" userId="68f37512aa257305" providerId="LiveId" clId="{405055A5-EAA6-417B-A681-6F58EE4BF19C}" dt="2024-06-09T16:43:13.961" v="236" actId="14100"/>
-          <ac:spMkLst>
-            <pc:docMk/>
-            <pc:sldMk cId="3243217222" sldId="258"/>
-            <ac:spMk id="3" creationId="{4A3C146F-4C4F-F7D6-AA45-D050091CA62B}"/>
-          </ac:spMkLst>
-        </pc:spChg>
-      </pc:sldChg>
-      <pc:sldChg chg="modTransition modAnim">
-        <pc:chgData name="Sarah Chauvin" userId="68f37512aa257305" providerId="LiveId" clId="{405055A5-EAA6-417B-A681-6F58EE4BF19C}" dt="2024-06-09T17:03:18.105" v="422"/>
-        <pc:sldMkLst>
-          <pc:docMk/>
-          <pc:sldMk cId="1816128598" sldId="260"/>
-        </pc:sldMkLst>
-      </pc:sldChg>
-      <pc:sldChg chg="addSp delSp modSp mod modTransition">
-        <pc:chgData name="Sarah Chauvin" userId="68f37512aa257305" providerId="LiveId" clId="{405055A5-EAA6-417B-A681-6F58EE4BF19C}" dt="2024-06-09T16:49:46.380" v="415"/>
-        <pc:sldMkLst>
-          <pc:docMk/>
-          <pc:sldMk cId="131222317" sldId="261"/>
-        </pc:sldMkLst>
-        <pc:spChg chg="add mod">
-          <ac:chgData name="Sarah Chauvin" userId="68f37512aa257305" providerId="LiveId" clId="{405055A5-EAA6-417B-A681-6F58EE4BF19C}" dt="2024-06-09T16:28:56.102" v="213" actId="20577"/>
-          <ac:spMkLst>
-            <pc:docMk/>
-            <pc:sldMk cId="131222317" sldId="261"/>
-            <ac:spMk id="9" creationId="{67F8BEBB-CB06-7D93-8177-D38DB3DD408C}"/>
-          </ac:spMkLst>
-        </pc:spChg>
-        <pc:picChg chg="add del mod">
-          <ac:chgData name="Sarah Chauvin" userId="68f37512aa257305" providerId="LiveId" clId="{405055A5-EAA6-417B-A681-6F58EE4BF19C}" dt="2024-06-09T16:20:30.141" v="9" actId="478"/>
-          <ac:picMkLst>
-            <pc:docMk/>
-            <pc:sldMk cId="131222317" sldId="261"/>
-            <ac:picMk id="4" creationId="{00777464-A611-1A8E-9116-372083A8FA2F}"/>
-          </ac:picMkLst>
-        </pc:picChg>
-        <pc:picChg chg="mod">
-          <ac:chgData name="Sarah Chauvin" userId="68f37512aa257305" providerId="LiveId" clId="{405055A5-EAA6-417B-A681-6F58EE4BF19C}" dt="2024-06-09T16:22:03.277" v="24" actId="1076"/>
-          <ac:picMkLst>
-            <pc:docMk/>
-            <pc:sldMk cId="131222317" sldId="261"/>
-            <ac:picMk id="5" creationId="{F414B211-406D-CBB1-E486-CB50F24AD4C2}"/>
-          </ac:picMkLst>
-        </pc:picChg>
-        <pc:picChg chg="mod">
-          <ac:chgData name="Sarah Chauvin" userId="68f37512aa257305" providerId="LiveId" clId="{405055A5-EAA6-417B-A681-6F58EE4BF19C}" dt="2024-06-09T16:21:24.499" v="19" actId="1076"/>
-          <ac:picMkLst>
-            <pc:docMk/>
-            <pc:sldMk cId="131222317" sldId="261"/>
-            <ac:picMk id="7" creationId="{EFDEA250-52FB-13F3-FB89-1D26FE8FBE26}"/>
-          </ac:picMkLst>
-        </pc:picChg>
-        <pc:picChg chg="add mod">
-          <ac:chgData name="Sarah Chauvin" userId="68f37512aa257305" providerId="LiveId" clId="{405055A5-EAA6-417B-A681-6F58EE4BF19C}" dt="2024-06-09T16:22:14.509" v="27" actId="1076"/>
-          <ac:picMkLst>
-            <pc:docMk/>
-            <pc:sldMk cId="131222317" sldId="261"/>
-            <ac:picMk id="8" creationId="{2C1AE9BE-4EE0-184F-AE69-D3D23E7DF693}"/>
-          </ac:picMkLst>
-        </pc:picChg>
-      </pc:sldChg>
-      <pc:sldChg chg="modTransition modAnim">
-        <pc:chgData name="Sarah Chauvin" userId="68f37512aa257305" providerId="LiveId" clId="{405055A5-EAA6-417B-A681-6F58EE4BF19C}" dt="2024-06-09T17:10:10.837" v="430"/>
-        <pc:sldMkLst>
-          <pc:docMk/>
-          <pc:sldMk cId="2233030158" sldId="262"/>
-        </pc:sldMkLst>
-      </pc:sldChg>
-      <pc:sldChg chg="modSp mod modTransition">
-        <pc:chgData name="Sarah Chauvin" userId="68f37512aa257305" providerId="LiveId" clId="{405055A5-EAA6-417B-A681-6F58EE4BF19C}" dt="2024-06-09T16:50:09.763" v="417"/>
-        <pc:sldMkLst>
-          <pc:docMk/>
-          <pc:sldMk cId="937944571" sldId="263"/>
-        </pc:sldMkLst>
-        <pc:picChg chg="mod">
-          <ac:chgData name="Sarah Chauvin" userId="68f37512aa257305" providerId="LiveId" clId="{405055A5-EAA6-417B-A681-6F58EE4BF19C}" dt="2024-06-09T16:29:09.841" v="214" actId="1076"/>
-          <ac:picMkLst>
-            <pc:docMk/>
-            <pc:sldMk cId="937944571" sldId="263"/>
-            <ac:picMk id="5" creationId="{73866A11-3BDD-3F74-007D-1CCF8FEF300E}"/>
-          </ac:picMkLst>
-        </pc:picChg>
-      </pc:sldChg>
-      <pc:sldChg chg="modSp mod modTransition">
-        <pc:chgData name="Sarah Chauvin" userId="68f37512aa257305" providerId="LiveId" clId="{405055A5-EAA6-417B-A681-6F58EE4BF19C}" dt="2024-06-09T16:48:49.665" v="409" actId="1076"/>
-        <pc:sldMkLst>
-          <pc:docMk/>
-          <pc:sldMk cId="2929728545" sldId="265"/>
-        </pc:sldMkLst>
-        <pc:spChg chg="mod">
-          <ac:chgData name="Sarah Chauvin" userId="68f37512aa257305" providerId="LiveId" clId="{405055A5-EAA6-417B-A681-6F58EE4BF19C}" dt="2024-06-09T16:48:49.665" v="409" actId="1076"/>
-          <ac:spMkLst>
-            <pc:docMk/>
-            <pc:sldMk cId="2929728545" sldId="265"/>
-            <ac:spMk id="15" creationId="{EE13F059-1E2F-8B20-AEFE-C38550D6AD72}"/>
-          </ac:spMkLst>
-        </pc:spChg>
-      </pc:sldChg>
-      <pc:sldChg chg="modSp del mod modTransition">
-        <pc:chgData name="Sarah Chauvin" userId="68f37512aa257305" providerId="LiveId" clId="{405055A5-EAA6-417B-A681-6F58EE4BF19C}" dt="2024-06-09T17:15:59.930" v="435" actId="47"/>
-        <pc:sldMkLst>
-          <pc:docMk/>
-          <pc:sldMk cId="3488931604" sldId="266"/>
-        </pc:sldMkLst>
-        <pc:spChg chg="mod">
-          <ac:chgData name="Sarah Chauvin" userId="68f37512aa257305" providerId="LiveId" clId="{405055A5-EAA6-417B-A681-6F58EE4BF19C}" dt="2024-06-09T17:15:35.831" v="432"/>
-          <ac:spMkLst>
-            <pc:docMk/>
-            <pc:sldMk cId="3488931604" sldId="266"/>
-            <ac:spMk id="3" creationId="{EE2ACB71-0271-AFD8-4F31-A072B7DABF0B}"/>
-          </ac:spMkLst>
-        </pc:spChg>
-      </pc:sldChg>
-      <pc:sldChg chg="modTransition">
-        <pc:chgData name="Sarah Chauvin" userId="68f37512aa257305" providerId="LiveId" clId="{405055A5-EAA6-417B-A681-6F58EE4BF19C}" dt="2024-06-09T16:42:46.649" v="225"/>
-        <pc:sldMkLst>
-          <pc:docMk/>
-          <pc:sldMk cId="1381873719" sldId="267"/>
-        </pc:sldMkLst>
-      </pc:sldChg>
-      <pc:sldChg chg="modTransition">
-        <pc:chgData name="Sarah Chauvin" userId="68f37512aa257305" providerId="LiveId" clId="{405055A5-EAA6-417B-A681-6F58EE4BF19C}" dt="2024-06-09T16:47:59.119" v="407"/>
-        <pc:sldMkLst>
-          <pc:docMk/>
-          <pc:sldMk cId="897189030" sldId="268"/>
-        </pc:sldMkLst>
-      </pc:sldChg>
-      <pc:sldChg chg="modTransition">
-        <pc:chgData name="Sarah Chauvin" userId="68f37512aa257305" providerId="LiveId" clId="{405055A5-EAA6-417B-A681-6F58EE4BF19C}" dt="2024-06-09T16:49:10.514" v="410"/>
-        <pc:sldMkLst>
-          <pc:docMk/>
-          <pc:sldMk cId="2688694326" sldId="269"/>
-        </pc:sldMkLst>
-      </pc:sldChg>
-      <pc:sldChg chg="modTransition modNotesTx">
-        <pc:chgData name="Sarah Chauvin" userId="68f37512aa257305" providerId="LiveId" clId="{405055A5-EAA6-417B-A681-6F58EE4BF19C}" dt="2024-06-09T16:47:14.547" v="401"/>
-        <pc:sldMkLst>
-          <pc:docMk/>
-          <pc:sldMk cId="1792510736" sldId="270"/>
-        </pc:sldMkLst>
-      </pc:sldChg>
-      <pc:sldChg chg="modSp mod modTransition">
-        <pc:chgData name="Sarah Chauvin" userId="68f37512aa257305" providerId="LiveId" clId="{405055A5-EAA6-417B-A681-6F58EE4BF19C}" dt="2024-06-09T16:47:25.900" v="403"/>
-        <pc:sldMkLst>
-          <pc:docMk/>
-          <pc:sldMk cId="2639131786" sldId="271"/>
-        </pc:sldMkLst>
-        <pc:spChg chg="mod">
-          <ac:chgData name="Sarah Chauvin" userId="68f37512aa257305" providerId="LiveId" clId="{405055A5-EAA6-417B-A681-6F58EE4BF19C}" dt="2024-06-09T16:46:28.981" v="396" actId="20577"/>
-          <ac:spMkLst>
-            <pc:docMk/>
-            <pc:sldMk cId="2639131786" sldId="271"/>
-            <ac:spMk id="10" creationId="{0834E3CB-5189-AE79-586E-624F2709C689}"/>
-          </ac:spMkLst>
-        </pc:spChg>
-      </pc:sldChg>
-      <pc:sldChg chg="modTransition">
-        <pc:chgData name="Sarah Chauvin" userId="68f37512aa257305" providerId="LiveId" clId="{405055A5-EAA6-417B-A681-6F58EE4BF19C}" dt="2024-06-09T16:47:33.308" v="404"/>
-        <pc:sldMkLst>
-          <pc:docMk/>
-          <pc:sldMk cId="670472193" sldId="272"/>
-        </pc:sldMkLst>
-      </pc:sldChg>
-      <pc:sldChg chg="add modTransition">
-        <pc:chgData name="Sarah Chauvin" userId="68f37512aa257305" providerId="LiveId" clId="{405055A5-EAA6-417B-A681-6F58EE4BF19C}" dt="2024-06-09T17:15:55.687" v="434"/>
-        <pc:sldMkLst>
-          <pc:docMk/>
-          <pc:sldMk cId="675742992" sldId="273"/>
-        </pc:sldMkLst>
-      </pc:sldChg>
-      <pc:sldChg chg="add modTransition">
-        <pc:chgData name="Sarah Chauvin" userId="68f37512aa257305" providerId="LiveId" clId="{405055A5-EAA6-417B-A681-6F58EE4BF19C}" dt="2024-06-09T17:16:49.395" v="448"/>
-        <pc:sldMkLst>
-          <pc:docMk/>
-          <pc:sldMk cId="250233846" sldId="274"/>
-        </pc:sldMkLst>
-      </pc:sldChg>
-    </pc:docChg>
-  </pc:docChgLst>
-  <pc:docChgLst>
-    <pc:chgData name="Sarah Chauvin" userId="68f37512aa257305" providerId="LiveId" clId="{CD949640-C028-4809-8343-37C248349D94}"/>
-    <pc:docChg chg="undo custSel addSld delSld modSld">
-      <pc:chgData name="Sarah Chauvin" userId="68f37512aa257305" providerId="LiveId" clId="{CD949640-C028-4809-8343-37C248349D94}" dt="2024-06-08T18:30:56.566" v="890" actId="1076"/>
-      <pc:docMkLst>
-        <pc:docMk/>
-      </pc:docMkLst>
-      <pc:sldChg chg="modSp mod">
-        <pc:chgData name="Sarah Chauvin" userId="68f37512aa257305" providerId="LiveId" clId="{CD949640-C028-4809-8343-37C248349D94}" dt="2024-06-08T18:23:27.997" v="763" actId="255"/>
-        <pc:sldMkLst>
-          <pc:docMk/>
-          <pc:sldMk cId="1604291168" sldId="257"/>
-        </pc:sldMkLst>
-        <pc:spChg chg="mod">
-          <ac:chgData name="Sarah Chauvin" userId="68f37512aa257305" providerId="LiveId" clId="{CD949640-C028-4809-8343-37C248349D94}" dt="2024-06-08T18:17:56.469" v="538" actId="255"/>
-          <ac:spMkLst>
-            <pc:docMk/>
-            <pc:sldMk cId="1604291168" sldId="257"/>
-            <ac:spMk id="2" creationId="{6F491D24-9C32-AAA5-7433-869979B51952}"/>
-          </ac:spMkLst>
-        </pc:spChg>
-        <pc:spChg chg="mod">
-          <ac:chgData name="Sarah Chauvin" userId="68f37512aa257305" providerId="LiveId" clId="{CD949640-C028-4809-8343-37C248349D94}" dt="2024-06-08T18:22:48.546" v="762" actId="20577"/>
-          <ac:spMkLst>
-            <pc:docMk/>
-            <pc:sldMk cId="1604291168" sldId="257"/>
-            <ac:spMk id="3" creationId="{D3CA68E3-4EC1-2F75-2CC2-2EE56493F651}"/>
-          </ac:spMkLst>
-        </pc:spChg>
-        <pc:spChg chg="mod">
-          <ac:chgData name="Sarah Chauvin" userId="68f37512aa257305" providerId="LiveId" clId="{CD949640-C028-4809-8343-37C248349D94}" dt="2024-06-08T18:23:27.997" v="763" actId="255"/>
-          <ac:spMkLst>
-            <pc:docMk/>
-            <pc:sldMk cId="1604291168" sldId="257"/>
-            <ac:spMk id="4" creationId="{21F76706-2802-185D-F80B-C32B6E3784E8}"/>
-          </ac:spMkLst>
-        </pc:spChg>
-      </pc:sldChg>
-      <pc:sldChg chg="modSp mod modNotesTx">
-        <pc:chgData name="Sarah Chauvin" userId="68f37512aa257305" providerId="LiveId" clId="{CD949640-C028-4809-8343-37C248349D94}" dt="2024-06-08T18:24:37.392" v="805" actId="20577"/>
-        <pc:sldMkLst>
-          <pc:docMk/>
-          <pc:sldMk cId="3243217222" sldId="258"/>
-        </pc:sldMkLst>
-        <pc:spChg chg="mod">
-          <ac:chgData name="Sarah Chauvin" userId="68f37512aa257305" providerId="LiveId" clId="{CD949640-C028-4809-8343-37C248349D94}" dt="2024-06-08T18:17:23.346" v="533" actId="1076"/>
-          <ac:spMkLst>
-            <pc:docMk/>
-            <pc:sldMk cId="3243217222" sldId="258"/>
-            <ac:spMk id="2" creationId="{7F31C477-95F3-1D46-AA36-039863624FBD}"/>
-          </ac:spMkLst>
-        </pc:spChg>
-        <pc:spChg chg="mod">
-          <ac:chgData name="Sarah Chauvin" userId="68f37512aa257305" providerId="LiveId" clId="{CD949640-C028-4809-8343-37C248349D94}" dt="2024-06-08T18:17:26.354" v="534" actId="1076"/>
-          <ac:spMkLst>
-            <pc:docMk/>
-            <pc:sldMk cId="3243217222" sldId="258"/>
-            <ac:spMk id="3" creationId="{4A3C146F-4C4F-F7D6-AA45-D050091CA62B}"/>
-          </ac:spMkLst>
-        </pc:spChg>
-      </pc:sldChg>
-      <pc:sldChg chg="addSp modSp del mod modNotesTx">
-        <pc:chgData name="Sarah Chauvin" userId="68f37512aa257305" providerId="LiveId" clId="{CD949640-C028-4809-8343-37C248349D94}" dt="2024-06-08T18:27:48.446" v="823" actId="47"/>
-        <pc:sldMkLst>
-          <pc:docMk/>
-          <pc:sldMk cId="19902726" sldId="259"/>
-        </pc:sldMkLst>
-        <pc:spChg chg="mod">
-          <ac:chgData name="Sarah Chauvin" userId="68f37512aa257305" providerId="LiveId" clId="{CD949640-C028-4809-8343-37C248349D94}" dt="2024-06-08T17:48:12.298" v="24" actId="21"/>
-          <ac:spMkLst>
-            <pc:docMk/>
-            <pc:sldMk cId="19902726" sldId="259"/>
-            <ac:spMk id="2" creationId="{BF3CE5D5-9E9B-12AF-96D3-051246C23CE4}"/>
-          </ac:spMkLst>
-        </pc:spChg>
-        <pc:spChg chg="mod">
-          <ac:chgData name="Sarah Chauvin" userId="68f37512aa257305" providerId="LiveId" clId="{CD949640-C028-4809-8343-37C248349D94}" dt="2024-06-08T18:27:19.676" v="821" actId="20577"/>
-          <ac:spMkLst>
-            <pc:docMk/>
-            <pc:sldMk cId="19902726" sldId="259"/>
-            <ac:spMk id="3" creationId="{4156DFCC-987E-5E98-F3FB-09CC6BA3CC21}"/>
-          </ac:spMkLst>
-        </pc:spChg>
-        <pc:spChg chg="add mod">
-          <ac:chgData name="Sarah Chauvin" userId="68f37512aa257305" providerId="LiveId" clId="{CD949640-C028-4809-8343-37C248349D94}" dt="2024-06-08T18:27:16.795" v="820"/>
-          <ac:spMkLst>
-            <pc:docMk/>
-            <pc:sldMk cId="19902726" sldId="259"/>
-            <ac:spMk id="9" creationId="{31FB4FC8-D97B-2E33-FDA1-017701121145}"/>
-          </ac:spMkLst>
-        </pc:spChg>
-      </pc:sldChg>
-      <pc:sldChg chg="addSp delSp modSp mod modNotesTx">
-        <pc:chgData name="Sarah Chauvin" userId="68f37512aa257305" providerId="LiveId" clId="{CD949640-C028-4809-8343-37C248349D94}" dt="2024-06-08T18:15:35.826" v="489" actId="20577"/>
-        <pc:sldMkLst>
-          <pc:docMk/>
-          <pc:sldMk cId="1816128598" sldId="260"/>
-        </pc:sldMkLst>
-        <pc:spChg chg="mod">
-          <ac:chgData name="Sarah Chauvin" userId="68f37512aa257305" providerId="LiveId" clId="{CD949640-C028-4809-8343-37C248349D94}" dt="2024-06-08T18:13:13.693" v="317" actId="1076"/>
-          <ac:spMkLst>
-            <pc:docMk/>
-            <pc:sldMk cId="1816128598" sldId="260"/>
-            <ac:spMk id="2" creationId="{B2B04DB2-1333-ABCA-790E-810E9010BF43}"/>
-          </ac:spMkLst>
-        </pc:spChg>
-        <pc:spChg chg="mod">
-          <ac:chgData name="Sarah Chauvin" userId="68f37512aa257305" providerId="LiveId" clId="{CD949640-C028-4809-8343-37C248349D94}" dt="2024-06-08T18:14:47.830" v="407" actId="20577"/>
-          <ac:spMkLst>
-            <pc:docMk/>
-            <pc:sldMk cId="1816128598" sldId="260"/>
-            <ac:spMk id="3" creationId="{05F8B029-54B5-20CA-B650-36985A9CF208}"/>
-          </ac:spMkLst>
-        </pc:spChg>
-        <pc:spChg chg="del">
-          <ac:chgData name="Sarah Chauvin" userId="68f37512aa257305" providerId="LiveId" clId="{CD949640-C028-4809-8343-37C248349D94}" dt="2024-06-08T18:12:55.410" v="313" actId="22"/>
-          <ac:spMkLst>
-            <pc:docMk/>
-            <pc:sldMk cId="1816128598" sldId="260"/>
-            <ac:spMk id="4" creationId="{4E5DEF6F-BDE4-461A-FA95-6CA27EE7464C}"/>
-          </ac:spMkLst>
-        </pc:spChg>
-        <pc:spChg chg="mod">
-          <ac:chgData name="Sarah Chauvin" userId="68f37512aa257305" providerId="LiveId" clId="{CD949640-C028-4809-8343-37C248349D94}" dt="2024-06-08T18:14:45.343" v="406" actId="20577"/>
-          <ac:spMkLst>
-            <pc:docMk/>
-            <pc:sldMk cId="1816128598" sldId="260"/>
-            <ac:spMk id="5" creationId="{392D86CE-5FEE-CA0E-3C55-3EBC8F5082F7}"/>
-          </ac:spMkLst>
-        </pc:spChg>
-        <pc:spChg chg="del mod">
-          <ac:chgData name="Sarah Chauvin" userId="68f37512aa257305" providerId="LiveId" clId="{CD949640-C028-4809-8343-37C248349D94}" dt="2024-06-08T18:12:13.594" v="310" actId="22"/>
-          <ac:spMkLst>
-            <pc:docMk/>
-            <pc:sldMk cId="1816128598" sldId="260"/>
-            <ac:spMk id="6" creationId="{0D724723-FE12-D65F-4267-74D8D0ECD51E}"/>
-          </ac:spMkLst>
-        </pc:spChg>
-        <pc:picChg chg="add mod ord">
-          <ac:chgData name="Sarah Chauvin" userId="68f37512aa257305" providerId="LiveId" clId="{CD949640-C028-4809-8343-37C248349D94}" dt="2024-06-08T18:13:36.978" v="323" actId="1076"/>
-          <ac:picMkLst>
-            <pc:docMk/>
-            <pc:sldMk cId="1816128598" sldId="260"/>
-            <ac:picMk id="8" creationId="{FF8CFE1C-CCE6-DD81-BBF2-BE642C3EB0B1}"/>
-          </ac:picMkLst>
-        </pc:picChg>
-        <pc:picChg chg="add mod ord">
-          <ac:chgData name="Sarah Chauvin" userId="68f37512aa257305" providerId="LiveId" clId="{CD949640-C028-4809-8343-37C248349D94}" dt="2024-06-08T18:13:35.417" v="322" actId="1076"/>
-          <ac:picMkLst>
-            <pc:docMk/>
-            <pc:sldMk cId="1816128598" sldId="260"/>
-            <ac:picMk id="10" creationId="{557439F5-346D-7DC4-B78F-A5ABE41C6959}"/>
-          </ac:picMkLst>
-        </pc:picChg>
-      </pc:sldChg>
-      <pc:sldChg chg="addSp delSp modSp mod modNotesTx">
-        <pc:chgData name="Sarah Chauvin" userId="68f37512aa257305" providerId="LiveId" clId="{CD949640-C028-4809-8343-37C248349D94}" dt="2024-06-08T18:08:20.491" v="284" actId="20577"/>
-        <pc:sldMkLst>
-          <pc:docMk/>
-          <pc:sldMk cId="131222317" sldId="261"/>
-        </pc:sldMkLst>
-        <pc:spChg chg="mod">
-          <ac:chgData name="Sarah Chauvin" userId="68f37512aa257305" providerId="LiveId" clId="{CD949640-C028-4809-8343-37C248349D94}" dt="2024-06-08T18:07:46.830" v="265" actId="1076"/>
-          <ac:spMkLst>
-            <pc:docMk/>
-            <pc:sldMk cId="131222317" sldId="261"/>
-            <ac:spMk id="2" creationId="{2AB71C2B-F1C5-7637-8D47-4E919252E621}"/>
-          </ac:spMkLst>
-        </pc:spChg>
-        <pc:spChg chg="del">
-          <ac:chgData name="Sarah Chauvin" userId="68f37512aa257305" providerId="LiveId" clId="{CD949640-C028-4809-8343-37C248349D94}" dt="2024-06-08T18:07:19.936" v="255"/>
-          <ac:spMkLst>
-            <pc:docMk/>
-            <pc:sldMk cId="131222317" sldId="261"/>
-            <ac:spMk id="3" creationId="{81759D19-91EB-BD21-FDDD-C26691DF8E4D}"/>
-          </ac:spMkLst>
-        </pc:spChg>
-        <pc:picChg chg="add mod">
-          <ac:chgData name="Sarah Chauvin" userId="68f37512aa257305" providerId="LiveId" clId="{CD949640-C028-4809-8343-37C248349D94}" dt="2024-06-08T18:08:05.679" v="271" actId="1076"/>
-          <ac:picMkLst>
-            <pc:docMk/>
-            <pc:sldMk cId="131222317" sldId="261"/>
-            <ac:picMk id="5" creationId="{F414B211-406D-CBB1-E486-CB50F24AD4C2}"/>
-          </ac:picMkLst>
-        </pc:picChg>
-        <pc:picChg chg="add mod">
-          <ac:chgData name="Sarah Chauvin" userId="68f37512aa257305" providerId="LiveId" clId="{CD949640-C028-4809-8343-37C248349D94}" dt="2024-06-08T18:08:16.074" v="272" actId="1076"/>
-          <ac:picMkLst>
-            <pc:docMk/>
-            <pc:sldMk cId="131222317" sldId="261"/>
-            <ac:picMk id="7" creationId="{EFDEA250-52FB-13F3-FB89-1D26FE8FBE26}"/>
-          </ac:picMkLst>
-        </pc:picChg>
-      </pc:sldChg>
-      <pc:sldChg chg="modNotesTx">
-        <pc:chgData name="Sarah Chauvin" userId="68f37512aa257305" providerId="LiveId" clId="{CD949640-C028-4809-8343-37C248349D94}" dt="2024-06-08T18:10:39.166" v="307" actId="20577"/>
-        <pc:sldMkLst>
-          <pc:docMk/>
-          <pc:sldMk cId="2233030158" sldId="262"/>
-        </pc:sldMkLst>
-      </pc:sldChg>
-      <pc:sldChg chg="modSp mod">
-        <pc:chgData name="Sarah Chauvin" userId="68f37512aa257305" providerId="LiveId" clId="{CD949640-C028-4809-8343-37C248349D94}" dt="2024-06-08T18:16:50.757" v="530" actId="1076"/>
-        <pc:sldMkLst>
-          <pc:docMk/>
-          <pc:sldMk cId="937944571" sldId="263"/>
-        </pc:sldMkLst>
-        <pc:spChg chg="mod">
-          <ac:chgData name="Sarah Chauvin" userId="68f37512aa257305" providerId="LiveId" clId="{CD949640-C028-4809-8343-37C248349D94}" dt="2024-06-08T18:16:42.214" v="528" actId="255"/>
-          <ac:spMkLst>
-            <pc:docMk/>
-            <pc:sldMk cId="937944571" sldId="263"/>
-            <ac:spMk id="2" creationId="{7FBB8666-0280-1E81-5E36-ABE9E70BF3EA}"/>
-          </ac:spMkLst>
-        </pc:spChg>
-        <pc:spChg chg="mod">
-          <ac:chgData name="Sarah Chauvin" userId="68f37512aa257305" providerId="LiveId" clId="{CD949640-C028-4809-8343-37C248349D94}" dt="2024-06-08T18:16:46.030" v="529" actId="1076"/>
-          <ac:spMkLst>
-            <pc:docMk/>
-            <pc:sldMk cId="937944571" sldId="263"/>
-            <ac:spMk id="3" creationId="{5EA02B82-6540-BD94-D0C7-0BFE3CBCAA24}"/>
-          </ac:spMkLst>
-        </pc:spChg>
-        <pc:picChg chg="mod">
-          <ac:chgData name="Sarah Chauvin" userId="68f37512aa257305" providerId="LiveId" clId="{CD949640-C028-4809-8343-37C248349D94}" dt="2024-06-08T18:16:50.757" v="530" actId="1076"/>
-          <ac:picMkLst>
-            <pc:docMk/>
-            <pc:sldMk cId="937944571" sldId="263"/>
-            <ac:picMk id="5" creationId="{73866A11-3BDD-3F74-007D-1CCF8FEF300E}"/>
-          </ac:picMkLst>
-        </pc:picChg>
-      </pc:sldChg>
-      <pc:sldChg chg="modNotesTx">
-        <pc:chgData name="Sarah Chauvin" userId="68f37512aa257305" providerId="LiveId" clId="{CD949640-C028-4809-8343-37C248349D94}" dt="2024-06-08T18:24:23.736" v="785" actId="20577"/>
-        <pc:sldMkLst>
-          <pc:docMk/>
-          <pc:sldMk cId="2929728545" sldId="265"/>
-        </pc:sldMkLst>
-      </pc:sldChg>
-      <pc:sldChg chg="addSp delSp modSp mod modNotesTx">
-        <pc:chgData name="Sarah Chauvin" userId="68f37512aa257305" providerId="LiveId" clId="{CD949640-C028-4809-8343-37C248349D94}" dt="2024-06-08T18:30:56.566" v="890" actId="1076"/>
-        <pc:sldMkLst>
-          <pc:docMk/>
-          <pc:sldMk cId="3488931604" sldId="266"/>
-        </pc:sldMkLst>
-        <pc:spChg chg="mod">
-          <ac:chgData name="Sarah Chauvin" userId="68f37512aa257305" providerId="LiveId" clId="{CD949640-C028-4809-8343-37C248349D94}" dt="2024-06-08T18:30:56.566" v="890" actId="1076"/>
-          <ac:spMkLst>
-            <pc:docMk/>
-            <pc:sldMk cId="3488931604" sldId="266"/>
-            <ac:spMk id="2" creationId="{C310B0FD-F16F-E2D3-5E3E-A41BEEBFF686}"/>
-          </ac:spMkLst>
-        </pc:spChg>
-        <pc:spChg chg="mod">
-          <ac:chgData name="Sarah Chauvin" userId="68f37512aa257305" providerId="LiveId" clId="{CD949640-C028-4809-8343-37C248349D94}" dt="2024-06-08T18:07:07.648" v="254" actId="20577"/>
-          <ac:spMkLst>
-            <pc:docMk/>
-            <pc:sldMk cId="3488931604" sldId="266"/>
-            <ac:spMk id="3" creationId="{EE2ACB71-0271-AFD8-4F31-A072B7DABF0B}"/>
-          </ac:spMkLst>
-        </pc:spChg>
-        <pc:spChg chg="del">
-          <ac:chgData name="Sarah Chauvin" userId="68f37512aa257305" providerId="LiveId" clId="{CD949640-C028-4809-8343-37C248349D94}" dt="2024-06-08T18:04:24.838" v="128"/>
-          <ac:spMkLst>
-            <pc:docMk/>
-            <pc:sldMk cId="3488931604" sldId="266"/>
-            <ac:spMk id="4" creationId="{A111CA42-75BB-8281-92E4-057C626FFD5B}"/>
-          </ac:spMkLst>
-        </pc:spChg>
-        <pc:picChg chg="add mod">
-          <ac:chgData name="Sarah Chauvin" userId="68f37512aa257305" providerId="LiveId" clId="{CD949640-C028-4809-8343-37C248349D94}" dt="2024-06-08T18:16:00.401" v="490" actId="14100"/>
-          <ac:picMkLst>
-            <pc:docMk/>
-            <pc:sldMk cId="3488931604" sldId="266"/>
-            <ac:picMk id="6" creationId="{9EA3E080-AD2E-60E8-9929-71EFE84B92FE}"/>
-          </ac:picMkLst>
-        </pc:picChg>
-      </pc:sldChg>
-      <pc:sldChg chg="modNotesTx">
-        <pc:chgData name="Sarah Chauvin" userId="68f37512aa257305" providerId="LiveId" clId="{CD949640-C028-4809-8343-37C248349D94}" dt="2024-06-08T18:24:47.025" v="818" actId="20577"/>
-        <pc:sldMkLst>
-          <pc:docMk/>
-          <pc:sldMk cId="1381873719" sldId="267"/>
-        </pc:sldMkLst>
-      </pc:sldChg>
-      <pc:sldChg chg="modNotesTx">
-        <pc:chgData name="Sarah Chauvin" userId="68f37512aa257305" providerId="LiveId" clId="{CD949640-C028-4809-8343-37C248349D94}" dt="2024-06-08T18:24:29.581" v="796" actId="20577"/>
-        <pc:sldMkLst>
-          <pc:docMk/>
-          <pc:sldMk cId="897189030" sldId="268"/>
-        </pc:sldMkLst>
-      </pc:sldChg>
-      <pc:sldChg chg="modNotesTx">
-        <pc:chgData name="Sarah Chauvin" userId="68f37512aa257305" providerId="LiveId" clId="{CD949640-C028-4809-8343-37C248349D94}" dt="2024-06-08T18:24:17.128" v="774" actId="20577"/>
-        <pc:sldMkLst>
-          <pc:docMk/>
-          <pc:sldMk cId="2688694326" sldId="269"/>
-        </pc:sldMkLst>
-      </pc:sldChg>
-      <pc:sldChg chg="add modNotesTx">
-        <pc:chgData name="Sarah Chauvin" userId="68f37512aa257305" providerId="LiveId" clId="{CD949640-C028-4809-8343-37C248349D94}" dt="2024-06-08T18:28:03.365" v="838" actId="20577"/>
-        <pc:sldMkLst>
-          <pc:docMk/>
-          <pc:sldMk cId="1792510736" sldId="270"/>
-        </pc:sldMkLst>
-      </pc:sldChg>
-      <pc:sldChg chg="add modNotesTx">
-        <pc:chgData name="Sarah Chauvin" userId="68f37512aa257305" providerId="LiveId" clId="{CD949640-C028-4809-8343-37C248349D94}" dt="2024-06-08T18:28:27.793" v="856" actId="20577"/>
-        <pc:sldMkLst>
-          <pc:docMk/>
-          <pc:sldMk cId="2639131786" sldId="271"/>
-        </pc:sldMkLst>
-      </pc:sldChg>
-      <pc:sldChg chg="add modNotesTx">
-        <pc:chgData name="Sarah Chauvin" userId="68f37512aa257305" providerId="LiveId" clId="{CD949640-C028-4809-8343-37C248349D94}" dt="2024-06-08T18:29:29.735" v="888" actId="20577"/>
-        <pc:sldMkLst>
-          <pc:docMk/>
-          <pc:sldMk cId="670472193" sldId="272"/>
-        </pc:sldMkLst>
-      </pc:sldChg>
-    </pc:docChg>
-  </pc:docChgLst>
-</pc:chgInfo>
 </file>
 
 <file path=ppt/notesMasters/notesMaster1.xml><?xml version="1.0" encoding="utf-8"?>
@@ -6618,8 +6073,8 @@
         </p:nvSpPr>
         <p:spPr>
           <a:xfrm>
-            <a:off x="9281575" y="1678489"/>
-            <a:ext cx="2865845" cy="4633900"/>
+            <a:off x="9281575" y="2028244"/>
+            <a:ext cx="2865845" cy="3466948"/>
           </a:xfrm>
           <a:prstGeom prst="roundRect">
             <a:avLst/>
@@ -6747,13 +6202,13 @@
         </p:nvSpPr>
         <p:spPr>
           <a:xfrm>
-            <a:off x="9281575" y="1828800"/>
-            <a:ext cx="2865845" cy="4483589"/>
+            <a:off x="9326155" y="2353220"/>
+            <a:ext cx="2865845" cy="3092823"/>
           </a:xfrm>
         </p:spPr>
         <p:txBody>
           <a:bodyPr>
-            <a:normAutofit/>
+            <a:normAutofit lnSpcReduction="10000"/>
           </a:bodyPr>
           <a:lstStyle/>
           <a:p>
@@ -6771,8 +6226,17 @@
           <a:p>
             <a:r>
               <a:rPr lang="en-US" dirty="0"/>
-              <a:t>Best listening time for mental health: 4-5 hours/day</a:t>
-            </a:r>
+              <a:t>Over 6 hours: no correlation with improvement in MH</a:t>
+            </a:r>
+          </a:p>
+          <a:p>
+            <a:endParaRPr lang="en-US" dirty="0"/>
+          </a:p>
+          <a:p>
+            <a:pPr marL="0" indent="0">
+              <a:buNone/>
+            </a:pPr>
+            <a:endParaRPr lang="en-US" dirty="0"/>
           </a:p>
           <a:p>
             <a:endParaRPr lang="en-US" dirty="0"/>
@@ -7390,14 +6854,10 @@
                   <a:schemeClr val="bg1"/>
                 </a:solidFill>
               </a:rPr>
-              <a:t>Listen for __ hours/day</a:t>
-            </a:r>
-          </a:p>
-          <a:p>
-            <a:pPr marL="285750" indent="-285750">
-              <a:buFont typeface="Arial" panose="020B0604020202020204" pitchFamily="34" charset="0"/>
-              <a:buChar char="•"/>
-            </a:pPr>
+              <a:t>Listen for 2-3 hours/day</a:t>
+            </a:r>
+          </a:p>
+          <a:p>
             <a:endParaRPr lang="en-US" dirty="0">
               <a:solidFill>
                 <a:schemeClr val="bg1"/>
@@ -9612,7 +9072,9 @@
           </a:xfrm>
         </p:spPr>
         <p:txBody>
-          <a:bodyPr/>
+          <a:bodyPr>
+            <a:normAutofit lnSpcReduction="10000"/>
+          </a:bodyPr>
           <a:lstStyle/>
           <a:p>
             <a:pPr>
@@ -9699,7 +9161,9 @@
           </a:xfrm>
         </p:spPr>
         <p:txBody>
-          <a:bodyPr/>
+          <a:bodyPr>
+            <a:normAutofit lnSpcReduction="10000"/>
+          </a:bodyPr>
           <a:lstStyle/>
           <a:p>
             <a:pPr>
@@ -9743,7 +9207,7 @@
                   <a:schemeClr val="bg1"/>
                 </a:solidFill>
               </a:rPr>
-              <a:t>Included 16 music genres</a:t>
+              <a:t>Included 16 music genres and 4 mental health disorders</a:t>
             </a:r>
           </a:p>
           <a:p>
@@ -9770,7 +9234,7 @@
                   <a:schemeClr val="bg1"/>
                 </a:solidFill>
               </a:rPr>
-              <a:t>Uncommon genre definitions</a:t>
+              <a:t>Less common genre definitions</a:t>
             </a:r>
           </a:p>
           <a:p>

--- a/Sarah's_work/Project 1 Presentation copy.pptx
+++ b/Sarah's_work/Project 1 Presentation copy.pptx
@@ -130,6 +130,101 @@
 </p:presentation>
 </file>
 
+<file path=ppt/changesInfos/changesInfo1.xml><?xml version="1.0" encoding="utf-8"?>
+<pc:chgInfo xmlns:a="http://schemas.openxmlformats.org/drawingml/2006/main" xmlns:r="http://schemas.openxmlformats.org/officeDocument/2006/relationships" xmlns:ac="http://schemas.microsoft.com/office/drawing/2013/main/command" xmlns:pc="http://schemas.microsoft.com/office/powerpoint/2013/main/command">
+  <pc:docChgLst>
+    <pc:chgData name="Sarah Chauvin" userId="68f37512aa257305" providerId="LiveId" clId="{B1BF4132-3E3C-46E1-90D0-652478075791}"/>
+    <pc:docChg chg="custSel modSld">
+      <pc:chgData name="Sarah Chauvin" userId="68f37512aa257305" providerId="LiveId" clId="{B1BF4132-3E3C-46E1-90D0-652478075791}" dt="2024-06-09T18:31:10.881" v="475" actId="20577"/>
+      <pc:docMkLst>
+        <pc:docMk/>
+      </pc:docMkLst>
+      <pc:sldChg chg="modSp mod">
+        <pc:chgData name="Sarah Chauvin" userId="68f37512aa257305" providerId="LiveId" clId="{B1BF4132-3E3C-46E1-90D0-652478075791}" dt="2024-06-09T18:31:10.881" v="475" actId="20577"/>
+        <pc:sldMkLst>
+          <pc:docMk/>
+          <pc:sldMk cId="1604291168" sldId="257"/>
+        </pc:sldMkLst>
+        <pc:spChg chg="mod">
+          <ac:chgData name="Sarah Chauvin" userId="68f37512aa257305" providerId="LiveId" clId="{B1BF4132-3E3C-46E1-90D0-652478075791}" dt="2024-06-09T18:13:33.697" v="258" actId="27636"/>
+          <ac:spMkLst>
+            <pc:docMk/>
+            <pc:sldMk cId="1604291168" sldId="257"/>
+            <ac:spMk id="3" creationId="{D3CA68E3-4EC1-2F75-2CC2-2EE56493F651}"/>
+          </ac:spMkLst>
+        </pc:spChg>
+        <pc:spChg chg="mod">
+          <ac:chgData name="Sarah Chauvin" userId="68f37512aa257305" providerId="LiveId" clId="{B1BF4132-3E3C-46E1-90D0-652478075791}" dt="2024-06-09T18:31:10.881" v="475" actId="20577"/>
+          <ac:spMkLst>
+            <pc:docMk/>
+            <pc:sldMk cId="1604291168" sldId="257"/>
+            <ac:spMk id="4" creationId="{21F76706-2802-185D-F80B-C32B6E3784E8}"/>
+          </ac:spMkLst>
+        </pc:spChg>
+      </pc:sldChg>
+      <pc:sldChg chg="modSp mod modNotesTx">
+        <pc:chgData name="Sarah Chauvin" userId="68f37512aa257305" providerId="LiveId" clId="{B1BF4132-3E3C-46E1-90D0-652478075791}" dt="2024-06-09T18:18:39.715" v="305" actId="1076"/>
+        <pc:sldMkLst>
+          <pc:docMk/>
+          <pc:sldMk cId="1816128598" sldId="260"/>
+        </pc:sldMkLst>
+        <pc:spChg chg="mod">
+          <ac:chgData name="Sarah Chauvin" userId="68f37512aa257305" providerId="LiveId" clId="{B1BF4132-3E3C-46E1-90D0-652478075791}" dt="2024-06-09T18:16:51.905" v="298" actId="1076"/>
+          <ac:spMkLst>
+            <pc:docMk/>
+            <pc:sldMk cId="1816128598" sldId="260"/>
+            <ac:spMk id="3" creationId="{05F8B029-54B5-20CA-B650-36985A9CF208}"/>
+          </ac:spMkLst>
+        </pc:spChg>
+        <pc:spChg chg="mod">
+          <ac:chgData name="Sarah Chauvin" userId="68f37512aa257305" providerId="LiveId" clId="{B1BF4132-3E3C-46E1-90D0-652478075791}" dt="2024-06-09T18:18:39.715" v="305" actId="1076"/>
+          <ac:spMkLst>
+            <pc:docMk/>
+            <pc:sldMk cId="1816128598" sldId="260"/>
+            <ac:spMk id="5" creationId="{392D86CE-5FEE-CA0E-3C55-3EBC8F5082F7}"/>
+          </ac:spMkLst>
+        </pc:spChg>
+      </pc:sldChg>
+      <pc:sldChg chg="modNotesTx">
+        <pc:chgData name="Sarah Chauvin" userId="68f37512aa257305" providerId="LiveId" clId="{B1BF4132-3E3C-46E1-90D0-652478075791}" dt="2024-06-09T18:20:08.600" v="461" actId="20577"/>
+        <pc:sldMkLst>
+          <pc:docMk/>
+          <pc:sldMk cId="2233030158" sldId="262"/>
+        </pc:sldMkLst>
+      </pc:sldChg>
+      <pc:sldChg chg="modNotesTx">
+        <pc:chgData name="Sarah Chauvin" userId="68f37512aa257305" providerId="LiveId" clId="{B1BF4132-3E3C-46E1-90D0-652478075791}" dt="2024-06-09T18:10:34.220" v="250" actId="20577"/>
+        <pc:sldMkLst>
+          <pc:docMk/>
+          <pc:sldMk cId="1381873719" sldId="267"/>
+        </pc:sldMkLst>
+      </pc:sldChg>
+      <pc:sldChg chg="modNotesTx">
+        <pc:chgData name="Sarah Chauvin" userId="68f37512aa257305" providerId="LiveId" clId="{B1BF4132-3E3C-46E1-90D0-652478075791}" dt="2024-06-09T18:11:03.101" v="254" actId="20577"/>
+        <pc:sldMkLst>
+          <pc:docMk/>
+          <pc:sldMk cId="1792510736" sldId="270"/>
+        </pc:sldMkLst>
+      </pc:sldChg>
+      <pc:sldChg chg="modNotesTx">
+        <pc:chgData name="Sarah Chauvin" userId="68f37512aa257305" providerId="LiveId" clId="{B1BF4132-3E3C-46E1-90D0-652478075791}" dt="2024-06-09T18:24:15.133" v="467" actId="20577"/>
+        <pc:sldMkLst>
+          <pc:docMk/>
+          <pc:sldMk cId="675742992" sldId="273"/>
+        </pc:sldMkLst>
+      </pc:sldChg>
+      <pc:sldChg chg="modNotesTx">
+        <pc:chgData name="Sarah Chauvin" userId="68f37512aa257305" providerId="LiveId" clId="{B1BF4132-3E3C-46E1-90D0-652478075791}" dt="2024-06-09T18:12:51.349" v="256" actId="20577"/>
+        <pc:sldMkLst>
+          <pc:docMk/>
+          <pc:sldMk cId="250233846" sldId="274"/>
+        </pc:sldMkLst>
+      </pc:sldChg>
+    </pc:docChg>
+  </pc:docChgLst>
+</pc:chgInfo>
+</file>
+
 <file path=ppt/notesMasters/notesMaster1.xml><?xml version="1.0" encoding="utf-8"?>
 <p:notesMaster xmlns:a="http://schemas.openxmlformats.org/drawingml/2006/main" xmlns:r="http://schemas.openxmlformats.org/officeDocument/2006/relationships" xmlns:p="http://schemas.openxmlformats.org/presentationml/2006/main">
   <p:cSld>
@@ -212,7 +307,7 @@
           <a:p>
             <a:fld id="{4EA875D4-9DB1-40D1-B68E-B1241908A2C4}" type="datetimeFigureOut">
               <a:rPr lang="en-US" smtClean="0"/>
-              <a:t>6/9/2024</a:t>
+              <a:t>6/10/2024</a:t>
             </a:fld>
             <a:endParaRPr lang="en-US"/>
           </a:p>
@@ -528,6 +623,15 @@
               <a:t>*** Gabriela</a:t>
             </a:r>
           </a:p>
+          <a:p>
+            <a:endParaRPr lang="en-US" dirty="0"/>
+          </a:p>
+          <a:p>
+            <a:r>
+              <a:rPr lang="en-US" dirty="0"/>
+              <a:t>- Good afternoon. Sarah, Elizabeth, and I, Gabriela, studied the effects of music on mental health.</a:t>
+            </a:r>
+          </a:p>
         </p:txBody>
       </p:sp>
       <p:sp>
@@ -547,7 +651,7 @@
           <a:p>
             <a:fld id="{42920916-3BF0-4BFA-A926-7A7034BA2134}" type="slidenum">
               <a:rPr lang="en-US" smtClean="0"/>
-              <a:t>2</a:t>
+              <a:t>1</a:t>
             </a:fld>
             <a:endParaRPr lang="en-US"/>
           </a:p>
@@ -556,7 +660,7 @@
     </p:spTree>
     <p:extLst>
       <p:ext uri="{BB962C8B-B14F-4D97-AF65-F5344CB8AC3E}">
-        <p14:creationId xmlns:p14="http://schemas.microsoft.com/office/powerpoint/2010/main" val="3449738744"/>
+        <p14:creationId xmlns:p14="http://schemas.microsoft.com/office/powerpoint/2010/main" val="3131991403"/>
       </p:ext>
     </p:extLst>
   </p:cSld>
@@ -610,9 +714,53 @@
           <a:bodyPr/>
           <a:lstStyle/>
           <a:p>
+            <a:pPr marL="0" indent="0">
+              <a:buFontTx/>
+              <a:buNone/>
+            </a:pPr>
             <a:r>
               <a:rPr lang="en-US" dirty="0"/>
-              <a:t>*** Gabriela</a:t>
+              <a:t>*** Sarah</a:t>
+            </a:r>
+          </a:p>
+          <a:p>
+            <a:pPr marL="171450" indent="-171450">
+              <a:buFontTx/>
+              <a:buChar char="-"/>
+            </a:pPr>
+            <a:r>
+              <a:rPr lang="en-US" dirty="0"/>
+              <a:t>You might think that if the top favorite genres for respondents with high mental disorder rank are Rock, Pop, and Metal, then there could be a relationship with high BPM and disorder rank.</a:t>
+            </a:r>
+          </a:p>
+          <a:p>
+            <a:pPr marL="171450" indent="-171450">
+              <a:buFontTx/>
+              <a:buChar char="-"/>
+            </a:pPr>
+            <a:r>
+              <a:rPr lang="en-US" dirty="0"/>
+              <a:t>On this heatmap, disorder rank is indicated by the color bar. You can see that the average BPM was similar for almost all users with each individual disorder.</a:t>
+            </a:r>
+          </a:p>
+          <a:p>
+            <a:pPr marL="171450" indent="-171450">
+              <a:buFontTx/>
+              <a:buChar char="-"/>
+            </a:pPr>
+            <a:r>
+              <a:rPr lang="en-US" dirty="0"/>
+              <a:t>Since increasing the average BPM does not necessarily increase the disorder rank, we cannot say that BPM really makes much difference to disorder rank.</a:t>
+            </a:r>
+          </a:p>
+          <a:p>
+            <a:pPr marL="171450" indent="-171450">
+              <a:buFontTx/>
+              <a:buChar char="-"/>
+            </a:pPr>
+            <a:r>
+              <a:rPr lang="en-US" dirty="0"/>
+              <a:t>We can glean more information from looking at the favorite genres and frequencies of listening for each when predicting mental health status.</a:t>
             </a:r>
           </a:p>
         </p:txBody>
@@ -634,7 +782,7 @@
           <a:p>
             <a:fld id="{42920916-3BF0-4BFA-A926-7A7034BA2134}" type="slidenum">
               <a:rPr lang="en-US" smtClean="0"/>
-              <a:t>11</a:t>
+              <a:t>10</a:t>
             </a:fld>
             <a:endParaRPr lang="en-US"/>
           </a:p>
@@ -643,7 +791,7 @@
     </p:spTree>
     <p:extLst>
       <p:ext uri="{BB962C8B-B14F-4D97-AF65-F5344CB8AC3E}">
-        <p14:creationId xmlns:p14="http://schemas.microsoft.com/office/powerpoint/2010/main" val="145977019"/>
+        <p14:creationId xmlns:p14="http://schemas.microsoft.com/office/powerpoint/2010/main" val="1367573228"/>
       </p:ext>
     </p:extLst>
   </p:cSld>
@@ -697,30 +845,16 @@
           <a:bodyPr/>
           <a:lstStyle/>
           <a:p>
-            <a:pPr marL="0" marR="0" lvl="0" indent="0" algn="l" defTabSz="914400" rtl="0" eaLnBrk="1" fontAlgn="auto" latinLnBrk="0" hangingPunct="1">
-              <a:lnSpc>
-                <a:spcPct val="100000"/>
-              </a:lnSpc>
-              <a:spcBef>
-                <a:spcPts val="0"/>
-              </a:spcBef>
-              <a:spcAft>
-                <a:spcPts val="0"/>
-              </a:spcAft>
-              <a:buClrTx/>
-              <a:buSzTx/>
-              <a:buFontTx/>
-              <a:buNone/>
-              <a:tabLst/>
-              <a:defRPr/>
-            </a:pPr>
             <a:r>
               <a:rPr lang="en-US" dirty="0"/>
               <a:t>*** Gabriela</a:t>
             </a:r>
           </a:p>
           <a:p>
-            <a:endParaRPr lang="en-US" dirty="0"/>
+            <a:r>
+              <a:rPr lang="en-US" dirty="0"/>
+              <a:t>- Now that we know which genres are listed as favorites, let’s see which ones users reported to be the most beneficial for mental health status.</a:t>
+            </a:r>
           </a:p>
         </p:txBody>
       </p:sp>
@@ -741,7 +875,7 @@
           <a:p>
             <a:fld id="{42920916-3BF0-4BFA-A926-7A7034BA2134}" type="slidenum">
               <a:rPr lang="en-US" smtClean="0"/>
-              <a:t>12</a:t>
+              <a:t>11</a:t>
             </a:fld>
             <a:endParaRPr lang="en-US"/>
           </a:p>
@@ -750,7 +884,7 @@
     </p:spTree>
     <p:extLst>
       <p:ext uri="{BB962C8B-B14F-4D97-AF65-F5344CB8AC3E}">
-        <p14:creationId xmlns:p14="http://schemas.microsoft.com/office/powerpoint/2010/main" val="2154433155"/>
+        <p14:creationId xmlns:p14="http://schemas.microsoft.com/office/powerpoint/2010/main" val="145977019"/>
       </p:ext>
     </p:extLst>
   </p:cSld>
@@ -804,15 +938,26 @@
           <a:bodyPr/>
           <a:lstStyle/>
           <a:p>
+            <a:pPr marL="0" marR="0" lvl="0" indent="0" algn="l" defTabSz="914400" rtl="0" eaLnBrk="1" fontAlgn="auto" latinLnBrk="0" hangingPunct="1">
+              <a:lnSpc>
+                <a:spcPct val="100000"/>
+              </a:lnSpc>
+              <a:spcBef>
+                <a:spcPts val="0"/>
+              </a:spcBef>
+              <a:spcAft>
+                <a:spcPts val="0"/>
+              </a:spcAft>
+              <a:buClrTx/>
+              <a:buSzTx/>
+              <a:buFontTx/>
+              <a:buNone/>
+              <a:tabLst/>
+              <a:defRPr/>
+            </a:pPr>
             <a:r>
               <a:rPr lang="en-US" dirty="0"/>
-              <a:t>*** Elizabeth</a:t>
-            </a:r>
-          </a:p>
-          <a:p>
-            <a:r>
-              <a:rPr lang="en-US" dirty="0"/>
-              <a:t>- Weak correlations with most of this data because all the results are subjective</a:t>
+              <a:t>*** Gabriela</a:t>
             </a:r>
           </a:p>
         </p:txBody>
@@ -834,7 +979,7 @@
           <a:p>
             <a:fld id="{42920916-3BF0-4BFA-A926-7A7034BA2134}" type="slidenum">
               <a:rPr lang="en-US" smtClean="0"/>
-              <a:t>13</a:t>
+              <a:t>12</a:t>
             </a:fld>
             <a:endParaRPr lang="en-US"/>
           </a:p>
@@ -843,7 +988,7 @@
     </p:spTree>
     <p:extLst>
       <p:ext uri="{BB962C8B-B14F-4D97-AF65-F5344CB8AC3E}">
-        <p14:creationId xmlns:p14="http://schemas.microsoft.com/office/powerpoint/2010/main" val="4113606663"/>
+        <p14:creationId xmlns:p14="http://schemas.microsoft.com/office/powerpoint/2010/main" val="2154433155"/>
       </p:ext>
     </p:extLst>
   </p:cSld>
@@ -899,7 +1044,17 @@
           <a:p>
             <a:r>
               <a:rPr lang="en-US" dirty="0"/>
-              <a:t>*** Gabriela</a:t>
+              <a:t>*** Elizabeth</a:t>
+            </a:r>
+          </a:p>
+          <a:p>
+            <a:pPr marL="171450" indent="-171450">
+              <a:buFontTx/>
+              <a:buChar char="-"/>
+            </a:pPr>
+            <a:r>
+              <a:rPr lang="en-US" dirty="0"/>
+              <a:t>Weak correlations with most of this data because all the results are subjective</a:t>
             </a:r>
           </a:p>
         </p:txBody>
@@ -921,7 +1076,7 @@
           <a:p>
             <a:fld id="{42920916-3BF0-4BFA-A926-7A7034BA2134}" type="slidenum">
               <a:rPr lang="en-US" smtClean="0"/>
-              <a:t>14</a:t>
+              <a:t>13</a:t>
             </a:fld>
             <a:endParaRPr lang="en-US"/>
           </a:p>
@@ -930,7 +1085,7 @@
     </p:spTree>
     <p:extLst>
       <p:ext uri="{BB962C8B-B14F-4D97-AF65-F5344CB8AC3E}">
-        <p14:creationId xmlns:p14="http://schemas.microsoft.com/office/powerpoint/2010/main" val="1851560048"/>
+        <p14:creationId xmlns:p14="http://schemas.microsoft.com/office/powerpoint/2010/main" val="4113606663"/>
       </p:ext>
     </p:extLst>
   </p:cSld>
@@ -986,63 +1141,7 @@
           <a:p>
             <a:r>
               <a:rPr lang="en-US" dirty="0"/>
-              <a:t>*** Sarah</a:t>
-            </a:r>
-          </a:p>
-          <a:p>
-            <a:r>
-              <a:rPr lang="en-US" dirty="0"/>
-              <a:t>Limitations and improvements for future study:</a:t>
-            </a:r>
-          </a:p>
-          <a:p>
-            <a:pPr marL="171450" indent="-171450">
-              <a:buFontTx/>
-              <a:buChar char="-"/>
-            </a:pPr>
-            <a:r>
-              <a:rPr lang="en-US" dirty="0"/>
-              <a:t>We can’t judge MH improvement with listening to music over time from this data. The same users reporting in over a set time period would offer more capability of establishing relationships with both frequency of genre usage and hours listened/day.</a:t>
-            </a:r>
-          </a:p>
-          <a:p>
-            <a:pPr marL="171450" indent="-171450">
-              <a:buFontTx/>
-              <a:buChar char="-"/>
-            </a:pPr>
-            <a:r>
-              <a:rPr lang="en-US" dirty="0"/>
-              <a:t>The MH data was very subjective. Users were allowed to choose their rank for each disorder from 0 to 10, so it follows that each user might interpolate their numbers differently. If these results were concentrated over a specific geographic location, for instance, the US, we could compare their music stats from the survey with actual published MH stats for objective data.</a:t>
-            </a:r>
-          </a:p>
-          <a:p>
-            <a:pPr marL="171450" indent="-171450">
-              <a:buFontTx/>
-              <a:buChar char="-"/>
-            </a:pPr>
-            <a:r>
-              <a:rPr lang="en-US" dirty="0"/>
-              <a:t>The BPM section was not specific at all. It was optional, so about 100 users did not give a number, and we don’t know if each user interpreted this number to be an average, the most common, or the highest BPM they listen to. This is probably why we couldn’t correlate anything with BPM.</a:t>
-            </a:r>
-          </a:p>
-          <a:p>
-            <a:pPr marL="171450" indent="-171450">
-              <a:buFontTx/>
-              <a:buChar char="-"/>
-            </a:pPr>
-            <a:r>
-              <a:rPr lang="en-US" dirty="0"/>
-              <a:t>The original data asked if users listened during work or not, but didn’t ask for occupation or when else they listen. Clarifying this might make that part of the data mean something. We would also like to see gender included as we have some hypotheses about how music effects men and women differently.</a:t>
-            </a:r>
-          </a:p>
-          <a:p>
-            <a:pPr marL="171450" indent="-171450">
-              <a:buFontTx/>
-              <a:buChar char="-"/>
-            </a:pPr>
-            <a:r>
-              <a:rPr lang="en-US" dirty="0"/>
-              <a:t>Lastly, we have no basis for the result in the Music Effects column. Was the effect from listening to certain genres or listening for so long? Many of our respondents listed high ranks for multiple disorders, so which one(s) does the effect apply to?</a:t>
+              <a:t>*** Gabriela</a:t>
             </a:r>
           </a:p>
         </p:txBody>
@@ -1064,7 +1163,7 @@
           <a:p>
             <a:fld id="{42920916-3BF0-4BFA-A926-7A7034BA2134}" type="slidenum">
               <a:rPr lang="en-US" smtClean="0"/>
-              <a:t>15</a:t>
+              <a:t>14</a:t>
             </a:fld>
             <a:endParaRPr lang="en-US"/>
           </a:p>
@@ -1073,7 +1172,7 @@
     </p:spTree>
     <p:extLst>
       <p:ext uri="{BB962C8B-B14F-4D97-AF65-F5344CB8AC3E}">
-        <p14:creationId xmlns:p14="http://schemas.microsoft.com/office/powerpoint/2010/main" val="2813251706"/>
+        <p14:creationId xmlns:p14="http://schemas.microsoft.com/office/powerpoint/2010/main" val="1851560048"/>
       </p:ext>
     </p:extLst>
   </p:cSld>
@@ -1127,7 +1226,169 @@
           <a:bodyPr/>
           <a:lstStyle/>
           <a:p>
-            <a:endParaRPr lang="en-US" dirty="0"/>
+            <a:r>
+              <a:rPr lang="en-US" dirty="0"/>
+              <a:t>*** Sarah</a:t>
+            </a:r>
+          </a:p>
+          <a:p>
+            <a:r>
+              <a:rPr lang="en-US" dirty="0"/>
+              <a:t>Limitations and improvements for future study:</a:t>
+            </a:r>
+          </a:p>
+          <a:p>
+            <a:pPr marL="171450" indent="-171450">
+              <a:buFontTx/>
+              <a:buChar char="-"/>
+            </a:pPr>
+            <a:r>
+              <a:rPr lang="en-US" dirty="0"/>
+              <a:t>We can’t judge MH improvement with listening to music over time from this data. The same users reporting in over a set time period would offer more capability of establishing relationships with both frequency of genre usage and hours listened/day.</a:t>
+            </a:r>
+          </a:p>
+          <a:p>
+            <a:pPr marL="171450" indent="-171450">
+              <a:buFontTx/>
+              <a:buChar char="-"/>
+            </a:pPr>
+            <a:r>
+              <a:rPr lang="en-US" dirty="0"/>
+              <a:t>The MH data was very subjective. Users were allowed to choose their rank for each disorder from 0 to 10, so it follows that each user might interpolate their numbers differently. If these results were concentrated over a specific geographic location, for instance, the US, we could compare their music stats from the survey with actual published MH stats for objective data.</a:t>
+            </a:r>
+          </a:p>
+          <a:p>
+            <a:pPr marL="171450" indent="-171450">
+              <a:buFontTx/>
+              <a:buChar char="-"/>
+            </a:pPr>
+            <a:r>
+              <a:rPr lang="en-US" dirty="0"/>
+              <a:t>The BPM section was not specific at all. It was optional, so about 100 users did not give a number, and we don’t know if each user interpreted this number to be an average, the most common, or the highest BPM they listen to. This is probably why we couldn’t correlate anything with BPM.</a:t>
+            </a:r>
+          </a:p>
+          <a:p>
+            <a:pPr marL="171450" indent="-171450">
+              <a:buFontTx/>
+              <a:buChar char="-"/>
+            </a:pPr>
+            <a:r>
+              <a:rPr lang="en-US" dirty="0"/>
+              <a:t>The original data asked if users listened during work or not, but didn’t ask for occupation or when else they listen. Clarifying this might make that part of the data mean something. We would also like to see gender included as we have some hypotheses about how music effects men and women differently.</a:t>
+            </a:r>
+          </a:p>
+          <a:p>
+            <a:pPr marL="171450" indent="-171450">
+              <a:buFontTx/>
+              <a:buChar char="-"/>
+            </a:pPr>
+            <a:r>
+              <a:rPr lang="en-US" dirty="0"/>
+              <a:t>Lastly, we have no basis for the result in the Music Effects column. Was the effect from listening to certain genres or listening for so long? Many of our respondents listed high ranks for multiple disorders, so which one(s) does the effect apply to?</a:t>
+            </a:r>
+          </a:p>
+          <a:p>
+            <a:pPr marL="171450" indent="-171450">
+              <a:buFontTx/>
+              <a:buChar char="-"/>
+            </a:pPr>
+            <a:r>
+              <a:rPr lang="en-US" dirty="0"/>
+              <a:t>If we ran this survey in the future, we would clarify the questions to cover these limitations and hopefully glean more objective data.</a:t>
+            </a:r>
+          </a:p>
+        </p:txBody>
+      </p:sp>
+      <p:sp>
+        <p:nvSpPr>
+          <p:cNvPr id="4" name="Slide Number Placeholder 3"/>
+          <p:cNvSpPr>
+            <a:spLocks noGrp="1"/>
+          </p:cNvSpPr>
+          <p:nvPr>
+            <p:ph type="sldNum" sz="quarter" idx="5"/>
+          </p:nvPr>
+        </p:nvSpPr>
+        <p:spPr/>
+        <p:txBody>
+          <a:bodyPr/>
+          <a:lstStyle/>
+          <a:p>
+            <a:fld id="{42920916-3BF0-4BFA-A926-7A7034BA2134}" type="slidenum">
+              <a:rPr lang="en-US" smtClean="0"/>
+              <a:t>15</a:t>
+            </a:fld>
+            <a:endParaRPr lang="en-US"/>
+          </a:p>
+        </p:txBody>
+      </p:sp>
+    </p:spTree>
+    <p:extLst>
+      <p:ext uri="{BB962C8B-B14F-4D97-AF65-F5344CB8AC3E}">
+        <p14:creationId xmlns:p14="http://schemas.microsoft.com/office/powerpoint/2010/main" val="2813251706"/>
+      </p:ext>
+    </p:extLst>
+  </p:cSld>
+  <p:clrMapOvr>
+    <a:masterClrMapping/>
+  </p:clrMapOvr>
+</p:notes>
+</file>
+
+<file path=ppt/notesSlides/notesSlide16.xml><?xml version="1.0" encoding="utf-8"?>
+<p:notes xmlns:a="http://schemas.openxmlformats.org/drawingml/2006/main" xmlns:r="http://schemas.openxmlformats.org/officeDocument/2006/relationships" xmlns:p="http://schemas.openxmlformats.org/presentationml/2006/main">
+  <p:cSld>
+    <p:spTree>
+      <p:nvGrpSpPr>
+        <p:cNvPr id="1" name=""/>
+        <p:cNvGrpSpPr/>
+        <p:nvPr/>
+      </p:nvGrpSpPr>
+      <p:grpSpPr>
+        <a:xfrm>
+          <a:off x="0" y="0"/>
+          <a:ext cx="0" cy="0"/>
+          <a:chOff x="0" y="0"/>
+          <a:chExt cx="0" cy="0"/>
+        </a:xfrm>
+      </p:grpSpPr>
+      <p:sp>
+        <p:nvSpPr>
+          <p:cNvPr id="2" name="Slide Image Placeholder 1"/>
+          <p:cNvSpPr>
+            <a:spLocks noGrp="1" noRot="1" noChangeAspect="1"/>
+          </p:cNvSpPr>
+          <p:nvPr>
+            <p:ph type="sldImg"/>
+          </p:nvPr>
+        </p:nvSpPr>
+        <p:spPr/>
+      </p:sp>
+      <p:sp>
+        <p:nvSpPr>
+          <p:cNvPr id="3" name="Notes Placeholder 2"/>
+          <p:cNvSpPr>
+            <a:spLocks noGrp="1"/>
+          </p:cNvSpPr>
+          <p:nvPr>
+            <p:ph type="body" idx="1"/>
+          </p:nvPr>
+        </p:nvSpPr>
+        <p:spPr/>
+        <p:txBody>
+          <a:bodyPr/>
+          <a:lstStyle/>
+          <a:p>
+            <a:r>
+              <a:rPr lang="en-US" dirty="0"/>
+              <a:t>*** Sarah</a:t>
+            </a:r>
+          </a:p>
+          <a:p>
+            <a:r>
+              <a:rPr lang="en-US" dirty="0"/>
+              <a:t>- These are our sources. Thank you for being here!</a:t>
+            </a:r>
           </a:p>
         </p:txBody>
       </p:sp>
@@ -1213,7 +1474,7 @@
           <a:p>
             <a:r>
               <a:rPr lang="en-US" dirty="0"/>
-              <a:t>*** Elizabeth</a:t>
+              <a:t>*** Gabriela</a:t>
             </a:r>
           </a:p>
         </p:txBody>
@@ -1235,7 +1496,7 @@
           <a:p>
             <a:fld id="{42920916-3BF0-4BFA-A926-7A7034BA2134}" type="slidenum">
               <a:rPr lang="en-US" smtClean="0"/>
-              <a:t>3</a:t>
+              <a:t>2</a:t>
             </a:fld>
             <a:endParaRPr lang="en-US"/>
           </a:p>
@@ -1244,7 +1505,7 @@
     </p:spTree>
     <p:extLst>
       <p:ext uri="{BB962C8B-B14F-4D97-AF65-F5344CB8AC3E}">
-        <p14:creationId xmlns:p14="http://schemas.microsoft.com/office/powerpoint/2010/main" val="4226567579"/>
+        <p14:creationId xmlns:p14="http://schemas.microsoft.com/office/powerpoint/2010/main" val="3449738744"/>
       </p:ext>
     </p:extLst>
   </p:cSld>
@@ -1300,7 +1561,7 @@
           <a:p>
             <a:r>
               <a:rPr lang="en-US" dirty="0"/>
-              <a:t>*** Sarah</a:t>
+              <a:t>*** Elizabeth</a:t>
             </a:r>
           </a:p>
         </p:txBody>
@@ -1322,7 +1583,7 @@
           <a:p>
             <a:fld id="{42920916-3BF0-4BFA-A926-7A7034BA2134}" type="slidenum">
               <a:rPr lang="en-US" smtClean="0"/>
-              <a:t>4</a:t>
+              <a:t>3</a:t>
             </a:fld>
             <a:endParaRPr lang="en-US"/>
           </a:p>
@@ -1331,7 +1592,7 @@
     </p:spTree>
     <p:extLst>
       <p:ext uri="{BB962C8B-B14F-4D97-AF65-F5344CB8AC3E}">
-        <p14:creationId xmlns:p14="http://schemas.microsoft.com/office/powerpoint/2010/main" val="2399637708"/>
+        <p14:creationId xmlns:p14="http://schemas.microsoft.com/office/powerpoint/2010/main" val="4226567579"/>
       </p:ext>
     </p:extLst>
   </p:cSld>
@@ -1385,13 +1646,52 @@
           <a:bodyPr/>
           <a:lstStyle/>
           <a:p>
-            <a:pPr marL="0" indent="0">
+            <a:r>
+              <a:rPr lang="en-US" dirty="0"/>
+              <a:t>*** Sarah</a:t>
+            </a:r>
+          </a:p>
+          <a:p>
+            <a:endParaRPr lang="en-US" dirty="0"/>
+          </a:p>
+          <a:p>
+            <a:pPr marL="171450" indent="-171450">
               <a:buFontTx/>
-              <a:buNone/>
+              <a:buChar char="-"/>
             </a:pPr>
             <a:r>
               <a:rPr lang="en-US" dirty="0"/>
-              <a:t>*** Elizabeth</a:t>
+              <a:t>Our initial data cleaning was pretty straightforward. </a:t>
+            </a:r>
+          </a:p>
+          <a:p>
+            <a:pPr marL="171450" indent="-171450">
+              <a:buFontTx/>
+              <a:buChar char="-"/>
+            </a:pPr>
+            <a:r>
+              <a:rPr lang="en-US" dirty="0"/>
+              <a:t>The dataset included some information we did not use, such as the respondents’ primary streaming service and if they spoke multiple languages. There wasn’t enough information in the survey to make these sections relevant.</a:t>
+            </a:r>
+          </a:p>
+          <a:p>
+            <a:pPr marL="171450" indent="-171450">
+              <a:buFontTx/>
+              <a:buChar char="-"/>
+            </a:pPr>
+            <a:r>
+              <a:rPr lang="en-US" dirty="0"/>
+              <a:t>We dropped several responses where we deemed the info not reliable, such as the user who listed his average BPM as almost 1 billion beats per minute, as well as those who said they listen to music 24 hours/day.</a:t>
+            </a:r>
+          </a:p>
+          <a:p>
+            <a:pPr marL="171450" indent="-171450">
+              <a:buFontTx/>
+              <a:buChar char="-"/>
+            </a:pPr>
+            <a:r>
+              <a:rPr lang="en-US" dirty="0"/>
+              <a:t>We also replaced the string responses in the Frequency columns for each genre with integers for objective comparison. More on that later.</a:t>
             </a:r>
           </a:p>
         </p:txBody>
@@ -1413,7 +1713,7 @@
           <a:p>
             <a:fld id="{42920916-3BF0-4BFA-A926-7A7034BA2134}" type="slidenum">
               <a:rPr lang="en-US" smtClean="0"/>
-              <a:t>5</a:t>
+              <a:t>4</a:t>
             </a:fld>
             <a:endParaRPr lang="en-US"/>
           </a:p>
@@ -1422,7 +1722,7 @@
     </p:spTree>
     <p:extLst>
       <p:ext uri="{BB962C8B-B14F-4D97-AF65-F5344CB8AC3E}">
-        <p14:creationId xmlns:p14="http://schemas.microsoft.com/office/powerpoint/2010/main" val="2949051959"/>
+        <p14:creationId xmlns:p14="http://schemas.microsoft.com/office/powerpoint/2010/main" val="2399637708"/>
       </p:ext>
     </p:extLst>
   </p:cSld>
@@ -1476,6 +1776,10 @@
           <a:bodyPr/>
           <a:lstStyle/>
           <a:p>
+            <a:pPr marL="0" indent="0">
+              <a:buFontTx/>
+              <a:buNone/>
+            </a:pPr>
             <a:r>
               <a:rPr lang="en-US" dirty="0"/>
               <a:t>*** Elizabeth</a:t>
@@ -1500,7 +1804,7 @@
           <a:p>
             <a:fld id="{42920916-3BF0-4BFA-A926-7A7034BA2134}" type="slidenum">
               <a:rPr lang="en-US" smtClean="0"/>
-              <a:t>6</a:t>
+              <a:t>5</a:t>
             </a:fld>
             <a:endParaRPr lang="en-US"/>
           </a:p>
@@ -1509,7 +1813,7 @@
     </p:spTree>
     <p:extLst>
       <p:ext uri="{BB962C8B-B14F-4D97-AF65-F5344CB8AC3E}">
-        <p14:creationId xmlns:p14="http://schemas.microsoft.com/office/powerpoint/2010/main" val="1493662510"/>
+        <p14:creationId xmlns:p14="http://schemas.microsoft.com/office/powerpoint/2010/main" val="2949051959"/>
       </p:ext>
     </p:extLst>
   </p:cSld>
@@ -1587,7 +1891,7 @@
           <a:p>
             <a:fld id="{42920916-3BF0-4BFA-A926-7A7034BA2134}" type="slidenum">
               <a:rPr lang="en-US" smtClean="0"/>
-              <a:t>7</a:t>
+              <a:t>6</a:t>
             </a:fld>
             <a:endParaRPr lang="en-US"/>
           </a:p>
@@ -1596,7 +1900,7 @@
     </p:spTree>
     <p:extLst>
       <p:ext uri="{BB962C8B-B14F-4D97-AF65-F5344CB8AC3E}">
-        <p14:creationId xmlns:p14="http://schemas.microsoft.com/office/powerpoint/2010/main" val="2474585571"/>
+        <p14:creationId xmlns:p14="http://schemas.microsoft.com/office/powerpoint/2010/main" val="1493662510"/>
       </p:ext>
     </p:extLst>
   </p:cSld>
@@ -1650,76 +1954,10 @@
           <a:bodyPr/>
           <a:lstStyle/>
           <a:p>
-            <a:pPr marL="0" indent="0">
-              <a:buFontTx/>
-              <a:buNone/>
-            </a:pPr>
             <a:r>
               <a:rPr lang="en-US" dirty="0"/>
-              <a:t>*** Sarah</a:t>
-            </a:r>
-          </a:p>
-          <a:p>
-            <a:pPr marL="171450" indent="-171450">
-              <a:buFontTx/>
-              <a:buChar char="-"/>
-            </a:pPr>
-            <a:r>
-              <a:rPr lang="en-US" dirty="0"/>
-              <a:t>With so many respondents and genres included in the study, </a:t>
-            </a:r>
-            <a:r>
-              <a:rPr lang="en-US" sz="1800" dirty="0">
-                <a:effectLst/>
-                <a:latin typeface="Aptos" panose="020B0004020202020204" pitchFamily="34" charset="0"/>
-                <a:ea typeface="Aptos" panose="020B0004020202020204" pitchFamily="34" charset="0"/>
-                <a:cs typeface="Times New Roman" panose="02020603050405020304" pitchFamily="18" charset="0"/>
-              </a:rPr>
-              <a:t>we wanted to see if there was a correlation between users claiming a high rank of each disorder and the genres they listened to. </a:t>
-            </a:r>
-          </a:p>
-          <a:p>
-            <a:pPr marL="171450" indent="-171450">
-              <a:buFontTx/>
-              <a:buChar char="-"/>
-            </a:pPr>
-            <a:r>
-              <a:rPr lang="en-US" sz="1800" dirty="0">
-                <a:effectLst/>
-                <a:latin typeface="Aptos" panose="020B0004020202020204" pitchFamily="34" charset="0"/>
-                <a:cs typeface="Times New Roman" panose="02020603050405020304" pitchFamily="18" charset="0"/>
-              </a:rPr>
-              <a:t>For this analysis, I only looked at data where the user claimed a 7 or higher in MH disorder ranking.</a:t>
-            </a:r>
-          </a:p>
-          <a:p>
-            <a:pPr marL="171450" indent="-171450">
-              <a:buFontTx/>
-              <a:buChar char="-"/>
-            </a:pPr>
-            <a:r>
-              <a:rPr lang="en-US" sz="1800" dirty="0">
-                <a:effectLst/>
-                <a:latin typeface="Aptos" panose="020B0004020202020204" pitchFamily="34" charset="0"/>
-                <a:cs typeface="Times New Roman" panose="02020603050405020304" pitchFamily="18" charset="0"/>
-              </a:rPr>
-              <a:t>Since we changed the Frequency responses to integers, I looked at the sums of those numbers to create this aggregate overall view of popularity of each genre.</a:t>
-            </a:r>
-          </a:p>
-          <a:p>
-            <a:pPr marL="171450" indent="-171450">
-              <a:buFontTx/>
-              <a:buChar char="-"/>
-            </a:pPr>
-            <a:r>
-              <a:rPr lang="en-US" sz="1800" dirty="0">
-                <a:effectLst/>
-                <a:latin typeface="Aptos" panose="020B0004020202020204" pitchFamily="34" charset="0"/>
-                <a:cs typeface="Times New Roman" panose="02020603050405020304" pitchFamily="18" charset="0"/>
-              </a:rPr>
-              <a:t>You can see that listeners of Rock and Pop have the highest rank of mental illness for all 4 disorders in this study.</a:t>
-            </a:r>
-            <a:endParaRPr lang="en-US" dirty="0"/>
+              <a:t>*** Elizabeth</a:t>
+            </a:r>
           </a:p>
         </p:txBody>
       </p:sp>
@@ -1740,7 +1978,7 @@
           <a:p>
             <a:fld id="{42920916-3BF0-4BFA-A926-7A7034BA2134}" type="slidenum">
               <a:rPr lang="en-US" smtClean="0"/>
-              <a:t>8</a:t>
+              <a:t>7</a:t>
             </a:fld>
             <a:endParaRPr lang="en-US"/>
           </a:p>
@@ -1749,7 +1987,7 @@
     </p:spTree>
     <p:extLst>
       <p:ext uri="{BB962C8B-B14F-4D97-AF65-F5344CB8AC3E}">
-        <p14:creationId xmlns:p14="http://schemas.microsoft.com/office/powerpoint/2010/main" val="2949051959"/>
+        <p14:creationId xmlns:p14="http://schemas.microsoft.com/office/powerpoint/2010/main" val="2474585571"/>
       </p:ext>
     </p:extLst>
   </p:cSld>
@@ -1813,13 +2051,36 @@
             </a:r>
           </a:p>
           <a:p>
+            <a:pPr marL="0" indent="0">
+              <a:buFontTx/>
+              <a:buNone/>
+            </a:pPr>
+            <a:r>
+              <a:rPr lang="en-US" dirty="0"/>
+              <a:t>- Now that we’ve broken down our data by age group and disorder, we</a:t>
+            </a:r>
+            <a:r>
+              <a:rPr lang="en-US" sz="1800" dirty="0">
+                <a:effectLst/>
+                <a:latin typeface="Aptos" panose="020B0004020202020204" pitchFamily="34" charset="0"/>
+                <a:ea typeface="Aptos" panose="020B0004020202020204" pitchFamily="34" charset="0"/>
+                <a:cs typeface="Times New Roman" panose="02020603050405020304" pitchFamily="18" charset="0"/>
+              </a:rPr>
+              <a:t> wanted to see if there was a correlation between users claiming a high rank of each disorder and the genres they listened to. </a:t>
+            </a:r>
+          </a:p>
+          <a:p>
             <a:pPr marL="171450" indent="-171450">
               <a:buFontTx/>
               <a:buChar char="-"/>
             </a:pPr>
             <a:r>
-              <a:rPr lang="en-US" dirty="0"/>
-              <a:t>Let’s compare the genres most frequently listened to by those with high ranks of each disorder with the genres listed as their favorites.</a:t>
+              <a:rPr lang="en-US" sz="1800" dirty="0">
+                <a:effectLst/>
+                <a:latin typeface="Aptos" panose="020B0004020202020204" pitchFamily="34" charset="0"/>
+                <a:cs typeface="Times New Roman" panose="02020603050405020304" pitchFamily="18" charset="0"/>
+              </a:rPr>
+              <a:t>For this analysis, I only looked at data where the user claimed a 7 or higher in MH disorder ranking.</a:t>
             </a:r>
           </a:p>
           <a:p>
@@ -1828,8 +2089,12 @@
               <a:buChar char="-"/>
             </a:pPr>
             <a:r>
-              <a:rPr lang="en-US" dirty="0"/>
-              <a:t>The results are similar but actually vary quite a bit.</a:t>
+              <a:rPr lang="en-US" sz="1800" dirty="0">
+                <a:effectLst/>
+                <a:latin typeface="Aptos" panose="020B0004020202020204" pitchFamily="34" charset="0"/>
+                <a:cs typeface="Times New Roman" panose="02020603050405020304" pitchFamily="18" charset="0"/>
+              </a:rPr>
+              <a:t>Since we changed the Frequency responses to integers, I looked at the sums of those numbers to create this aggregate overall view of popularity of each genre.</a:t>
             </a:r>
           </a:p>
           <a:p>
@@ -1838,37 +2103,14 @@
               <a:buChar char="-"/>
             </a:pPr>
             <a:r>
-              <a:rPr lang="en-US" dirty="0"/>
-              <a:t>The top three favorite genres are Rock, Pop, and Metal.</a:t>
-            </a:r>
-          </a:p>
-          <a:p>
-            <a:pPr marL="171450" indent="-171450">
-              <a:buFontTx/>
-              <a:buChar char="-"/>
-            </a:pPr>
-            <a:r>
-              <a:rPr lang="en-US" dirty="0"/>
-              <a:t>Metal is actually listened to 61% as much as rock, which aligns with favoritism, but Metal is listened to 63% as much as Pop, even though it’s just under Pop in favoritism.</a:t>
-            </a:r>
-          </a:p>
-          <a:p>
-            <a:pPr marL="171450" indent="-171450">
-              <a:buFontTx/>
-              <a:buChar char="-"/>
-            </a:pPr>
-            <a:r>
-              <a:rPr lang="en-US" dirty="0"/>
-              <a:t>This could indicate that listeners of Metal are more likely to report having worse mental health, though we don’t have enough information here to determine if listening to Metal music </a:t>
-            </a:r>
-            <a:r>
-              <a:rPr lang="en-US" i="1" dirty="0"/>
-              <a:t>causes</a:t>
-            </a:r>
-            <a:r>
-              <a:rPr lang="en-US" dirty="0"/>
-              <a:t> poor mental health.</a:t>
-            </a:r>
+              <a:rPr lang="en-US" sz="1800" dirty="0">
+                <a:effectLst/>
+                <a:latin typeface="Aptos" panose="020B0004020202020204" pitchFamily="34" charset="0"/>
+                <a:cs typeface="Times New Roman" panose="02020603050405020304" pitchFamily="18" charset="0"/>
+              </a:rPr>
+              <a:t>You can see that listeners of Rock and Pop have the highest rank of mental illness for all 4 disorders in this study.</a:t>
+            </a:r>
+            <a:endParaRPr lang="en-US" dirty="0"/>
           </a:p>
         </p:txBody>
       </p:sp>
@@ -1889,7 +2131,7 @@
           <a:p>
             <a:fld id="{42920916-3BF0-4BFA-A926-7A7034BA2134}" type="slidenum">
               <a:rPr lang="en-US" smtClean="0"/>
-              <a:t>9</a:t>
+              <a:t>8</a:t>
             </a:fld>
             <a:endParaRPr lang="en-US"/>
           </a:p>
@@ -1898,7 +2140,7 @@
     </p:spTree>
     <p:extLst>
       <p:ext uri="{BB962C8B-B14F-4D97-AF65-F5344CB8AC3E}">
-        <p14:creationId xmlns:p14="http://schemas.microsoft.com/office/powerpoint/2010/main" val="3592650669"/>
+        <p14:creationId xmlns:p14="http://schemas.microsoft.com/office/powerpoint/2010/main" val="2949051959"/>
       </p:ext>
     </p:extLst>
   </p:cSld>
@@ -1968,7 +2210,7 @@
             </a:pPr>
             <a:r>
               <a:rPr lang="en-US" dirty="0"/>
-              <a:t>You might think that if the top favorite genres for respondents with high mental disorder rank are Rock, Pop, and Metal, then there could be a relationship with high BPM and disorder rank.</a:t>
+              <a:t>Now let’s compare the genres most frequently listened to by those with high ranks of each disorder with the genres those same users listed as their favorites.</a:t>
             </a:r>
           </a:p>
           <a:p>
@@ -1978,7 +2220,7 @@
             </a:pPr>
             <a:r>
               <a:rPr lang="en-US" dirty="0"/>
-              <a:t>On this leaderboard, you can see that the average BPM was similar for almost all users with individual disorders.</a:t>
+              <a:t>The results are similar but actually vary quite a bit.</a:t>
             </a:r>
           </a:p>
           <a:p>
@@ -1988,7 +2230,7 @@
             </a:pPr>
             <a:r>
               <a:rPr lang="en-US" dirty="0"/>
-              <a:t>Since increasing the average BPM does not necessarily increase the disorder rank, we cannot say that BPM really makes much difference to disorder rank.</a:t>
+              <a:t>The top three favorite genres are Rock, Pop, and Metal.</a:t>
             </a:r>
           </a:p>
           <a:p>
@@ -1998,7 +2240,25 @@
             </a:pPr>
             <a:r>
               <a:rPr lang="en-US" dirty="0"/>
-              <a:t>We can glean more information from looking at the favorite genres and frequencies of listening for each when predicting mental health status.</a:t>
+              <a:t>Metal is actually listened to 61% as much as rock, which aligns with favoritism, but Metal is listened to 63% as much as Pop, even though it’s just under Pop in favoritism.</a:t>
+            </a:r>
+          </a:p>
+          <a:p>
+            <a:pPr marL="171450" indent="-171450">
+              <a:buFontTx/>
+              <a:buChar char="-"/>
+            </a:pPr>
+            <a:r>
+              <a:rPr lang="en-US" dirty="0"/>
+              <a:t>This could indicate that listeners of Metal are more likely to report having worse mental health, though we don’t have enough information here to determine if listening to Metal music </a:t>
+            </a:r>
+            <a:r>
+              <a:rPr lang="en-US" i="1" dirty="0"/>
+              <a:t>causes</a:t>
+            </a:r>
+            <a:r>
+              <a:rPr lang="en-US" dirty="0"/>
+              <a:t> poor mental health.</a:t>
             </a:r>
           </a:p>
         </p:txBody>
@@ -2020,7 +2280,7 @@
           <a:p>
             <a:fld id="{42920916-3BF0-4BFA-A926-7A7034BA2134}" type="slidenum">
               <a:rPr lang="en-US" smtClean="0"/>
-              <a:t>10</a:t>
+              <a:t>9</a:t>
             </a:fld>
             <a:endParaRPr lang="en-US"/>
           </a:p>
@@ -2029,7 +2289,7 @@
     </p:spTree>
     <p:extLst>
       <p:ext uri="{BB962C8B-B14F-4D97-AF65-F5344CB8AC3E}">
-        <p14:creationId xmlns:p14="http://schemas.microsoft.com/office/powerpoint/2010/main" val="1367573228"/>
+        <p14:creationId xmlns:p14="http://schemas.microsoft.com/office/powerpoint/2010/main" val="3592650669"/>
       </p:ext>
     </p:extLst>
   </p:cSld>
@@ -2197,7 +2457,7 @@
           <a:p>
             <a:fld id="{02AC24A9-CCB6-4F8D-B8DB-C2F3692CFA5A}" type="datetimeFigureOut">
               <a:rPr lang="en-US" smtClean="0"/>
-              <a:t>6/9/2024</a:t>
+              <a:t>6/10/2024</a:t>
             </a:fld>
             <a:endParaRPr lang="en-US" dirty="0"/>
           </a:p>
@@ -2425,7 +2685,7 @@
           <a:p>
             <a:fld id="{02AC24A9-CCB6-4F8D-B8DB-C2F3692CFA5A}" type="datetimeFigureOut">
               <a:rPr lang="en-US" smtClean="0"/>
-              <a:t>6/9/2024</a:t>
+              <a:t>6/10/2024</a:t>
             </a:fld>
             <a:endParaRPr lang="en-US"/>
           </a:p>
@@ -2605,7 +2865,7 @@
           <a:p>
             <a:fld id="{02AC24A9-CCB6-4F8D-B8DB-C2F3692CFA5A}" type="datetimeFigureOut">
               <a:rPr lang="en-US" smtClean="0"/>
-              <a:t>6/9/2024</a:t>
+              <a:t>6/10/2024</a:t>
             </a:fld>
             <a:endParaRPr lang="en-US"/>
           </a:p>
@@ -2775,7 +3035,7 @@
           <a:p>
             <a:fld id="{02AC24A9-CCB6-4F8D-B8DB-C2F3692CFA5A}" type="datetimeFigureOut">
               <a:rPr lang="en-US" smtClean="0"/>
-              <a:t>6/9/2024</a:t>
+              <a:t>6/10/2024</a:t>
             </a:fld>
             <a:endParaRPr lang="en-US"/>
           </a:p>
@@ -3029,7 +3289,7 @@
           <a:p>
             <a:fld id="{02AC24A9-CCB6-4F8D-B8DB-C2F3692CFA5A}" type="datetimeFigureOut">
               <a:rPr lang="en-US" smtClean="0"/>
-              <a:t>6/9/2024</a:t>
+              <a:t>6/10/2024</a:t>
             </a:fld>
             <a:endParaRPr lang="en-US"/>
           </a:p>
@@ -3355,7 +3615,7 @@
           <a:p>
             <a:fld id="{02AC24A9-CCB6-4F8D-B8DB-C2F3692CFA5A}" type="datetimeFigureOut">
               <a:rPr lang="en-US" smtClean="0"/>
-              <a:t>6/9/2024</a:t>
+              <a:t>6/10/2024</a:t>
             </a:fld>
             <a:endParaRPr lang="en-US"/>
           </a:p>
@@ -3806,7 +4066,7 @@
           <a:p>
             <a:fld id="{02AC24A9-CCB6-4F8D-B8DB-C2F3692CFA5A}" type="datetimeFigureOut">
               <a:rPr lang="en-US" smtClean="0"/>
-              <a:t>6/9/2024</a:t>
+              <a:t>6/10/2024</a:t>
             </a:fld>
             <a:endParaRPr lang="en-US"/>
           </a:p>
@@ -3924,7 +4184,7 @@
           <a:p>
             <a:fld id="{02AC24A9-CCB6-4F8D-B8DB-C2F3692CFA5A}" type="datetimeFigureOut">
               <a:rPr lang="en-US" smtClean="0"/>
-              <a:t>6/9/2024</a:t>
+              <a:t>6/10/2024</a:t>
             </a:fld>
             <a:endParaRPr lang="en-US"/>
           </a:p>
@@ -4019,7 +4279,7 @@
           <a:p>
             <a:fld id="{02AC24A9-CCB6-4F8D-B8DB-C2F3692CFA5A}" type="datetimeFigureOut">
               <a:rPr lang="en-US" smtClean="0"/>
-              <a:t>6/9/2024</a:t>
+              <a:t>6/10/2024</a:t>
             </a:fld>
             <a:endParaRPr lang="en-US"/>
           </a:p>
@@ -4306,7 +4566,7 @@
           <a:p>
             <a:fld id="{02AC24A9-CCB6-4F8D-B8DB-C2F3692CFA5A}" type="datetimeFigureOut">
               <a:rPr lang="en-US" smtClean="0"/>
-              <a:t>6/9/2024</a:t>
+              <a:t>6/10/2024</a:t>
             </a:fld>
             <a:endParaRPr lang="en-US" dirty="0"/>
           </a:p>
@@ -4628,7 +4888,7 @@
           <a:p>
             <a:fld id="{02AC24A9-CCB6-4F8D-B8DB-C2F3692CFA5A}" type="datetimeFigureOut">
               <a:rPr lang="en-US" smtClean="0"/>
-              <a:t>6/9/2024</a:t>
+              <a:t>6/10/2024</a:t>
             </a:fld>
             <a:endParaRPr lang="en-US"/>
           </a:p>
@@ -4885,7 +5145,7 @@
           <a:p>
             <a:fld id="{02AC24A9-CCB6-4F8D-B8DB-C2F3692CFA5A}" type="datetimeFigureOut">
               <a:rPr lang="en-US" smtClean="0"/>
-              <a:t>6/9/2024</a:t>
+              <a:t>6/10/2024</a:t>
             </a:fld>
             <a:endParaRPr lang="en-US"/>
           </a:p>
@@ -5388,7 +5648,7 @@
           <p:nvPr/>
         </p:nvPicPr>
         <p:blipFill rotWithShape="1">
-          <a:blip r:embed="rId2">
+          <a:blip r:embed="rId3">
             <a:extLst>
               <a:ext uri="{28A0092B-C50C-407E-A947-70E740481C1C}">
                 <a14:useLocalDpi xmlns:a14="http://schemas.microsoft.com/office/drawing/2010/main" val="0"/>
@@ -5597,8 +5857,8 @@
         </p:nvSpPr>
         <p:spPr>
           <a:xfrm>
-            <a:off x="552450" y="1603109"/>
-            <a:ext cx="8586978" cy="731520"/>
+            <a:off x="7799858" y="1506855"/>
+            <a:ext cx="4137122" cy="1089211"/>
           </a:xfrm>
         </p:spPr>
         <p:txBody>
@@ -5618,10 +5878,10 @@
       </p:sp>
       <p:pic>
         <p:nvPicPr>
-          <p:cNvPr id="8" name="Content Placeholder 7" descr="A chart of different colored squares&#10;&#10;Description automatically generated">
+          <p:cNvPr id="10" name="Content Placeholder 9" descr="A table of pink and purple squares&#10;&#10;Description automatically generated">
             <a:extLst>
               <a:ext uri="{FF2B5EF4-FFF2-40B4-BE49-F238E27FC236}">
-                <a16:creationId xmlns:a16="http://schemas.microsoft.com/office/drawing/2014/main" id="{56EF25C2-7D60-152C-762D-D5CF49A881BA}"/>
+                <a16:creationId xmlns:a16="http://schemas.microsoft.com/office/drawing/2014/main" id="{5DCAB6B5-4C9B-2829-E2BF-A3E58D33203B}"/>
               </a:ext>
             </a:extLst>
           </p:cNvPr>
@@ -5632,7 +5892,7 @@
             <p:ph sz="half" idx="2"/>
           </p:nvPr>
         </p:nvPicPr>
-        <p:blipFill rotWithShape="1">
+        <p:blipFill>
           <a:blip r:embed="rId3">
             <a:extLst>
               <a:ext uri="{28A0092B-C50C-407E-A947-70E740481C1C}">
@@ -5640,22 +5900,23 @@
               </a:ext>
             </a:extLst>
           </a:blip>
-          <a:srcRect r="8373"/>
-          <a:stretch/>
+          <a:stretch>
+            <a:fillRect/>
+          </a:stretch>
         </p:blipFill>
         <p:spPr>
           <a:xfrm>
-            <a:off x="5924551" y="2582967"/>
-            <a:ext cx="5029962" cy="3659716"/>
+            <a:off x="633133" y="1600358"/>
+            <a:ext cx="5985902" cy="4565917"/>
           </a:xfrm>
         </p:spPr>
       </p:pic>
       <p:pic>
         <p:nvPicPr>
-          <p:cNvPr id="14" name="Content Placeholder 13" descr="A table with numbers and letters&#10;&#10;Description automatically generated">
+          <p:cNvPr id="12" name="Content Placeholder 11" descr="A black background with red lines&#10;&#10;Description automatically generated">
             <a:extLst>
               <a:ext uri="{FF2B5EF4-FFF2-40B4-BE49-F238E27FC236}">
-                <a16:creationId xmlns:a16="http://schemas.microsoft.com/office/drawing/2014/main" id="{BFE0DFB7-0A7D-9950-46B3-C080CB02BFC4}"/>
+                <a16:creationId xmlns:a16="http://schemas.microsoft.com/office/drawing/2014/main" id="{7B81C015-A623-2230-EA9E-70537FD69C0F}"/>
               </a:ext>
             </a:extLst>
           </p:cNvPr>
@@ -5680,9 +5941,45 @@
         </p:blipFill>
         <p:spPr>
           <a:xfrm>
-            <a:off x="552450" y="2582967"/>
-            <a:ext cx="4982935" cy="3659717"/>
+            <a:off x="7799858" y="3307976"/>
+            <a:ext cx="2638187" cy="2743200"/>
           </a:xfrm>
+        </p:spPr>
+      </p:pic>
+      <p:pic>
+        <p:nvPicPr>
+          <p:cNvPr id="15" name="Picture 14" descr="A pink and black line&#10;&#10;Description automatically generated with medium confidence">
+            <a:extLst>
+              <a:ext uri="{FF2B5EF4-FFF2-40B4-BE49-F238E27FC236}">
+                <a16:creationId xmlns:a16="http://schemas.microsoft.com/office/drawing/2014/main" id="{AB699B41-155C-B15D-AACF-7FCB943378C5}"/>
+              </a:ext>
+            </a:extLst>
+          </p:cNvPr>
+          <p:cNvPicPr>
+            <a:picLocks noChangeAspect="1"/>
+          </p:cNvPicPr>
+          <p:nvPr/>
+        </p:nvPicPr>
+        <p:blipFill>
+          <a:blip r:embed="rId5">
+            <a:extLst>
+              <a:ext uri="{28A0092B-C50C-407E-A947-70E740481C1C}">
+                <a14:useLocalDpi xmlns:a14="http://schemas.microsoft.com/office/drawing/2010/main" val="0"/>
+              </a:ext>
+            </a:extLst>
+          </a:blip>
+          <a:stretch>
+            <a:fillRect/>
+          </a:stretch>
+        </p:blipFill>
+        <p:spPr>
+          <a:xfrm>
+            <a:off x="6561690" y="1600358"/>
+            <a:ext cx="647756" cy="4565917"/>
+          </a:xfrm>
+          <a:prstGeom prst="rect">
+            <a:avLst/>
+          </a:prstGeom>
         </p:spPr>
       </p:pic>
     </p:spTree>
@@ -6027,13 +6324,13 @@
   <p:clrMapOvr>
     <a:masterClrMapping/>
   </p:clrMapOvr>
-  <mc:AlternateContent xmlns:mc="http://schemas.openxmlformats.org/markup-compatibility/2006">
-    <mc:Choice xmlns:p14="http://schemas.microsoft.com/office/powerpoint/2010/main" Requires="p14">
+  <mc:AlternateContent xmlns:mc="http://schemas.openxmlformats.org/markup-compatibility/2006" xmlns:p14="http://schemas.microsoft.com/office/powerpoint/2010/main">
+    <mc:Choice Requires="p14">
       <p:transition spd="med" p14:dur="700">
         <p:fade/>
       </p:transition>
     </mc:Choice>
-    <mc:Fallback>
+    <mc:Fallback xmlns="">
       <p:transition spd="med">
         <p:fade/>
       </p:transition>
@@ -6226,7 +6523,7 @@
           <a:p>
             <a:r>
               <a:rPr lang="en-US" dirty="0"/>
-              <a:t>Over 6 hours: no correlation with improvement in MH</a:t>
+              <a:t>Over 6 hours: no correlation with improvement in mental health</a:t>
             </a:r>
           </a:p>
           <a:p>
@@ -6253,13 +6550,13 @@
   <p:clrMapOvr>
     <a:masterClrMapping/>
   </p:clrMapOvr>
-  <mc:AlternateContent xmlns:mc="http://schemas.openxmlformats.org/markup-compatibility/2006">
-    <mc:Choice xmlns:p14="http://schemas.microsoft.com/office/powerpoint/2010/main" Requires="p14">
+  <mc:AlternateContent xmlns:mc="http://schemas.openxmlformats.org/markup-compatibility/2006" xmlns:p14="http://schemas.microsoft.com/office/powerpoint/2010/main">
+    <mc:Choice Requires="p14">
       <p:transition spd="slow">
         <p14:reveal/>
       </p:transition>
     </mc:Choice>
-    <mc:Fallback>
+    <mc:Fallback xmlns="">
       <p:transition spd="slow">
         <p:fade/>
       </p:transition>
@@ -6342,8 +6639,8 @@
         </p:nvSpPr>
         <p:spPr>
           <a:xfrm>
-            <a:off x="481942" y="6016714"/>
-            <a:ext cx="4480560" cy="731520"/>
+            <a:off x="530928" y="6016714"/>
+            <a:ext cx="4480560" cy="494391"/>
           </a:xfrm>
         </p:spPr>
         <p:txBody>
@@ -6410,8 +6707,8 @@
         </p:nvSpPr>
         <p:spPr>
           <a:xfrm>
-            <a:off x="6126638" y="6016714"/>
-            <a:ext cx="4480560" cy="731520"/>
+            <a:off x="6542436" y="6016713"/>
+            <a:ext cx="4480560" cy="494392"/>
           </a:xfrm>
         </p:spPr>
         <p:txBody>
@@ -8708,7 +9005,9 @@
           </a:xfrm>
         </p:spPr>
         <p:txBody>
-          <a:bodyPr/>
+          <a:bodyPr>
+            <a:normAutofit lnSpcReduction="10000"/>
+          </a:bodyPr>
           <a:lstStyle/>
           <a:p>
             <a:pPr>
@@ -8744,6 +9043,21 @@
                 <a:schemeClr val="bg1"/>
               </a:solidFill>
             </a:endParaRPr>
+          </a:p>
+          <a:p>
+            <a:pPr lvl="1">
+              <a:buClr>
+                <a:schemeClr val="bg1"/>
+              </a:buClr>
+            </a:pPr>
+            <a:r>
+              <a:rPr lang="en-US" dirty="0">
+                <a:solidFill>
+                  <a:schemeClr val="bg1"/>
+                </a:solidFill>
+              </a:rPr>
+              <a:t>Thank you Professor Booth for helping us find this!</a:t>
+            </a:r>
           </a:p>
           <a:p>
             <a:pPr>
@@ -9073,7 +9387,7 @@
         </p:spPr>
         <p:txBody>
           <a:bodyPr>
-            <a:normAutofit lnSpcReduction="10000"/>
+            <a:normAutofit fontScale="92500" lnSpcReduction="10000"/>
           </a:bodyPr>
           <a:lstStyle/>
           <a:p>
@@ -9088,7 +9402,7 @@
                   <a:schemeClr val="bg1"/>
                 </a:solidFill>
               </a:rPr>
-              <a:t>Mental health is a very prevalent issue in today’s society</a:t>
+              <a:t>Mental health is a very prevalent issue in today’s society.</a:t>
             </a:r>
           </a:p>
           <a:p>
@@ -9162,7 +9476,7 @@
         </p:spPr>
         <p:txBody>
           <a:bodyPr>
-            <a:normAutofit lnSpcReduction="10000"/>
+            <a:normAutofit fontScale="92500" lnSpcReduction="10000"/>
           </a:bodyPr>
           <a:lstStyle/>
           <a:p>
@@ -9177,7 +9491,7 @@
                   <a:schemeClr val="bg1"/>
                 </a:solidFill>
               </a:rPr>
-              <a:t>Data from a computer science student researching music therapy</a:t>
+              <a:t>Data from a computer science student researching music therapy in 2022</a:t>
             </a:r>
           </a:p>
           <a:p>
@@ -9193,6 +9507,21 @@
                 </a:solidFill>
               </a:rPr>
               <a:t>Over 700 respondents</a:t>
+            </a:r>
+          </a:p>
+          <a:p>
+            <a:pPr lvl="2">
+              <a:buClr>
+                <a:schemeClr val="bg1"/>
+              </a:buClr>
+            </a:pPr>
+            <a:r>
+              <a:rPr lang="en-US" sz="1600" dirty="0">
+                <a:solidFill>
+                  <a:schemeClr val="bg1"/>
+                </a:solidFill>
+              </a:rPr>
+              <a:t>Mostly online, some physical surveys</a:t>
             </a:r>
           </a:p>
           <a:p>
@@ -10776,21 +11105,19 @@
       </p:sp>
       <p:pic>
         <p:nvPicPr>
-          <p:cNvPr id="8" name="Content Placeholder 7" descr="A screenshot of a graph&#10;&#10;Description automatically generated">
+          <p:cNvPr id="3" name="Picture 2" descr="A screenshot of a graph&#10;&#10;Description automatically generated">
             <a:extLst>
               <a:ext uri="{FF2B5EF4-FFF2-40B4-BE49-F238E27FC236}">
-                <a16:creationId xmlns:a16="http://schemas.microsoft.com/office/drawing/2014/main" id="{1C3DC9D0-9000-3603-98C6-3042C63B4A18}"/>
+                <a16:creationId xmlns:a16="http://schemas.microsoft.com/office/drawing/2014/main" id="{3D2E5182-A72D-53E4-FBB6-5D632D45B53E}"/>
               </a:ext>
             </a:extLst>
           </p:cNvPr>
           <p:cNvPicPr>
-            <a:picLocks noGrp="1" noChangeAspect="1"/>
+            <a:picLocks noChangeAspect="1"/>
           </p:cNvPicPr>
-          <p:nvPr>
-            <p:ph sz="half" idx="2"/>
-          </p:nvPr>
+          <p:nvPr/>
         </p:nvPicPr>
-        <p:blipFill>
+        <p:blipFill rotWithShape="1">
           <a:blip r:embed="rId3">
             <a:extLst>
               <a:ext uri="{28A0092B-C50C-407E-A947-70E740481C1C}">
@@ -10798,15 +11125,17 @@
               </a:ext>
             </a:extLst>
           </a:blip>
-          <a:stretch>
-            <a:fillRect/>
-          </a:stretch>
+          <a:srcRect r="9088" b="10000"/>
+          <a:stretch/>
         </p:blipFill>
         <p:spPr>
           <a:xfrm>
             <a:off x="1080240" y="1225523"/>
-            <a:ext cx="10055904" cy="5471111"/>
+            <a:ext cx="10107862" cy="5444218"/>
           </a:xfrm>
+          <a:prstGeom prst="rect">
+            <a:avLst/>
+          </a:prstGeom>
         </p:spPr>
       </p:pic>
     </p:spTree>
@@ -10894,74 +11223,6 @@
           </a:p>
         </p:txBody>
       </p:sp>
-      <p:pic>
-        <p:nvPicPr>
-          <p:cNvPr id="8" name="Content Placeholder 7" descr="A screenshot of a graph&#10;&#10;Description automatically generated">
-            <a:extLst>
-              <a:ext uri="{FF2B5EF4-FFF2-40B4-BE49-F238E27FC236}">
-                <a16:creationId xmlns:a16="http://schemas.microsoft.com/office/drawing/2014/main" id="{1C3DC9D0-9000-3603-98C6-3042C63B4A18}"/>
-              </a:ext>
-            </a:extLst>
-          </p:cNvPr>
-          <p:cNvPicPr>
-            <a:picLocks noGrp="1" noChangeAspect="1"/>
-          </p:cNvPicPr>
-          <p:nvPr>
-            <p:ph sz="half" idx="2"/>
-          </p:nvPr>
-        </p:nvPicPr>
-        <p:blipFill rotWithShape="1">
-          <a:blip r:embed="rId3">
-            <a:extLst>
-              <a:ext uri="{28A0092B-C50C-407E-A947-70E740481C1C}">
-                <a14:useLocalDpi xmlns:a14="http://schemas.microsoft.com/office/drawing/2010/main" val="0"/>
-              </a:ext>
-            </a:extLst>
-          </a:blip>
-          <a:srcRect r="8154" b="9428"/>
-          <a:stretch/>
-        </p:blipFill>
-        <p:spPr>
-          <a:xfrm>
-            <a:off x="133571" y="2507551"/>
-            <a:ext cx="5837155" cy="3131768"/>
-          </a:xfrm>
-        </p:spPr>
-      </p:pic>
-      <p:pic>
-        <p:nvPicPr>
-          <p:cNvPr id="12" name="Content Placeholder 11" descr="A screenshot of a computer&#10;&#10;Description automatically generated">
-            <a:extLst>
-              <a:ext uri="{FF2B5EF4-FFF2-40B4-BE49-F238E27FC236}">
-                <a16:creationId xmlns:a16="http://schemas.microsoft.com/office/drawing/2014/main" id="{68E6AD1F-4128-02E7-3AB1-C507253DBFC0}"/>
-              </a:ext>
-            </a:extLst>
-          </p:cNvPr>
-          <p:cNvPicPr>
-            <a:picLocks noGrp="1" noChangeAspect="1"/>
-          </p:cNvPicPr>
-          <p:nvPr>
-            <p:ph sz="quarter" idx="4"/>
-          </p:nvPr>
-        </p:nvPicPr>
-        <p:blipFill rotWithShape="1">
-          <a:blip r:embed="rId4">
-            <a:extLst>
-              <a:ext uri="{28A0092B-C50C-407E-A947-70E740481C1C}">
-                <a14:useLocalDpi xmlns:a14="http://schemas.microsoft.com/office/drawing/2010/main" val="0"/>
-              </a:ext>
-            </a:extLst>
-          </a:blip>
-          <a:srcRect r="9356" b="9318"/>
-          <a:stretch/>
-        </p:blipFill>
-        <p:spPr>
-          <a:xfrm>
-            <a:off x="6126163" y="2467508"/>
-            <a:ext cx="5827358" cy="3171811"/>
-          </a:xfrm>
-        </p:spPr>
-      </p:pic>
       <p:sp>
         <p:nvSpPr>
           <p:cNvPr id="10" name="Text Placeholder 9">
@@ -11323,6 +11584,173 @@
           </a:p>
           <a:p>
             <a:endParaRPr lang="en-US" dirty="0"/>
+          </a:p>
+        </p:txBody>
+      </p:sp>
+      <p:pic>
+        <p:nvPicPr>
+          <p:cNvPr id="4" name="Picture 3" descr="A screenshot of a graph&#10;&#10;Description automatically generated">
+            <a:extLst>
+              <a:ext uri="{FF2B5EF4-FFF2-40B4-BE49-F238E27FC236}">
+                <a16:creationId xmlns:a16="http://schemas.microsoft.com/office/drawing/2014/main" id="{835D1525-194F-5454-1A8A-F9B9027AB4E1}"/>
+              </a:ext>
+            </a:extLst>
+          </p:cNvPr>
+          <p:cNvPicPr>
+            <a:picLocks noChangeAspect="1"/>
+          </p:cNvPicPr>
+          <p:nvPr/>
+        </p:nvPicPr>
+        <p:blipFill rotWithShape="1">
+          <a:blip r:embed="rId3">
+            <a:extLst>
+              <a:ext uri="{28A0092B-C50C-407E-A947-70E740481C1C}">
+                <a14:useLocalDpi xmlns:a14="http://schemas.microsoft.com/office/drawing/2010/main" val="0"/>
+              </a:ext>
+            </a:extLst>
+          </a:blip>
+          <a:srcRect r="9088" b="10000"/>
+          <a:stretch/>
+        </p:blipFill>
+        <p:spPr>
+          <a:xfrm>
+            <a:off x="176980" y="2467508"/>
+            <a:ext cx="5888858" cy="3171811"/>
+          </a:xfrm>
+          <a:prstGeom prst="rect">
+            <a:avLst/>
+          </a:prstGeom>
+        </p:spPr>
+      </p:pic>
+      <p:pic>
+        <p:nvPicPr>
+          <p:cNvPr id="9" name="Content Placeholder 8" descr="A screenshot of a computer&#10;&#10;Description automatically generated">
+            <a:extLst>
+              <a:ext uri="{FF2B5EF4-FFF2-40B4-BE49-F238E27FC236}">
+                <a16:creationId xmlns:a16="http://schemas.microsoft.com/office/drawing/2014/main" id="{CB8CBFC8-FEE8-CDCF-6BA0-7D495B23BABB}"/>
+              </a:ext>
+            </a:extLst>
+          </p:cNvPr>
+          <p:cNvPicPr>
+            <a:picLocks noGrp="1" noChangeAspect="1"/>
+          </p:cNvPicPr>
+          <p:nvPr>
+            <p:ph sz="half" idx="2"/>
+          </p:nvPr>
+        </p:nvPicPr>
+        <p:blipFill rotWithShape="1">
+          <a:blip r:embed="rId4">
+            <a:extLst>
+              <a:ext uri="{28A0092B-C50C-407E-A947-70E740481C1C}">
+                <a14:useLocalDpi xmlns:a14="http://schemas.microsoft.com/office/drawing/2010/main" val="0"/>
+              </a:ext>
+            </a:extLst>
+          </a:blip>
+          <a:srcRect r="9402" b="10148"/>
+          <a:stretch/>
+        </p:blipFill>
+        <p:spPr>
+          <a:xfrm>
+            <a:off x="6126165" y="2467509"/>
+            <a:ext cx="5888856" cy="3177576"/>
+          </a:xfrm>
+        </p:spPr>
+      </p:pic>
+      <p:sp>
+        <p:nvSpPr>
+          <p:cNvPr id="16" name="Arrow: Left 15">
+            <a:extLst>
+              <a:ext uri="{FF2B5EF4-FFF2-40B4-BE49-F238E27FC236}">
+                <a16:creationId xmlns:a16="http://schemas.microsoft.com/office/drawing/2014/main" id="{0B935828-13F8-8CD6-5227-D0ADB1CFFA5A}"/>
+              </a:ext>
+            </a:extLst>
+          </p:cNvPr>
+          <p:cNvSpPr/>
+          <p:nvPr/>
+        </p:nvSpPr>
+        <p:spPr>
+          <a:xfrm>
+            <a:off x="4202021" y="3926540"/>
+            <a:ext cx="1680882" cy="174812"/>
+          </a:xfrm>
+          <a:prstGeom prst="leftArrow">
+            <a:avLst/>
+          </a:prstGeom>
+          <a:solidFill>
+            <a:srgbClr val="FF5050"/>
+          </a:solidFill>
+        </p:spPr>
+        <p:style>
+          <a:lnRef idx="2">
+            <a:schemeClr val="accent1">
+              <a:shade val="15000"/>
+            </a:schemeClr>
+          </a:lnRef>
+          <a:fillRef idx="1">
+            <a:schemeClr val="accent1"/>
+          </a:fillRef>
+          <a:effectRef idx="0">
+            <a:schemeClr val="accent1"/>
+          </a:effectRef>
+          <a:fontRef idx="minor">
+            <a:schemeClr val="lt1"/>
+          </a:fontRef>
+        </p:style>
+        <p:txBody>
+          <a:bodyPr rtlCol="0" anchor="ctr"/>
+          <a:lstStyle/>
+          <a:p>
+            <a:pPr algn="ctr"/>
+            <a:endParaRPr lang="en-US"/>
+          </a:p>
+        </p:txBody>
+      </p:sp>
+      <p:sp>
+        <p:nvSpPr>
+          <p:cNvPr id="17" name="Arrow: Left 16">
+            <a:extLst>
+              <a:ext uri="{FF2B5EF4-FFF2-40B4-BE49-F238E27FC236}">
+                <a16:creationId xmlns:a16="http://schemas.microsoft.com/office/drawing/2014/main" id="{46EF69C3-6DF3-DE9E-8F1F-808DE1251B91}"/>
+              </a:ext>
+            </a:extLst>
+          </p:cNvPr>
+          <p:cNvSpPr/>
+          <p:nvPr/>
+        </p:nvSpPr>
+        <p:spPr>
+          <a:xfrm>
+            <a:off x="9547412" y="3926540"/>
+            <a:ext cx="2041414" cy="174812"/>
+          </a:xfrm>
+          <a:prstGeom prst="leftArrow">
+            <a:avLst/>
+          </a:prstGeom>
+          <a:solidFill>
+            <a:srgbClr val="FF5050"/>
+          </a:solidFill>
+        </p:spPr>
+        <p:style>
+          <a:lnRef idx="2">
+            <a:schemeClr val="accent1">
+              <a:shade val="15000"/>
+            </a:schemeClr>
+          </a:lnRef>
+          <a:fillRef idx="1">
+            <a:schemeClr val="accent1"/>
+          </a:fillRef>
+          <a:effectRef idx="0">
+            <a:schemeClr val="accent1"/>
+          </a:effectRef>
+          <a:fontRef idx="minor">
+            <a:schemeClr val="lt1"/>
+          </a:fontRef>
+        </p:style>
+        <p:txBody>
+          <a:bodyPr rtlCol="0" anchor="ctr"/>
+          <a:lstStyle/>
+          <a:p>
+            <a:pPr algn="ctr"/>
+            <a:endParaRPr lang="en-US"/>
           </a:p>
         </p:txBody>
       </p:sp>
@@ -11348,6 +11776,128 @@
       </p:transition>
     </mc:Fallback>
   </mc:AlternateContent>
+  <p:timing>
+    <p:tnLst>
+      <p:par>
+        <p:cTn id="1" dur="indefinite" restart="never" nodeType="tmRoot">
+          <p:childTnLst>
+            <p:seq concurrent="1" nextAc="seek">
+              <p:cTn id="2" dur="indefinite" nodeType="mainSeq">
+                <p:childTnLst>
+                  <p:par>
+                    <p:cTn id="3" fill="hold">
+                      <p:stCondLst>
+                        <p:cond delay="indefinite"/>
+                      </p:stCondLst>
+                      <p:childTnLst>
+                        <p:par>
+                          <p:cTn id="4" fill="hold">
+                            <p:stCondLst>
+                              <p:cond delay="0"/>
+                            </p:stCondLst>
+                            <p:childTnLst>
+                              <p:par>
+                                <p:cTn id="5" presetID="10" presetClass="entr" presetSubtype="0" fill="hold" grpId="0" nodeType="clickEffect">
+                                  <p:stCondLst>
+                                    <p:cond delay="0"/>
+                                  </p:stCondLst>
+                                  <p:childTnLst>
+                                    <p:set>
+                                      <p:cBhvr>
+                                        <p:cTn id="6" dur="1" fill="hold">
+                                          <p:stCondLst>
+                                            <p:cond delay="0"/>
+                                          </p:stCondLst>
+                                        </p:cTn>
+                                        <p:tgtEl>
+                                          <p:spTgt spid="16"/>
+                                        </p:tgtEl>
+                                        <p:attrNameLst>
+                                          <p:attrName>style.visibility</p:attrName>
+                                        </p:attrNameLst>
+                                      </p:cBhvr>
+                                      <p:to>
+                                        <p:strVal val="visible"/>
+                                      </p:to>
+                                    </p:set>
+                                    <p:animEffect transition="in" filter="fade">
+                                      <p:cBhvr>
+                                        <p:cTn id="7" dur="500"/>
+                                        <p:tgtEl>
+                                          <p:spTgt spid="16"/>
+                                        </p:tgtEl>
+                                      </p:cBhvr>
+                                    </p:animEffect>
+                                  </p:childTnLst>
+                                </p:cTn>
+                              </p:par>
+                              <p:par>
+                                <p:cTn id="8" presetID="10" presetClass="entr" presetSubtype="0" fill="hold" grpId="0" nodeType="withEffect">
+                                  <p:stCondLst>
+                                    <p:cond delay="0"/>
+                                  </p:stCondLst>
+                                  <p:childTnLst>
+                                    <p:set>
+                                      <p:cBhvr>
+                                        <p:cTn id="9" dur="1" fill="hold">
+                                          <p:stCondLst>
+                                            <p:cond delay="0"/>
+                                          </p:stCondLst>
+                                        </p:cTn>
+                                        <p:tgtEl>
+                                          <p:spTgt spid="17"/>
+                                        </p:tgtEl>
+                                        <p:attrNameLst>
+                                          <p:attrName>style.visibility</p:attrName>
+                                        </p:attrNameLst>
+                                      </p:cBhvr>
+                                      <p:to>
+                                        <p:strVal val="visible"/>
+                                      </p:to>
+                                    </p:set>
+                                    <p:animEffect transition="in" filter="fade">
+                                      <p:cBhvr>
+                                        <p:cTn id="10" dur="500"/>
+                                        <p:tgtEl>
+                                          <p:spTgt spid="17"/>
+                                        </p:tgtEl>
+                                      </p:cBhvr>
+                                    </p:animEffect>
+                                  </p:childTnLst>
+                                </p:cTn>
+                              </p:par>
+                            </p:childTnLst>
+                          </p:cTn>
+                        </p:par>
+                      </p:childTnLst>
+                    </p:cTn>
+                  </p:par>
+                </p:childTnLst>
+              </p:cTn>
+              <p:prevCondLst>
+                <p:cond evt="onPrev" delay="0">
+                  <p:tgtEl>
+                    <p:sldTgt/>
+                  </p:tgtEl>
+                </p:cond>
+              </p:prevCondLst>
+              <p:nextCondLst>
+                <p:cond evt="onNext" delay="0">
+                  <p:tgtEl>
+                    <p:sldTgt/>
+                  </p:tgtEl>
+                </p:cond>
+              </p:nextCondLst>
+            </p:seq>
+          </p:childTnLst>
+        </p:cTn>
+      </p:par>
+    </p:tnLst>
+    <p:bldLst>
+      <p:bldP spid="16" grpId="0" animBg="1"/>
+      <p:bldP spid="17" grpId="0" animBg="1"/>
+    </p:bldLst>
+  </p:timing>
 </p:sld>
 </file>
 
